--- a/dokumente/Präsentation/MyController.pptx
+++ b/dokumente/Präsentation/MyController.pptx
@@ -5,17 +5,28 @@
     <p:sldMasterId id="2147483660" r:id="rId1"/>
   </p:sldMasterIdLst>
   <p:notesMasterIdLst>
-    <p:notesMasterId r:id="rId10"/>
+    <p:notesMasterId r:id="rId21"/>
   </p:notesMasterIdLst>
   <p:sldIdLst>
     <p:sldId id="256" r:id="rId2"/>
     <p:sldId id="257" r:id="rId3"/>
-    <p:sldId id="258" r:id="rId4"/>
-    <p:sldId id="260" r:id="rId5"/>
-    <p:sldId id="259" r:id="rId6"/>
-    <p:sldId id="262" r:id="rId7"/>
-    <p:sldId id="261" r:id="rId8"/>
-    <p:sldId id="263" r:id="rId9"/>
+    <p:sldId id="272" r:id="rId4"/>
+    <p:sldId id="258" r:id="rId5"/>
+    <p:sldId id="260" r:id="rId6"/>
+    <p:sldId id="259" r:id="rId7"/>
+    <p:sldId id="262" r:id="rId8"/>
+    <p:sldId id="261" r:id="rId9"/>
+    <p:sldId id="263" r:id="rId10"/>
+    <p:sldId id="264" r:id="rId11"/>
+    <p:sldId id="267" r:id="rId12"/>
+    <p:sldId id="265" r:id="rId13"/>
+    <p:sldId id="266" r:id="rId14"/>
+    <p:sldId id="268" r:id="rId15"/>
+    <p:sldId id="269" r:id="rId16"/>
+    <p:sldId id="273" r:id="rId17"/>
+    <p:sldId id="270" r:id="rId18"/>
+    <p:sldId id="274" r:id="rId19"/>
+    <p:sldId id="271" r:id="rId20"/>
   </p:sldIdLst>
   <p:sldSz cx="9144000" cy="6858000" type="screen4x3"/>
   <p:notesSz cx="6858000" cy="9144000"/>
@@ -199,7 +210,7 @@
           <a:p>
             <a:fld id="{25F4AA71-5E66-402A-8793-7CD0B9C1B5F4}" type="datetimeFigureOut">
               <a:rPr lang="de-DE" smtClean="0"/>
-              <a:t>01.02.2013</a:t>
+              <a:t>02.02.2013</a:t>
             </a:fld>
             <a:endParaRPr lang="de-DE"/>
           </a:p>
@@ -532,7 +543,7 @@
           <a:p>
             <a:fld id="{8D24707C-04AC-4161-BF2C-B9FE2827EFA8}" type="slidenum">
               <a:rPr lang="de-DE" smtClean="0"/>
-              <a:t>5</a:t>
+              <a:t>1</a:t>
             </a:fld>
             <a:endParaRPr lang="de-DE"/>
           </a:p>
@@ -541,7 +552,531 @@
     </p:spTree>
     <p:extLst>
       <p:ext uri="{BB962C8B-B14F-4D97-AF65-F5344CB8AC3E}">
-        <p14:creationId xmlns:p14="http://schemas.microsoft.com/office/powerpoint/2010/main" val="1445297274"/>
+        <p14:creationId xmlns:p14="http://schemas.microsoft.com/office/powerpoint/2010/main" val="2299516022"/>
+      </p:ext>
+    </p:extLst>
+  </p:cSld>
+  <p:clrMapOvr>
+    <a:masterClrMapping/>
+  </p:clrMapOvr>
+</p:notes>
+</file>
+
+<file path=ppt/notesSlides/notesSlide10.xml><?xml version="1.0" encoding="utf-8"?>
+<p:notes xmlns:a="http://schemas.openxmlformats.org/drawingml/2006/main" xmlns:r="http://schemas.openxmlformats.org/officeDocument/2006/relationships" xmlns:p="http://schemas.openxmlformats.org/presentationml/2006/main">
+  <p:cSld>
+    <p:spTree>
+      <p:nvGrpSpPr>
+        <p:cNvPr id="1" name=""/>
+        <p:cNvGrpSpPr/>
+        <p:nvPr/>
+      </p:nvGrpSpPr>
+      <p:grpSpPr>
+        <a:xfrm>
+          <a:off x="0" y="0"/>
+          <a:ext cx="0" cy="0"/>
+          <a:chOff x="0" y="0"/>
+          <a:chExt cx="0" cy="0"/>
+        </a:xfrm>
+      </p:grpSpPr>
+      <p:sp>
+        <p:nvSpPr>
+          <p:cNvPr id="2" name="Folienbildplatzhalter 1"/>
+          <p:cNvSpPr>
+            <a:spLocks noGrp="1" noRot="1" noChangeAspect="1"/>
+          </p:cNvSpPr>
+          <p:nvPr>
+            <p:ph type="sldImg"/>
+          </p:nvPr>
+        </p:nvSpPr>
+        <p:spPr/>
+      </p:sp>
+      <p:sp>
+        <p:nvSpPr>
+          <p:cNvPr id="3" name="Notizenplatzhalter 2"/>
+          <p:cNvSpPr>
+            <a:spLocks noGrp="1"/>
+          </p:cNvSpPr>
+          <p:nvPr>
+            <p:ph type="body" idx="1"/>
+          </p:nvPr>
+        </p:nvSpPr>
+        <p:spPr/>
+        <p:txBody>
+          <a:bodyPr/>
+          <a:lstStyle/>
+          <a:p>
+            <a:r>
+              <a:rPr lang="de-DE" dirty="0" smtClean="0"/>
+              <a:t>Tobi</a:t>
+            </a:r>
+            <a:endParaRPr lang="de-DE" dirty="0"/>
+          </a:p>
+        </p:txBody>
+      </p:sp>
+      <p:sp>
+        <p:nvSpPr>
+          <p:cNvPr id="4" name="Foliennummernplatzhalter 3"/>
+          <p:cNvSpPr>
+            <a:spLocks noGrp="1"/>
+          </p:cNvSpPr>
+          <p:nvPr>
+            <p:ph type="sldNum" sz="quarter" idx="10"/>
+          </p:nvPr>
+        </p:nvSpPr>
+        <p:spPr/>
+        <p:txBody>
+          <a:bodyPr/>
+          <a:lstStyle/>
+          <a:p>
+            <a:fld id="{8D24707C-04AC-4161-BF2C-B9FE2827EFA8}" type="slidenum">
+              <a:rPr lang="de-DE" smtClean="0"/>
+              <a:t>13</a:t>
+            </a:fld>
+            <a:endParaRPr lang="de-DE"/>
+          </a:p>
+        </p:txBody>
+      </p:sp>
+    </p:spTree>
+    <p:extLst>
+      <p:ext uri="{BB962C8B-B14F-4D97-AF65-F5344CB8AC3E}">
+        <p14:creationId xmlns:p14="http://schemas.microsoft.com/office/powerpoint/2010/main" val="3947929297"/>
+      </p:ext>
+    </p:extLst>
+  </p:cSld>
+  <p:clrMapOvr>
+    <a:masterClrMapping/>
+  </p:clrMapOvr>
+</p:notes>
+</file>
+
+<file path=ppt/notesSlides/notesSlide11.xml><?xml version="1.0" encoding="utf-8"?>
+<p:notes xmlns:a="http://schemas.openxmlformats.org/drawingml/2006/main" xmlns:r="http://schemas.openxmlformats.org/officeDocument/2006/relationships" xmlns:p="http://schemas.openxmlformats.org/presentationml/2006/main">
+  <p:cSld>
+    <p:spTree>
+      <p:nvGrpSpPr>
+        <p:cNvPr id="1" name=""/>
+        <p:cNvGrpSpPr/>
+        <p:nvPr/>
+      </p:nvGrpSpPr>
+      <p:grpSpPr>
+        <a:xfrm>
+          <a:off x="0" y="0"/>
+          <a:ext cx="0" cy="0"/>
+          <a:chOff x="0" y="0"/>
+          <a:chExt cx="0" cy="0"/>
+        </a:xfrm>
+      </p:grpSpPr>
+      <p:sp>
+        <p:nvSpPr>
+          <p:cNvPr id="2" name="Folienbildplatzhalter 1"/>
+          <p:cNvSpPr>
+            <a:spLocks noGrp="1" noRot="1" noChangeAspect="1"/>
+          </p:cNvSpPr>
+          <p:nvPr>
+            <p:ph type="sldImg"/>
+          </p:nvPr>
+        </p:nvSpPr>
+        <p:spPr/>
+      </p:sp>
+      <p:sp>
+        <p:nvSpPr>
+          <p:cNvPr id="3" name="Notizenplatzhalter 2"/>
+          <p:cNvSpPr>
+            <a:spLocks noGrp="1"/>
+          </p:cNvSpPr>
+          <p:nvPr>
+            <p:ph type="body" idx="1"/>
+          </p:nvPr>
+        </p:nvSpPr>
+        <p:spPr/>
+        <p:txBody>
+          <a:bodyPr/>
+          <a:lstStyle/>
+          <a:p>
+            <a:r>
+              <a:rPr lang="de-DE" dirty="0" smtClean="0"/>
+              <a:t>Tobi</a:t>
+            </a:r>
+            <a:endParaRPr lang="de-DE" dirty="0"/>
+          </a:p>
+        </p:txBody>
+      </p:sp>
+      <p:sp>
+        <p:nvSpPr>
+          <p:cNvPr id="4" name="Foliennummernplatzhalter 3"/>
+          <p:cNvSpPr>
+            <a:spLocks noGrp="1"/>
+          </p:cNvSpPr>
+          <p:nvPr>
+            <p:ph type="sldNum" sz="quarter" idx="10"/>
+          </p:nvPr>
+        </p:nvSpPr>
+        <p:spPr/>
+        <p:txBody>
+          <a:bodyPr/>
+          <a:lstStyle/>
+          <a:p>
+            <a:fld id="{8D24707C-04AC-4161-BF2C-B9FE2827EFA8}" type="slidenum">
+              <a:rPr lang="de-DE" smtClean="0"/>
+              <a:t>14</a:t>
+            </a:fld>
+            <a:endParaRPr lang="de-DE"/>
+          </a:p>
+        </p:txBody>
+      </p:sp>
+    </p:spTree>
+    <p:extLst>
+      <p:ext uri="{BB962C8B-B14F-4D97-AF65-F5344CB8AC3E}">
+        <p14:creationId xmlns:p14="http://schemas.microsoft.com/office/powerpoint/2010/main" val="2596171307"/>
+      </p:ext>
+    </p:extLst>
+  </p:cSld>
+  <p:clrMapOvr>
+    <a:masterClrMapping/>
+  </p:clrMapOvr>
+</p:notes>
+</file>
+
+<file path=ppt/notesSlides/notesSlide12.xml><?xml version="1.0" encoding="utf-8"?>
+<p:notes xmlns:a="http://schemas.openxmlformats.org/drawingml/2006/main" xmlns:r="http://schemas.openxmlformats.org/officeDocument/2006/relationships" xmlns:p="http://schemas.openxmlformats.org/presentationml/2006/main">
+  <p:cSld>
+    <p:spTree>
+      <p:nvGrpSpPr>
+        <p:cNvPr id="1" name=""/>
+        <p:cNvGrpSpPr/>
+        <p:nvPr/>
+      </p:nvGrpSpPr>
+      <p:grpSpPr>
+        <a:xfrm>
+          <a:off x="0" y="0"/>
+          <a:ext cx="0" cy="0"/>
+          <a:chOff x="0" y="0"/>
+          <a:chExt cx="0" cy="0"/>
+        </a:xfrm>
+      </p:grpSpPr>
+      <p:sp>
+        <p:nvSpPr>
+          <p:cNvPr id="2" name="Folienbildplatzhalter 1"/>
+          <p:cNvSpPr>
+            <a:spLocks noGrp="1" noRot="1" noChangeAspect="1"/>
+          </p:cNvSpPr>
+          <p:nvPr>
+            <p:ph type="sldImg"/>
+          </p:nvPr>
+        </p:nvSpPr>
+        <p:spPr/>
+      </p:sp>
+      <p:sp>
+        <p:nvSpPr>
+          <p:cNvPr id="3" name="Notizenplatzhalter 2"/>
+          <p:cNvSpPr>
+            <a:spLocks noGrp="1"/>
+          </p:cNvSpPr>
+          <p:nvPr>
+            <p:ph type="body" idx="1"/>
+          </p:nvPr>
+        </p:nvSpPr>
+        <p:spPr/>
+        <p:txBody>
+          <a:bodyPr/>
+          <a:lstStyle/>
+          <a:p>
+            <a:r>
+              <a:rPr lang="de-DE" dirty="0" smtClean="0"/>
+              <a:t>Tobi</a:t>
+            </a:r>
+            <a:endParaRPr lang="de-DE" dirty="0"/>
+          </a:p>
+        </p:txBody>
+      </p:sp>
+      <p:sp>
+        <p:nvSpPr>
+          <p:cNvPr id="4" name="Foliennummernplatzhalter 3"/>
+          <p:cNvSpPr>
+            <a:spLocks noGrp="1"/>
+          </p:cNvSpPr>
+          <p:nvPr>
+            <p:ph type="sldNum" sz="quarter" idx="10"/>
+          </p:nvPr>
+        </p:nvSpPr>
+        <p:spPr/>
+        <p:txBody>
+          <a:bodyPr/>
+          <a:lstStyle/>
+          <a:p>
+            <a:fld id="{8D24707C-04AC-4161-BF2C-B9FE2827EFA8}" type="slidenum">
+              <a:rPr lang="de-DE" smtClean="0"/>
+              <a:t>15</a:t>
+            </a:fld>
+            <a:endParaRPr lang="de-DE"/>
+          </a:p>
+        </p:txBody>
+      </p:sp>
+    </p:spTree>
+    <p:extLst>
+      <p:ext uri="{BB962C8B-B14F-4D97-AF65-F5344CB8AC3E}">
+        <p14:creationId xmlns:p14="http://schemas.microsoft.com/office/powerpoint/2010/main" val="394979247"/>
+      </p:ext>
+    </p:extLst>
+  </p:cSld>
+  <p:clrMapOvr>
+    <a:masterClrMapping/>
+  </p:clrMapOvr>
+</p:notes>
+</file>
+
+<file path=ppt/notesSlides/notesSlide13.xml><?xml version="1.0" encoding="utf-8"?>
+<p:notes xmlns:a="http://schemas.openxmlformats.org/drawingml/2006/main" xmlns:r="http://schemas.openxmlformats.org/officeDocument/2006/relationships" xmlns:p="http://schemas.openxmlformats.org/presentationml/2006/main">
+  <p:cSld>
+    <p:spTree>
+      <p:nvGrpSpPr>
+        <p:cNvPr id="1" name=""/>
+        <p:cNvGrpSpPr/>
+        <p:nvPr/>
+      </p:nvGrpSpPr>
+      <p:grpSpPr>
+        <a:xfrm>
+          <a:off x="0" y="0"/>
+          <a:ext cx="0" cy="0"/>
+          <a:chOff x="0" y="0"/>
+          <a:chExt cx="0" cy="0"/>
+        </a:xfrm>
+      </p:grpSpPr>
+      <p:sp>
+        <p:nvSpPr>
+          <p:cNvPr id="2" name="Folienbildplatzhalter 1"/>
+          <p:cNvSpPr>
+            <a:spLocks noGrp="1" noRot="1" noChangeAspect="1"/>
+          </p:cNvSpPr>
+          <p:nvPr>
+            <p:ph type="sldImg"/>
+          </p:nvPr>
+        </p:nvSpPr>
+        <p:spPr/>
+      </p:sp>
+      <p:sp>
+        <p:nvSpPr>
+          <p:cNvPr id="3" name="Notizenplatzhalter 2"/>
+          <p:cNvSpPr>
+            <a:spLocks noGrp="1"/>
+          </p:cNvSpPr>
+          <p:nvPr>
+            <p:ph type="body" idx="1"/>
+          </p:nvPr>
+        </p:nvSpPr>
+        <p:spPr/>
+        <p:txBody>
+          <a:bodyPr/>
+          <a:lstStyle/>
+          <a:p>
+            <a:endParaRPr lang="de-DE" dirty="0"/>
+          </a:p>
+        </p:txBody>
+      </p:sp>
+      <p:sp>
+        <p:nvSpPr>
+          <p:cNvPr id="4" name="Foliennummernplatzhalter 3"/>
+          <p:cNvSpPr>
+            <a:spLocks noGrp="1"/>
+          </p:cNvSpPr>
+          <p:nvPr>
+            <p:ph type="sldNum" sz="quarter" idx="10"/>
+          </p:nvPr>
+        </p:nvSpPr>
+        <p:spPr/>
+        <p:txBody>
+          <a:bodyPr/>
+          <a:lstStyle/>
+          <a:p>
+            <a:fld id="{8D24707C-04AC-4161-BF2C-B9FE2827EFA8}" type="slidenum">
+              <a:rPr lang="de-DE" smtClean="0"/>
+              <a:t>16</a:t>
+            </a:fld>
+            <a:endParaRPr lang="de-DE"/>
+          </a:p>
+        </p:txBody>
+      </p:sp>
+    </p:spTree>
+    <p:extLst>
+      <p:ext uri="{BB962C8B-B14F-4D97-AF65-F5344CB8AC3E}">
+        <p14:creationId xmlns:p14="http://schemas.microsoft.com/office/powerpoint/2010/main" val="3485506280"/>
+      </p:ext>
+    </p:extLst>
+  </p:cSld>
+  <p:clrMapOvr>
+    <a:masterClrMapping/>
+  </p:clrMapOvr>
+</p:notes>
+</file>
+
+<file path=ppt/notesSlides/notesSlide14.xml><?xml version="1.0" encoding="utf-8"?>
+<p:notes xmlns:a="http://schemas.openxmlformats.org/drawingml/2006/main" xmlns:r="http://schemas.openxmlformats.org/officeDocument/2006/relationships" xmlns:p="http://schemas.openxmlformats.org/presentationml/2006/main">
+  <p:cSld>
+    <p:spTree>
+      <p:nvGrpSpPr>
+        <p:cNvPr id="1" name=""/>
+        <p:cNvGrpSpPr/>
+        <p:nvPr/>
+      </p:nvGrpSpPr>
+      <p:grpSpPr>
+        <a:xfrm>
+          <a:off x="0" y="0"/>
+          <a:ext cx="0" cy="0"/>
+          <a:chOff x="0" y="0"/>
+          <a:chExt cx="0" cy="0"/>
+        </a:xfrm>
+      </p:grpSpPr>
+      <p:sp>
+        <p:nvSpPr>
+          <p:cNvPr id="2" name="Folienbildplatzhalter 1"/>
+          <p:cNvSpPr>
+            <a:spLocks noGrp="1" noRot="1" noChangeAspect="1"/>
+          </p:cNvSpPr>
+          <p:nvPr>
+            <p:ph type="sldImg"/>
+          </p:nvPr>
+        </p:nvSpPr>
+        <p:spPr/>
+      </p:sp>
+      <p:sp>
+        <p:nvSpPr>
+          <p:cNvPr id="3" name="Notizenplatzhalter 2"/>
+          <p:cNvSpPr>
+            <a:spLocks noGrp="1"/>
+          </p:cNvSpPr>
+          <p:nvPr>
+            <p:ph type="body" idx="1"/>
+          </p:nvPr>
+        </p:nvSpPr>
+        <p:spPr/>
+        <p:txBody>
+          <a:bodyPr/>
+          <a:lstStyle/>
+          <a:p>
+            <a:r>
+              <a:rPr lang="de-DE" dirty="0" smtClean="0"/>
+              <a:t>Tobi</a:t>
+            </a:r>
+            <a:endParaRPr lang="de-DE" dirty="0"/>
+          </a:p>
+        </p:txBody>
+      </p:sp>
+      <p:sp>
+        <p:nvSpPr>
+          <p:cNvPr id="4" name="Foliennummernplatzhalter 3"/>
+          <p:cNvSpPr>
+            <a:spLocks noGrp="1"/>
+          </p:cNvSpPr>
+          <p:nvPr>
+            <p:ph type="sldNum" sz="quarter" idx="10"/>
+          </p:nvPr>
+        </p:nvSpPr>
+        <p:spPr/>
+        <p:txBody>
+          <a:bodyPr/>
+          <a:lstStyle/>
+          <a:p>
+            <a:fld id="{8D24707C-04AC-4161-BF2C-B9FE2827EFA8}" type="slidenum">
+              <a:rPr lang="de-DE" smtClean="0"/>
+              <a:t>17</a:t>
+            </a:fld>
+            <a:endParaRPr lang="de-DE"/>
+          </a:p>
+        </p:txBody>
+      </p:sp>
+    </p:spTree>
+    <p:extLst>
+      <p:ext uri="{BB962C8B-B14F-4D97-AF65-F5344CB8AC3E}">
+        <p14:creationId xmlns:p14="http://schemas.microsoft.com/office/powerpoint/2010/main" val="1846993403"/>
+      </p:ext>
+    </p:extLst>
+  </p:cSld>
+  <p:clrMapOvr>
+    <a:masterClrMapping/>
+  </p:clrMapOvr>
+</p:notes>
+</file>
+
+<file path=ppt/notesSlides/notesSlide15.xml><?xml version="1.0" encoding="utf-8"?>
+<p:notes xmlns:a="http://schemas.openxmlformats.org/drawingml/2006/main" xmlns:r="http://schemas.openxmlformats.org/officeDocument/2006/relationships" xmlns:p="http://schemas.openxmlformats.org/presentationml/2006/main">
+  <p:cSld>
+    <p:spTree>
+      <p:nvGrpSpPr>
+        <p:cNvPr id="1" name=""/>
+        <p:cNvGrpSpPr/>
+        <p:nvPr/>
+      </p:nvGrpSpPr>
+      <p:grpSpPr>
+        <a:xfrm>
+          <a:off x="0" y="0"/>
+          <a:ext cx="0" cy="0"/>
+          <a:chOff x="0" y="0"/>
+          <a:chExt cx="0" cy="0"/>
+        </a:xfrm>
+      </p:grpSpPr>
+      <p:sp>
+        <p:nvSpPr>
+          <p:cNvPr id="2" name="Folienbildplatzhalter 1"/>
+          <p:cNvSpPr>
+            <a:spLocks noGrp="1" noRot="1" noChangeAspect="1"/>
+          </p:cNvSpPr>
+          <p:nvPr>
+            <p:ph type="sldImg"/>
+          </p:nvPr>
+        </p:nvSpPr>
+        <p:spPr/>
+      </p:sp>
+      <p:sp>
+        <p:nvSpPr>
+          <p:cNvPr id="3" name="Notizenplatzhalter 2"/>
+          <p:cNvSpPr>
+            <a:spLocks noGrp="1"/>
+          </p:cNvSpPr>
+          <p:nvPr>
+            <p:ph type="body" idx="1"/>
+          </p:nvPr>
+        </p:nvSpPr>
+        <p:spPr/>
+        <p:txBody>
+          <a:bodyPr/>
+          <a:lstStyle/>
+          <a:p>
+            <a:r>
+              <a:rPr lang="de-DE" dirty="0" smtClean="0"/>
+              <a:t>Tobi</a:t>
+            </a:r>
+            <a:endParaRPr lang="de-DE" dirty="0"/>
+          </a:p>
+        </p:txBody>
+      </p:sp>
+      <p:sp>
+        <p:nvSpPr>
+          <p:cNvPr id="4" name="Foliennummernplatzhalter 3"/>
+          <p:cNvSpPr>
+            <a:spLocks noGrp="1"/>
+          </p:cNvSpPr>
+          <p:nvPr>
+            <p:ph type="sldNum" sz="quarter" idx="10"/>
+          </p:nvPr>
+        </p:nvSpPr>
+        <p:spPr/>
+        <p:txBody>
+          <a:bodyPr/>
+          <a:lstStyle/>
+          <a:p>
+            <a:fld id="{8D24707C-04AC-4161-BF2C-B9FE2827EFA8}" type="slidenum">
+              <a:rPr lang="de-DE" smtClean="0"/>
+              <a:t>19</a:t>
+            </a:fld>
+            <a:endParaRPr lang="de-DE"/>
+          </a:p>
+        </p:txBody>
+      </p:sp>
+    </p:spTree>
+    <p:extLst>
+      <p:ext uri="{BB962C8B-B14F-4D97-AF65-F5344CB8AC3E}">
+        <p14:creationId xmlns:p14="http://schemas.microsoft.com/office/powerpoint/2010/main" val="3117916434"/>
       </p:ext>
     </p:extLst>
   </p:cSld>
@@ -595,6 +1130,289 @@
           <a:bodyPr/>
           <a:lstStyle/>
           <a:p>
+            <a:endParaRPr lang="de-DE" dirty="0"/>
+          </a:p>
+        </p:txBody>
+      </p:sp>
+      <p:sp>
+        <p:nvSpPr>
+          <p:cNvPr id="4" name="Foliennummernplatzhalter 3"/>
+          <p:cNvSpPr>
+            <a:spLocks noGrp="1"/>
+          </p:cNvSpPr>
+          <p:nvPr>
+            <p:ph type="sldNum" sz="quarter" idx="10"/>
+          </p:nvPr>
+        </p:nvSpPr>
+        <p:spPr/>
+        <p:txBody>
+          <a:bodyPr/>
+          <a:lstStyle/>
+          <a:p>
+            <a:fld id="{8D24707C-04AC-4161-BF2C-B9FE2827EFA8}" type="slidenum">
+              <a:rPr lang="de-DE" smtClean="0"/>
+              <a:t>2</a:t>
+            </a:fld>
+            <a:endParaRPr lang="de-DE"/>
+          </a:p>
+        </p:txBody>
+      </p:sp>
+    </p:spTree>
+    <p:extLst>
+      <p:ext uri="{BB962C8B-B14F-4D97-AF65-F5344CB8AC3E}">
+        <p14:creationId xmlns:p14="http://schemas.microsoft.com/office/powerpoint/2010/main" val="3157204320"/>
+      </p:ext>
+    </p:extLst>
+  </p:cSld>
+  <p:clrMapOvr>
+    <a:masterClrMapping/>
+  </p:clrMapOvr>
+</p:notes>
+</file>
+
+<file path=ppt/notesSlides/notesSlide3.xml><?xml version="1.0" encoding="utf-8"?>
+<p:notes xmlns:a="http://schemas.openxmlformats.org/drawingml/2006/main" xmlns:r="http://schemas.openxmlformats.org/officeDocument/2006/relationships" xmlns:p="http://schemas.openxmlformats.org/presentationml/2006/main">
+  <p:cSld>
+    <p:spTree>
+      <p:nvGrpSpPr>
+        <p:cNvPr id="1" name=""/>
+        <p:cNvGrpSpPr/>
+        <p:nvPr/>
+      </p:nvGrpSpPr>
+      <p:grpSpPr>
+        <a:xfrm>
+          <a:off x="0" y="0"/>
+          <a:ext cx="0" cy="0"/>
+          <a:chOff x="0" y="0"/>
+          <a:chExt cx="0" cy="0"/>
+        </a:xfrm>
+      </p:grpSpPr>
+      <p:sp>
+        <p:nvSpPr>
+          <p:cNvPr id="2" name="Folienbildplatzhalter 1"/>
+          <p:cNvSpPr>
+            <a:spLocks noGrp="1" noRot="1" noChangeAspect="1"/>
+          </p:cNvSpPr>
+          <p:nvPr>
+            <p:ph type="sldImg"/>
+          </p:nvPr>
+        </p:nvSpPr>
+        <p:spPr/>
+      </p:sp>
+      <p:sp>
+        <p:nvSpPr>
+          <p:cNvPr id="3" name="Notizenplatzhalter 2"/>
+          <p:cNvSpPr>
+            <a:spLocks noGrp="1"/>
+          </p:cNvSpPr>
+          <p:nvPr>
+            <p:ph type="body" idx="1"/>
+          </p:nvPr>
+        </p:nvSpPr>
+        <p:spPr/>
+        <p:txBody>
+          <a:bodyPr/>
+          <a:lstStyle/>
+          <a:p>
+            <a:r>
+              <a:rPr lang="de-DE" dirty="0" smtClean="0"/>
+              <a:t>Tobi</a:t>
+            </a:r>
+            <a:endParaRPr lang="de-DE" dirty="0"/>
+          </a:p>
+        </p:txBody>
+      </p:sp>
+      <p:sp>
+        <p:nvSpPr>
+          <p:cNvPr id="4" name="Foliennummernplatzhalter 3"/>
+          <p:cNvSpPr>
+            <a:spLocks noGrp="1"/>
+          </p:cNvSpPr>
+          <p:nvPr>
+            <p:ph type="sldNum" sz="quarter" idx="10"/>
+          </p:nvPr>
+        </p:nvSpPr>
+        <p:spPr/>
+        <p:txBody>
+          <a:bodyPr/>
+          <a:lstStyle/>
+          <a:p>
+            <a:fld id="{8D24707C-04AC-4161-BF2C-B9FE2827EFA8}" type="slidenum">
+              <a:rPr lang="de-DE" smtClean="0"/>
+              <a:t>6</a:t>
+            </a:fld>
+            <a:endParaRPr lang="de-DE"/>
+          </a:p>
+        </p:txBody>
+      </p:sp>
+    </p:spTree>
+    <p:extLst>
+      <p:ext uri="{BB962C8B-B14F-4D97-AF65-F5344CB8AC3E}">
+        <p14:creationId xmlns:p14="http://schemas.microsoft.com/office/powerpoint/2010/main" val="1445297274"/>
+      </p:ext>
+    </p:extLst>
+  </p:cSld>
+  <p:clrMapOvr>
+    <a:masterClrMapping/>
+  </p:clrMapOvr>
+</p:notes>
+</file>
+
+<file path=ppt/notesSlides/notesSlide4.xml><?xml version="1.0" encoding="utf-8"?>
+<p:notes xmlns:a="http://schemas.openxmlformats.org/drawingml/2006/main" xmlns:r="http://schemas.openxmlformats.org/officeDocument/2006/relationships" xmlns:p="http://schemas.openxmlformats.org/presentationml/2006/main">
+  <p:cSld>
+    <p:spTree>
+      <p:nvGrpSpPr>
+        <p:cNvPr id="1" name=""/>
+        <p:cNvGrpSpPr/>
+        <p:nvPr/>
+      </p:nvGrpSpPr>
+      <p:grpSpPr>
+        <a:xfrm>
+          <a:off x="0" y="0"/>
+          <a:ext cx="0" cy="0"/>
+          <a:chOff x="0" y="0"/>
+          <a:chExt cx="0" cy="0"/>
+        </a:xfrm>
+      </p:grpSpPr>
+      <p:sp>
+        <p:nvSpPr>
+          <p:cNvPr id="2" name="Folienbildplatzhalter 1"/>
+          <p:cNvSpPr>
+            <a:spLocks noGrp="1" noRot="1" noChangeAspect="1"/>
+          </p:cNvSpPr>
+          <p:nvPr>
+            <p:ph type="sldImg"/>
+          </p:nvPr>
+        </p:nvSpPr>
+        <p:spPr/>
+      </p:sp>
+      <p:sp>
+        <p:nvSpPr>
+          <p:cNvPr id="3" name="Notizenplatzhalter 2"/>
+          <p:cNvSpPr>
+            <a:spLocks noGrp="1"/>
+          </p:cNvSpPr>
+          <p:nvPr>
+            <p:ph type="body" idx="1"/>
+          </p:nvPr>
+        </p:nvSpPr>
+        <p:spPr/>
+        <p:txBody>
+          <a:bodyPr/>
+          <a:lstStyle/>
+          <a:p>
+            <a:r>
+              <a:rPr lang="de-DE" dirty="0" smtClean="0"/>
+              <a:t>Nils</a:t>
+            </a:r>
+            <a:endParaRPr lang="de-DE" dirty="0"/>
+          </a:p>
+        </p:txBody>
+      </p:sp>
+      <p:sp>
+        <p:nvSpPr>
+          <p:cNvPr id="4" name="Foliennummernplatzhalter 3"/>
+          <p:cNvSpPr>
+            <a:spLocks noGrp="1"/>
+          </p:cNvSpPr>
+          <p:nvPr>
+            <p:ph type="sldNum" sz="quarter" idx="10"/>
+          </p:nvPr>
+        </p:nvSpPr>
+        <p:spPr/>
+        <p:txBody>
+          <a:bodyPr/>
+          <a:lstStyle/>
+          <a:p>
+            <a:fld id="{8D24707C-04AC-4161-BF2C-B9FE2827EFA8}" type="slidenum">
+              <a:rPr lang="de-DE" smtClean="0"/>
+              <a:t>7</a:t>
+            </a:fld>
+            <a:endParaRPr lang="de-DE"/>
+          </a:p>
+        </p:txBody>
+      </p:sp>
+    </p:spTree>
+    <p:extLst>
+      <p:ext uri="{BB962C8B-B14F-4D97-AF65-F5344CB8AC3E}">
+        <p14:creationId xmlns:p14="http://schemas.microsoft.com/office/powerpoint/2010/main" val="2607659183"/>
+      </p:ext>
+    </p:extLst>
+  </p:cSld>
+  <p:clrMapOvr>
+    <a:masterClrMapping/>
+  </p:clrMapOvr>
+</p:notes>
+</file>
+
+<file path=ppt/notesSlides/notesSlide5.xml><?xml version="1.0" encoding="utf-8"?>
+<p:notes xmlns:a="http://schemas.openxmlformats.org/drawingml/2006/main" xmlns:r="http://schemas.openxmlformats.org/officeDocument/2006/relationships" xmlns:p="http://schemas.openxmlformats.org/presentationml/2006/main">
+  <p:cSld>
+    <p:spTree>
+      <p:nvGrpSpPr>
+        <p:cNvPr id="1" name=""/>
+        <p:cNvGrpSpPr/>
+        <p:nvPr/>
+      </p:nvGrpSpPr>
+      <p:grpSpPr>
+        <a:xfrm>
+          <a:off x="0" y="0"/>
+          <a:ext cx="0" cy="0"/>
+          <a:chOff x="0" y="0"/>
+          <a:chExt cx="0" cy="0"/>
+        </a:xfrm>
+      </p:grpSpPr>
+      <p:sp>
+        <p:nvSpPr>
+          <p:cNvPr id="2" name="Folienbildplatzhalter 1"/>
+          <p:cNvSpPr>
+            <a:spLocks noGrp="1" noRot="1" noChangeAspect="1"/>
+          </p:cNvSpPr>
+          <p:nvPr>
+            <p:ph type="sldImg"/>
+          </p:nvPr>
+        </p:nvSpPr>
+        <p:spPr/>
+      </p:sp>
+      <p:sp>
+        <p:nvSpPr>
+          <p:cNvPr id="3" name="Notizenplatzhalter 2"/>
+          <p:cNvSpPr>
+            <a:spLocks noGrp="1"/>
+          </p:cNvSpPr>
+          <p:nvPr>
+            <p:ph type="body" idx="1"/>
+          </p:nvPr>
+        </p:nvSpPr>
+        <p:spPr/>
+        <p:txBody>
+          <a:bodyPr/>
+          <a:lstStyle/>
+          <a:p>
+            <a:pPr marL="0" marR="0" indent="0" algn="l" defTabSz="914400" rtl="0" eaLnBrk="1" fontAlgn="auto" latinLnBrk="0" hangingPunct="1">
+              <a:lnSpc>
+                <a:spcPct val="100000"/>
+              </a:lnSpc>
+              <a:spcBef>
+                <a:spcPts val="0"/>
+              </a:spcBef>
+              <a:spcAft>
+                <a:spcPts val="0"/>
+              </a:spcAft>
+              <a:buClrTx/>
+              <a:buSzTx/>
+              <a:buFontTx/>
+              <a:buNone/>
+              <a:tabLst/>
+              <a:defRPr/>
+            </a:pPr>
+            <a:r>
+              <a:rPr lang="de-DE" dirty="0" smtClean="0"/>
+              <a:t>Nils</a:t>
+            </a:r>
+          </a:p>
+          <a:p>
             <a:r>
               <a:rPr lang="de-DE" dirty="0" smtClean="0"/>
               <a:t>Gemeinsamkeiten</a:t>
@@ -604,9 +1422,6 @@
               <a:t> nicht nur bei Layouts, auch in der darunterliegenden Architektur</a:t>
             </a:r>
           </a:p>
-          <a:p>
-            <a:endParaRPr lang="de-DE" dirty="0" smtClean="0"/>
-          </a:p>
         </p:txBody>
       </p:sp>
       <p:sp>
@@ -626,7 +1441,7 @@
           <a:p>
             <a:fld id="{8D24707C-04AC-4161-BF2C-B9FE2827EFA8}" type="slidenum">
               <a:rPr lang="de-DE" smtClean="0"/>
-              <a:t>7</a:t>
+              <a:t>8</a:t>
             </a:fld>
             <a:endParaRPr lang="de-DE"/>
           </a:p>
@@ -636,6 +1451,358 @@
     <p:extLst>
       <p:ext uri="{BB962C8B-B14F-4D97-AF65-F5344CB8AC3E}">
         <p14:creationId xmlns:p14="http://schemas.microsoft.com/office/powerpoint/2010/main" val="841480289"/>
+      </p:ext>
+    </p:extLst>
+  </p:cSld>
+  <p:clrMapOvr>
+    <a:masterClrMapping/>
+  </p:clrMapOvr>
+</p:notes>
+</file>
+
+<file path=ppt/notesSlides/notesSlide6.xml><?xml version="1.0" encoding="utf-8"?>
+<p:notes xmlns:a="http://schemas.openxmlformats.org/drawingml/2006/main" xmlns:r="http://schemas.openxmlformats.org/officeDocument/2006/relationships" xmlns:p="http://schemas.openxmlformats.org/presentationml/2006/main">
+  <p:cSld>
+    <p:spTree>
+      <p:nvGrpSpPr>
+        <p:cNvPr id="1" name=""/>
+        <p:cNvGrpSpPr/>
+        <p:nvPr/>
+      </p:nvGrpSpPr>
+      <p:grpSpPr>
+        <a:xfrm>
+          <a:off x="0" y="0"/>
+          <a:ext cx="0" cy="0"/>
+          <a:chOff x="0" y="0"/>
+          <a:chExt cx="0" cy="0"/>
+        </a:xfrm>
+      </p:grpSpPr>
+      <p:sp>
+        <p:nvSpPr>
+          <p:cNvPr id="2" name="Folienbildplatzhalter 1"/>
+          <p:cNvSpPr>
+            <a:spLocks noGrp="1" noRot="1" noChangeAspect="1"/>
+          </p:cNvSpPr>
+          <p:nvPr>
+            <p:ph type="sldImg"/>
+          </p:nvPr>
+        </p:nvSpPr>
+        <p:spPr/>
+      </p:sp>
+      <p:sp>
+        <p:nvSpPr>
+          <p:cNvPr id="3" name="Notizenplatzhalter 2"/>
+          <p:cNvSpPr>
+            <a:spLocks noGrp="1"/>
+          </p:cNvSpPr>
+          <p:nvPr>
+            <p:ph type="body" idx="1"/>
+          </p:nvPr>
+        </p:nvSpPr>
+        <p:spPr/>
+        <p:txBody>
+          <a:bodyPr/>
+          <a:lstStyle/>
+          <a:p>
+            <a:r>
+              <a:rPr lang="de-DE" dirty="0" smtClean="0"/>
+              <a:t>Nils</a:t>
+            </a:r>
+            <a:endParaRPr lang="de-DE" dirty="0"/>
+          </a:p>
+        </p:txBody>
+      </p:sp>
+      <p:sp>
+        <p:nvSpPr>
+          <p:cNvPr id="4" name="Foliennummernplatzhalter 3"/>
+          <p:cNvSpPr>
+            <a:spLocks noGrp="1"/>
+          </p:cNvSpPr>
+          <p:nvPr>
+            <p:ph type="sldNum" sz="quarter" idx="10"/>
+          </p:nvPr>
+        </p:nvSpPr>
+        <p:spPr/>
+        <p:txBody>
+          <a:bodyPr/>
+          <a:lstStyle/>
+          <a:p>
+            <a:fld id="{8D24707C-04AC-4161-BF2C-B9FE2827EFA8}" type="slidenum">
+              <a:rPr lang="de-DE" smtClean="0"/>
+              <a:t>9</a:t>
+            </a:fld>
+            <a:endParaRPr lang="de-DE"/>
+          </a:p>
+        </p:txBody>
+      </p:sp>
+    </p:spTree>
+    <p:extLst>
+      <p:ext uri="{BB962C8B-B14F-4D97-AF65-F5344CB8AC3E}">
+        <p14:creationId xmlns:p14="http://schemas.microsoft.com/office/powerpoint/2010/main" val="452931473"/>
+      </p:ext>
+    </p:extLst>
+  </p:cSld>
+  <p:clrMapOvr>
+    <a:masterClrMapping/>
+  </p:clrMapOvr>
+</p:notes>
+</file>
+
+<file path=ppt/notesSlides/notesSlide7.xml><?xml version="1.0" encoding="utf-8"?>
+<p:notes xmlns:a="http://schemas.openxmlformats.org/drawingml/2006/main" xmlns:r="http://schemas.openxmlformats.org/officeDocument/2006/relationships" xmlns:p="http://schemas.openxmlformats.org/presentationml/2006/main">
+  <p:cSld>
+    <p:spTree>
+      <p:nvGrpSpPr>
+        <p:cNvPr id="1" name=""/>
+        <p:cNvGrpSpPr/>
+        <p:nvPr/>
+      </p:nvGrpSpPr>
+      <p:grpSpPr>
+        <a:xfrm>
+          <a:off x="0" y="0"/>
+          <a:ext cx="0" cy="0"/>
+          <a:chOff x="0" y="0"/>
+          <a:chExt cx="0" cy="0"/>
+        </a:xfrm>
+      </p:grpSpPr>
+      <p:sp>
+        <p:nvSpPr>
+          <p:cNvPr id="2" name="Folienbildplatzhalter 1"/>
+          <p:cNvSpPr>
+            <a:spLocks noGrp="1" noRot="1" noChangeAspect="1"/>
+          </p:cNvSpPr>
+          <p:nvPr>
+            <p:ph type="sldImg"/>
+          </p:nvPr>
+        </p:nvSpPr>
+        <p:spPr/>
+      </p:sp>
+      <p:sp>
+        <p:nvSpPr>
+          <p:cNvPr id="3" name="Notizenplatzhalter 2"/>
+          <p:cNvSpPr>
+            <a:spLocks noGrp="1"/>
+          </p:cNvSpPr>
+          <p:nvPr>
+            <p:ph type="body" idx="1"/>
+          </p:nvPr>
+        </p:nvSpPr>
+        <p:spPr/>
+        <p:txBody>
+          <a:bodyPr/>
+          <a:lstStyle/>
+          <a:p>
+            <a:r>
+              <a:rPr lang="de-DE" dirty="0" smtClean="0"/>
+              <a:t>Nils</a:t>
+            </a:r>
+            <a:endParaRPr lang="de-DE" dirty="0"/>
+          </a:p>
+        </p:txBody>
+      </p:sp>
+      <p:sp>
+        <p:nvSpPr>
+          <p:cNvPr id="4" name="Foliennummernplatzhalter 3"/>
+          <p:cNvSpPr>
+            <a:spLocks noGrp="1"/>
+          </p:cNvSpPr>
+          <p:nvPr>
+            <p:ph type="sldNum" sz="quarter" idx="10"/>
+          </p:nvPr>
+        </p:nvSpPr>
+        <p:spPr/>
+        <p:txBody>
+          <a:bodyPr/>
+          <a:lstStyle/>
+          <a:p>
+            <a:fld id="{8D24707C-04AC-4161-BF2C-B9FE2827EFA8}" type="slidenum">
+              <a:rPr lang="de-DE" smtClean="0"/>
+              <a:t>10</a:t>
+            </a:fld>
+            <a:endParaRPr lang="de-DE"/>
+          </a:p>
+        </p:txBody>
+      </p:sp>
+    </p:spTree>
+    <p:extLst>
+      <p:ext uri="{BB962C8B-B14F-4D97-AF65-F5344CB8AC3E}">
+        <p14:creationId xmlns:p14="http://schemas.microsoft.com/office/powerpoint/2010/main" val="3287041236"/>
+      </p:ext>
+    </p:extLst>
+  </p:cSld>
+  <p:clrMapOvr>
+    <a:masterClrMapping/>
+  </p:clrMapOvr>
+</p:notes>
+</file>
+
+<file path=ppt/notesSlides/notesSlide8.xml><?xml version="1.0" encoding="utf-8"?>
+<p:notes xmlns:a="http://schemas.openxmlformats.org/drawingml/2006/main" xmlns:r="http://schemas.openxmlformats.org/officeDocument/2006/relationships" xmlns:p="http://schemas.openxmlformats.org/presentationml/2006/main">
+  <p:cSld>
+    <p:spTree>
+      <p:nvGrpSpPr>
+        <p:cNvPr id="1" name=""/>
+        <p:cNvGrpSpPr/>
+        <p:nvPr/>
+      </p:nvGrpSpPr>
+      <p:grpSpPr>
+        <a:xfrm>
+          <a:off x="0" y="0"/>
+          <a:ext cx="0" cy="0"/>
+          <a:chOff x="0" y="0"/>
+          <a:chExt cx="0" cy="0"/>
+        </a:xfrm>
+      </p:grpSpPr>
+      <p:sp>
+        <p:nvSpPr>
+          <p:cNvPr id="2" name="Folienbildplatzhalter 1"/>
+          <p:cNvSpPr>
+            <a:spLocks noGrp="1" noRot="1" noChangeAspect="1"/>
+          </p:cNvSpPr>
+          <p:nvPr>
+            <p:ph type="sldImg"/>
+          </p:nvPr>
+        </p:nvSpPr>
+        <p:spPr/>
+      </p:sp>
+      <p:sp>
+        <p:nvSpPr>
+          <p:cNvPr id="3" name="Notizenplatzhalter 2"/>
+          <p:cNvSpPr>
+            <a:spLocks noGrp="1"/>
+          </p:cNvSpPr>
+          <p:nvPr>
+            <p:ph type="body" idx="1"/>
+          </p:nvPr>
+        </p:nvSpPr>
+        <p:spPr/>
+        <p:txBody>
+          <a:bodyPr/>
+          <a:lstStyle/>
+          <a:p>
+            <a:r>
+              <a:rPr lang="de-DE" dirty="0" smtClean="0"/>
+              <a:t>Nils</a:t>
+            </a:r>
+            <a:endParaRPr lang="de-DE" dirty="0"/>
+          </a:p>
+        </p:txBody>
+      </p:sp>
+      <p:sp>
+        <p:nvSpPr>
+          <p:cNvPr id="4" name="Foliennummernplatzhalter 3"/>
+          <p:cNvSpPr>
+            <a:spLocks noGrp="1"/>
+          </p:cNvSpPr>
+          <p:nvPr>
+            <p:ph type="sldNum" sz="quarter" idx="10"/>
+          </p:nvPr>
+        </p:nvSpPr>
+        <p:spPr/>
+        <p:txBody>
+          <a:bodyPr/>
+          <a:lstStyle/>
+          <a:p>
+            <a:fld id="{8D24707C-04AC-4161-BF2C-B9FE2827EFA8}" type="slidenum">
+              <a:rPr lang="de-DE" smtClean="0"/>
+              <a:t>11</a:t>
+            </a:fld>
+            <a:endParaRPr lang="de-DE"/>
+          </a:p>
+        </p:txBody>
+      </p:sp>
+    </p:spTree>
+    <p:extLst>
+      <p:ext uri="{BB962C8B-B14F-4D97-AF65-F5344CB8AC3E}">
+        <p14:creationId xmlns:p14="http://schemas.microsoft.com/office/powerpoint/2010/main" val="2144522323"/>
+      </p:ext>
+    </p:extLst>
+  </p:cSld>
+  <p:clrMapOvr>
+    <a:masterClrMapping/>
+  </p:clrMapOvr>
+</p:notes>
+</file>
+
+<file path=ppt/notesSlides/notesSlide9.xml><?xml version="1.0" encoding="utf-8"?>
+<p:notes xmlns:a="http://schemas.openxmlformats.org/drawingml/2006/main" xmlns:r="http://schemas.openxmlformats.org/officeDocument/2006/relationships" xmlns:p="http://schemas.openxmlformats.org/presentationml/2006/main">
+  <p:cSld>
+    <p:spTree>
+      <p:nvGrpSpPr>
+        <p:cNvPr id="1" name=""/>
+        <p:cNvGrpSpPr/>
+        <p:nvPr/>
+      </p:nvGrpSpPr>
+      <p:grpSpPr>
+        <a:xfrm>
+          <a:off x="0" y="0"/>
+          <a:ext cx="0" cy="0"/>
+          <a:chOff x="0" y="0"/>
+          <a:chExt cx="0" cy="0"/>
+        </a:xfrm>
+      </p:grpSpPr>
+      <p:sp>
+        <p:nvSpPr>
+          <p:cNvPr id="2" name="Folienbildplatzhalter 1"/>
+          <p:cNvSpPr>
+            <a:spLocks noGrp="1" noRot="1" noChangeAspect="1"/>
+          </p:cNvSpPr>
+          <p:nvPr>
+            <p:ph type="sldImg"/>
+          </p:nvPr>
+        </p:nvSpPr>
+        <p:spPr/>
+      </p:sp>
+      <p:sp>
+        <p:nvSpPr>
+          <p:cNvPr id="3" name="Notizenplatzhalter 2"/>
+          <p:cNvSpPr>
+            <a:spLocks noGrp="1"/>
+          </p:cNvSpPr>
+          <p:nvPr>
+            <p:ph type="body" idx="1"/>
+          </p:nvPr>
+        </p:nvSpPr>
+        <p:spPr/>
+        <p:txBody>
+          <a:bodyPr/>
+          <a:lstStyle/>
+          <a:p>
+            <a:r>
+              <a:rPr lang="de-DE" dirty="0" smtClean="0"/>
+              <a:t>Nils</a:t>
+            </a:r>
+            <a:endParaRPr lang="de-DE" dirty="0"/>
+          </a:p>
+        </p:txBody>
+      </p:sp>
+      <p:sp>
+        <p:nvSpPr>
+          <p:cNvPr id="4" name="Foliennummernplatzhalter 3"/>
+          <p:cNvSpPr>
+            <a:spLocks noGrp="1"/>
+          </p:cNvSpPr>
+          <p:nvPr>
+            <p:ph type="sldNum" sz="quarter" idx="10"/>
+          </p:nvPr>
+        </p:nvSpPr>
+        <p:spPr/>
+        <p:txBody>
+          <a:bodyPr/>
+          <a:lstStyle/>
+          <a:p>
+            <a:fld id="{8D24707C-04AC-4161-BF2C-B9FE2827EFA8}" type="slidenum">
+              <a:rPr lang="de-DE" smtClean="0"/>
+              <a:t>12</a:t>
+            </a:fld>
+            <a:endParaRPr lang="de-DE"/>
+          </a:p>
+        </p:txBody>
+      </p:sp>
+    </p:spTree>
+    <p:extLst>
+      <p:ext uri="{BB962C8B-B14F-4D97-AF65-F5344CB8AC3E}">
+        <p14:creationId xmlns:p14="http://schemas.microsoft.com/office/powerpoint/2010/main" val="2352890515"/>
       </p:ext>
     </p:extLst>
   </p:cSld>
@@ -786,9 +1953,9 @@
             </a:lvl1pPr>
           </a:lstStyle>
           <a:p>
-            <a:fld id="{8186BBF7-469F-41B7-B922-6952207DD795}" type="datetimeFigureOut">
-              <a:rPr lang="de-DE" smtClean="0"/>
-              <a:t>01.02.2013</a:t>
+            <a:fld id="{F31BC880-4A6C-475B-8979-ECC1B24FD02F}" type="datetime1">
+              <a:rPr lang="de-DE" smtClean="0"/>
+              <a:t>02.02.2013</a:t>
             </a:fld>
             <a:endParaRPr lang="de-DE"/>
           </a:p>
@@ -814,6 +1981,10 @@
           <a:bodyPr/>
           <a:lstStyle/>
           <a:p>
+            <a:r>
+              <a:rPr lang="de-DE" smtClean="0"/>
+              <a:t>MyController - N. Feyerabend, T. Meurer</a:t>
+            </a:r>
             <a:endParaRPr lang="de-DE"/>
           </a:p>
         </p:txBody>
@@ -1145,9 +2316,9 @@
           <a:bodyPr/>
           <a:lstStyle/>
           <a:p>
-            <a:fld id="{8186BBF7-469F-41B7-B922-6952207DD795}" type="datetimeFigureOut">
-              <a:rPr lang="de-DE" smtClean="0"/>
-              <a:t>01.02.2013</a:t>
+            <a:fld id="{3A2B6693-5B65-478C-A040-0DF11BC4FEF4}" type="datetime1">
+              <a:rPr lang="de-DE" smtClean="0"/>
+              <a:t>02.02.2013</a:t>
             </a:fld>
             <a:endParaRPr lang="de-DE"/>
           </a:p>
@@ -1168,6 +2339,10 @@
           <a:bodyPr/>
           <a:lstStyle/>
           <a:p>
+            <a:r>
+              <a:rPr lang="de-DE" smtClean="0"/>
+              <a:t>MyController - N. Feyerabend, T. Meurer</a:t>
+            </a:r>
             <a:endParaRPr lang="de-DE"/>
           </a:p>
         </p:txBody>
@@ -1320,9 +2495,9 @@
           <a:bodyPr/>
           <a:lstStyle/>
           <a:p>
-            <a:fld id="{8186BBF7-469F-41B7-B922-6952207DD795}" type="datetimeFigureOut">
-              <a:rPr lang="de-DE" smtClean="0"/>
-              <a:t>01.02.2013</a:t>
+            <a:fld id="{BB3517AF-D434-427A-AC6B-24364C4FB815}" type="datetime1">
+              <a:rPr lang="de-DE" smtClean="0"/>
+              <a:t>02.02.2013</a:t>
             </a:fld>
             <a:endParaRPr lang="de-DE"/>
           </a:p>
@@ -1343,6 +2518,10 @@
           <a:bodyPr/>
           <a:lstStyle/>
           <a:p>
+            <a:r>
+              <a:rPr lang="de-DE" smtClean="0"/>
+              <a:t>MyController - N. Feyerabend, T. Meurer</a:t>
+            </a:r>
             <a:endParaRPr lang="de-DE"/>
           </a:p>
         </p:txBody>
@@ -1555,9 +2734,9 @@
           <a:bodyPr/>
           <a:lstStyle/>
           <a:p>
-            <a:fld id="{8186BBF7-469F-41B7-B922-6952207DD795}" type="datetimeFigureOut">
-              <a:rPr lang="de-DE" smtClean="0"/>
-              <a:t>01.02.2013</a:t>
+            <a:fld id="{DE0F1DF2-216D-4928-A48E-E3C4F3F16973}" type="datetime1">
+              <a:rPr lang="de-DE" smtClean="0"/>
+              <a:t>02.02.2013</a:t>
             </a:fld>
             <a:endParaRPr lang="de-DE"/>
           </a:p>
@@ -1578,6 +2757,10 @@
           <a:bodyPr/>
           <a:lstStyle/>
           <a:p>
+            <a:r>
+              <a:rPr lang="de-DE" smtClean="0"/>
+              <a:t>MyController - N. Feyerabend, T. Meurer</a:t>
+            </a:r>
             <a:endParaRPr lang="de-DE"/>
           </a:p>
         </p:txBody>
@@ -1824,9 +3007,9 @@
           <a:bodyPr/>
           <a:lstStyle/>
           <a:p>
-            <a:fld id="{8186BBF7-469F-41B7-B922-6952207DD795}" type="datetimeFigureOut">
-              <a:rPr lang="de-DE" smtClean="0"/>
-              <a:t>01.02.2013</a:t>
+            <a:fld id="{A1309DAB-FECD-423C-94F1-AFDE8D18EE2A}" type="datetime1">
+              <a:rPr lang="de-DE" smtClean="0"/>
+              <a:t>02.02.2013</a:t>
             </a:fld>
             <a:endParaRPr lang="de-DE"/>
           </a:p>
@@ -1852,6 +3035,10 @@
           <a:bodyPr/>
           <a:lstStyle/>
           <a:p>
+            <a:r>
+              <a:rPr lang="de-DE" smtClean="0"/>
+              <a:t>MyController - N. Feyerabend, T. Meurer</a:t>
+            </a:r>
             <a:endParaRPr lang="de-DE"/>
           </a:p>
         </p:txBody>
@@ -2044,9 +3231,9 @@
           <a:bodyPr/>
           <a:lstStyle/>
           <a:p>
-            <a:fld id="{8186BBF7-469F-41B7-B922-6952207DD795}" type="datetimeFigureOut">
-              <a:rPr lang="de-DE" smtClean="0"/>
-              <a:t>01.02.2013</a:t>
+            <a:fld id="{BE20DDB5-9C16-4749-AB01-028BA930B7BC}" type="datetime1">
+              <a:rPr lang="de-DE" smtClean="0"/>
+              <a:t>02.02.2013</a:t>
             </a:fld>
             <a:endParaRPr lang="de-DE"/>
           </a:p>
@@ -2067,6 +3254,10 @@
           <a:bodyPr/>
           <a:lstStyle/>
           <a:p>
+            <a:r>
+              <a:rPr lang="de-DE" smtClean="0"/>
+              <a:t>MyController - N. Feyerabend, T. Meurer</a:t>
+            </a:r>
             <a:endParaRPr lang="de-DE"/>
           </a:p>
         </p:txBody>
@@ -2396,9 +3587,9 @@
           <a:bodyPr/>
           <a:lstStyle/>
           <a:p>
-            <a:fld id="{8186BBF7-469F-41B7-B922-6952207DD795}" type="datetimeFigureOut">
-              <a:rPr lang="de-DE" smtClean="0"/>
-              <a:t>01.02.2013</a:t>
+            <a:fld id="{F3B9E33A-F67B-4146-A0F8-D2E343BB32CC}" type="datetime1">
+              <a:rPr lang="de-DE" smtClean="0"/>
+              <a:t>02.02.2013</a:t>
             </a:fld>
             <a:endParaRPr lang="de-DE"/>
           </a:p>
@@ -2419,6 +3610,10 @@
           <a:bodyPr/>
           <a:lstStyle/>
           <a:p>
+            <a:r>
+              <a:rPr lang="de-DE" smtClean="0"/>
+              <a:t>MyController - N. Feyerabend, T. Meurer</a:t>
+            </a:r>
             <a:endParaRPr lang="de-DE"/>
           </a:p>
         </p:txBody>
@@ -2628,9 +3823,9 @@
           <a:bodyPr/>
           <a:lstStyle/>
           <a:p>
-            <a:fld id="{8186BBF7-469F-41B7-B922-6952207DD795}" type="datetimeFigureOut">
-              <a:rPr lang="de-DE" smtClean="0"/>
-              <a:t>01.02.2013</a:t>
+            <a:fld id="{26174798-D1D0-4C68-8E15-6DA62239E4EE}" type="datetime1">
+              <a:rPr lang="de-DE" smtClean="0"/>
+              <a:t>02.02.2013</a:t>
             </a:fld>
             <a:endParaRPr lang="de-DE"/>
           </a:p>
@@ -2651,6 +3846,10 @@
           <a:bodyPr/>
           <a:lstStyle/>
           <a:p>
+            <a:r>
+              <a:rPr lang="de-DE" smtClean="0"/>
+              <a:t>MyController - N. Feyerabend, T. Meurer</a:t>
+            </a:r>
             <a:endParaRPr lang="de-DE"/>
           </a:p>
         </p:txBody>
@@ -2768,9 +3967,9 @@
           <a:bodyPr/>
           <a:lstStyle/>
           <a:p>
-            <a:fld id="{8186BBF7-469F-41B7-B922-6952207DD795}" type="datetimeFigureOut">
-              <a:rPr lang="de-DE" smtClean="0"/>
-              <a:t>01.02.2013</a:t>
+            <a:fld id="{72DA59E5-5EED-46E4-95E3-8EF74D6966EA}" type="datetime1">
+              <a:rPr lang="de-DE" smtClean="0"/>
+              <a:t>02.02.2013</a:t>
             </a:fld>
             <a:endParaRPr lang="de-DE"/>
           </a:p>
@@ -2791,6 +3990,10 @@
           <a:bodyPr/>
           <a:lstStyle/>
           <a:p>
+            <a:r>
+              <a:rPr lang="de-DE" smtClean="0"/>
+              <a:t>MyController - N. Feyerabend, T. Meurer</a:t>
+            </a:r>
             <a:endParaRPr lang="de-DE"/>
           </a:p>
         </p:txBody>
@@ -3045,9 +4248,9 @@
           <a:bodyPr/>
           <a:lstStyle/>
           <a:p>
-            <a:fld id="{8186BBF7-469F-41B7-B922-6952207DD795}" type="datetimeFigureOut">
-              <a:rPr lang="de-DE" smtClean="0"/>
-              <a:t>01.02.2013</a:t>
+            <a:fld id="{8DC6B35F-F137-474B-8899-63D0C31127AC}" type="datetime1">
+              <a:rPr lang="de-DE" smtClean="0"/>
+              <a:t>02.02.2013</a:t>
             </a:fld>
             <a:endParaRPr lang="de-DE"/>
           </a:p>
@@ -3068,6 +4271,10 @@
           <a:bodyPr/>
           <a:lstStyle/>
           <a:p>
+            <a:r>
+              <a:rPr lang="de-DE" smtClean="0"/>
+              <a:t>MyController - N. Feyerabend, T. Meurer</a:t>
+            </a:r>
             <a:endParaRPr lang="de-DE"/>
           </a:p>
         </p:txBody>
@@ -3452,9 +4659,9 @@
           <a:bodyPr/>
           <a:lstStyle/>
           <a:p>
-            <a:fld id="{8186BBF7-469F-41B7-B922-6952207DD795}" type="datetimeFigureOut">
-              <a:rPr lang="de-DE" smtClean="0"/>
-              <a:t>01.02.2013</a:t>
+            <a:fld id="{D132636D-2819-4C5A-A65E-E1B7D65AEB2B}" type="datetime1">
+              <a:rPr lang="de-DE" smtClean="0"/>
+              <a:t>02.02.2013</a:t>
             </a:fld>
             <a:endParaRPr lang="de-DE"/>
           </a:p>
@@ -3475,6 +4682,10 @@
           <a:bodyPr/>
           <a:lstStyle/>
           <a:p>
+            <a:r>
+              <a:rPr lang="de-DE" smtClean="0"/>
+              <a:t>MyController - N. Feyerabend, T. Meurer</a:t>
+            </a:r>
             <a:endParaRPr lang="de-DE"/>
           </a:p>
         </p:txBody>
@@ -3790,9 +5001,9 @@
             </a:lvl1pPr>
           </a:lstStyle>
           <a:p>
-            <a:fld id="{8186BBF7-469F-41B7-B922-6952207DD795}" type="datetimeFigureOut">
-              <a:rPr lang="de-DE" smtClean="0"/>
-              <a:t>01.02.2013</a:t>
+            <a:fld id="{8A9445E3-6B84-47E4-84D3-D6FB5E88B60A}" type="datetime1">
+              <a:rPr lang="de-DE" smtClean="0"/>
+              <a:t>02.02.2013</a:t>
             </a:fld>
             <a:endParaRPr lang="de-DE"/>
           </a:p>
@@ -3829,6 +5040,10 @@
             </a:lvl1pPr>
           </a:lstStyle>
           <a:p>
+            <a:r>
+              <a:rPr lang="de-DE" smtClean="0"/>
+              <a:t>MyController - N. Feyerabend, T. Meurer</a:t>
+            </a:r>
             <a:endParaRPr lang="de-DE"/>
           </a:p>
         </p:txBody>
@@ -4010,6 +5225,7 @@
     <p:sldLayoutId id="2147483670" r:id="rId10"/>
     <p:sldLayoutId id="2147483671" r:id="rId11"/>
   </p:sldLayoutIdLst>
+  <p:hf hdr="0" dt="0"/>
   <p:txStyles>
     <p:titleStyle>
       <a:lvl1pPr algn="l" rtl="0" eaLnBrk="1" latinLnBrk="0" hangingPunct="1">
@@ -4393,6 +5609,52 @@
           </a:p>
         </p:txBody>
       </p:sp>
+      <p:sp>
+        <p:nvSpPr>
+          <p:cNvPr id="4" name="Fußzeilenplatzhalter 3"/>
+          <p:cNvSpPr>
+            <a:spLocks noGrp="1"/>
+          </p:cNvSpPr>
+          <p:nvPr>
+            <p:ph type="ftr" sz="quarter" idx="11"/>
+          </p:nvPr>
+        </p:nvSpPr>
+        <p:spPr/>
+        <p:txBody>
+          <a:bodyPr/>
+          <a:lstStyle/>
+          <a:p>
+            <a:r>
+              <a:rPr lang="de-DE" smtClean="0"/>
+              <a:t>MyController - N. Feyerabend, T. Meurer</a:t>
+            </a:r>
+            <a:endParaRPr lang="de-DE"/>
+          </a:p>
+        </p:txBody>
+      </p:sp>
+      <p:sp>
+        <p:nvSpPr>
+          <p:cNvPr id="5" name="Foliennummernplatzhalter 4"/>
+          <p:cNvSpPr>
+            <a:spLocks noGrp="1"/>
+          </p:cNvSpPr>
+          <p:nvPr>
+            <p:ph type="sldNum" sz="quarter" idx="12"/>
+          </p:nvPr>
+        </p:nvSpPr>
+        <p:spPr/>
+        <p:txBody>
+          <a:bodyPr/>
+          <a:lstStyle/>
+          <a:p>
+            <a:fld id="{161AA39E-9F83-4643-BD3A-E980A363C858}" type="slidenum">
+              <a:rPr lang="de-DE" smtClean="0"/>
+              <a:t>1</a:t>
+            </a:fld>
+            <a:endParaRPr lang="de-DE"/>
+          </a:p>
+        </p:txBody>
+      </p:sp>
     </p:spTree>
     <p:extLst>
       <p:ext uri="{BB962C8B-B14F-4D97-AF65-F5344CB8AC3E}">
@@ -4403,6 +5665,1677 @@
   <p:clrMapOvr>
     <a:masterClrMapping/>
   </p:clrMapOvr>
+  <p:timing>
+    <p:tnLst>
+      <p:par>
+        <p:cTn id="1" dur="indefinite" restart="never" nodeType="tmRoot"/>
+      </p:par>
+    </p:tnLst>
+  </p:timing>
+</p:sld>
+</file>
+
+<file path=ppt/slides/slide10.xml><?xml version="1.0" encoding="utf-8"?>
+<p:sld xmlns:a="http://schemas.openxmlformats.org/drawingml/2006/main" xmlns:r="http://schemas.openxmlformats.org/officeDocument/2006/relationships" xmlns:p="http://schemas.openxmlformats.org/presentationml/2006/main">
+  <p:cSld>
+    <p:spTree>
+      <p:nvGrpSpPr>
+        <p:cNvPr id="1" name=""/>
+        <p:cNvGrpSpPr/>
+        <p:nvPr/>
+      </p:nvGrpSpPr>
+      <p:grpSpPr>
+        <a:xfrm>
+          <a:off x="0" y="0"/>
+          <a:ext cx="0" cy="0"/>
+          <a:chOff x="0" y="0"/>
+          <a:chExt cx="0" cy="0"/>
+        </a:xfrm>
+      </p:grpSpPr>
+      <p:sp>
+        <p:nvSpPr>
+          <p:cNvPr id="2" name="Titel 1"/>
+          <p:cNvSpPr>
+            <a:spLocks noGrp="1"/>
+          </p:cNvSpPr>
+          <p:nvPr>
+            <p:ph type="title"/>
+          </p:nvPr>
+        </p:nvSpPr>
+        <p:spPr/>
+        <p:txBody>
+          <a:bodyPr/>
+          <a:lstStyle/>
+          <a:p>
+            <a:r>
+              <a:rPr lang="de-DE" dirty="0" smtClean="0"/>
+              <a:t>Android-Klassen</a:t>
+            </a:r>
+            <a:endParaRPr lang="de-DE" dirty="0"/>
+          </a:p>
+        </p:txBody>
+      </p:sp>
+      <p:sp>
+        <p:nvSpPr>
+          <p:cNvPr id="3" name="Inhaltsplatzhalter 2"/>
+          <p:cNvSpPr>
+            <a:spLocks noGrp="1"/>
+          </p:cNvSpPr>
+          <p:nvPr>
+            <p:ph sz="quarter" idx="1"/>
+          </p:nvPr>
+        </p:nvSpPr>
+        <p:spPr/>
+        <p:txBody>
+          <a:bodyPr/>
+          <a:lstStyle/>
+          <a:p>
+            <a:r>
+              <a:rPr lang="de-DE" dirty="0" smtClean="0"/>
+              <a:t>GUI und Basis-Logik der App</a:t>
+            </a:r>
+          </a:p>
+          <a:p>
+            <a:pPr lvl="1"/>
+            <a:r>
+              <a:rPr lang="de-DE" dirty="0" err="1" smtClean="0"/>
+              <a:t>ContextListActivity</a:t>
+            </a:r>
+            <a:endParaRPr lang="de-DE" dirty="0" smtClean="0"/>
+          </a:p>
+          <a:p>
+            <a:pPr lvl="1"/>
+            <a:r>
+              <a:rPr lang="de-DE" dirty="0" err="1" smtClean="0"/>
+              <a:t>ContextListFragment</a:t>
+            </a:r>
+            <a:endParaRPr lang="de-DE" dirty="0" smtClean="0"/>
+          </a:p>
+          <a:p>
+            <a:pPr lvl="1"/>
+            <a:r>
+              <a:rPr lang="de-DE" dirty="0" err="1" smtClean="0"/>
+              <a:t>ControlFragment</a:t>
+            </a:r>
+            <a:endParaRPr lang="de-DE" dirty="0" smtClean="0"/>
+          </a:p>
+          <a:p>
+            <a:pPr lvl="1"/>
+            <a:r>
+              <a:rPr lang="de-DE" dirty="0" err="1" smtClean="0"/>
+              <a:t>ControlActivity</a:t>
+            </a:r>
+            <a:endParaRPr lang="de-DE" dirty="0"/>
+          </a:p>
+        </p:txBody>
+      </p:sp>
+      <p:sp>
+        <p:nvSpPr>
+          <p:cNvPr id="4" name="Fußzeilenplatzhalter 3"/>
+          <p:cNvSpPr>
+            <a:spLocks noGrp="1"/>
+          </p:cNvSpPr>
+          <p:nvPr>
+            <p:ph type="ftr" sz="quarter" idx="11"/>
+          </p:nvPr>
+        </p:nvSpPr>
+        <p:spPr/>
+        <p:txBody>
+          <a:bodyPr/>
+          <a:lstStyle/>
+          <a:p>
+            <a:r>
+              <a:rPr lang="de-DE" smtClean="0"/>
+              <a:t>MyController - N. Feyerabend, T. Meurer</a:t>
+            </a:r>
+            <a:endParaRPr lang="de-DE"/>
+          </a:p>
+        </p:txBody>
+      </p:sp>
+      <p:sp>
+        <p:nvSpPr>
+          <p:cNvPr id="5" name="Foliennummernplatzhalter 4"/>
+          <p:cNvSpPr>
+            <a:spLocks noGrp="1"/>
+          </p:cNvSpPr>
+          <p:nvPr>
+            <p:ph type="sldNum" sz="quarter" idx="12"/>
+          </p:nvPr>
+        </p:nvSpPr>
+        <p:spPr/>
+        <p:txBody>
+          <a:bodyPr/>
+          <a:lstStyle/>
+          <a:p>
+            <a:fld id="{161AA39E-9F83-4643-BD3A-E980A363C858}" type="slidenum">
+              <a:rPr lang="de-DE" smtClean="0"/>
+              <a:t>10</a:t>
+            </a:fld>
+            <a:endParaRPr lang="de-DE"/>
+          </a:p>
+        </p:txBody>
+      </p:sp>
+    </p:spTree>
+    <p:extLst>
+      <p:ext uri="{BB962C8B-B14F-4D97-AF65-F5344CB8AC3E}">
+        <p14:creationId xmlns:p14="http://schemas.microsoft.com/office/powerpoint/2010/main" val="2382986985"/>
+      </p:ext>
+    </p:extLst>
+  </p:cSld>
+  <p:clrMapOvr>
+    <a:masterClrMapping/>
+  </p:clrMapOvr>
+  <p:timing>
+    <p:tnLst>
+      <p:par>
+        <p:cTn id="1" dur="indefinite" restart="never" nodeType="tmRoot"/>
+      </p:par>
+    </p:tnLst>
+  </p:timing>
+</p:sld>
+</file>
+
+<file path=ppt/slides/slide11.xml><?xml version="1.0" encoding="utf-8"?>
+<p:sld xmlns:a="http://schemas.openxmlformats.org/drawingml/2006/main" xmlns:r="http://schemas.openxmlformats.org/officeDocument/2006/relationships" xmlns:p="http://schemas.openxmlformats.org/presentationml/2006/main">
+  <p:cSld>
+    <p:spTree>
+      <p:nvGrpSpPr>
+        <p:cNvPr id="1" name=""/>
+        <p:cNvGrpSpPr/>
+        <p:nvPr/>
+      </p:nvGrpSpPr>
+      <p:grpSpPr>
+        <a:xfrm>
+          <a:off x="0" y="0"/>
+          <a:ext cx="0" cy="0"/>
+          <a:chOff x="0" y="0"/>
+          <a:chExt cx="0" cy="0"/>
+        </a:xfrm>
+      </p:grpSpPr>
+      <p:sp>
+        <p:nvSpPr>
+          <p:cNvPr id="2" name="Titel 1"/>
+          <p:cNvSpPr>
+            <a:spLocks noGrp="1"/>
+          </p:cNvSpPr>
+          <p:nvPr>
+            <p:ph type="title"/>
+          </p:nvPr>
+        </p:nvSpPr>
+        <p:spPr/>
+        <p:txBody>
+          <a:bodyPr/>
+          <a:lstStyle/>
+          <a:p>
+            <a:r>
+              <a:rPr lang="de-DE" dirty="0" err="1" smtClean="0"/>
+              <a:t>Control</a:t>
+            </a:r>
+            <a:r>
+              <a:rPr lang="de-DE" dirty="0" smtClean="0"/>
+              <a:t> und </a:t>
+            </a:r>
+            <a:r>
+              <a:rPr lang="de-DE" dirty="0" err="1" smtClean="0"/>
+              <a:t>Context</a:t>
+            </a:r>
+            <a:endParaRPr lang="de-DE" dirty="0"/>
+          </a:p>
+        </p:txBody>
+      </p:sp>
+      <p:sp>
+        <p:nvSpPr>
+          <p:cNvPr id="3" name="Inhaltsplatzhalter 2"/>
+          <p:cNvSpPr>
+            <a:spLocks noGrp="1"/>
+          </p:cNvSpPr>
+          <p:nvPr>
+            <p:ph sz="quarter" idx="1"/>
+          </p:nvPr>
+        </p:nvSpPr>
+        <p:spPr/>
+        <p:txBody>
+          <a:bodyPr/>
+          <a:lstStyle/>
+          <a:p>
+            <a:r>
+              <a:rPr lang="de-DE" dirty="0" smtClean="0"/>
+              <a:t>Steuerbare Geräte (</a:t>
+            </a:r>
+            <a:r>
+              <a:rPr lang="de-DE" dirty="0" err="1" smtClean="0"/>
+              <a:t>Control</a:t>
+            </a:r>
+            <a:r>
+              <a:rPr lang="de-DE" dirty="0" smtClean="0"/>
+              <a:t>)</a:t>
+            </a:r>
+          </a:p>
+          <a:p>
+            <a:r>
+              <a:rPr lang="de-DE" dirty="0" smtClean="0"/>
+              <a:t>Räume (</a:t>
+            </a:r>
+            <a:r>
+              <a:rPr lang="de-DE" dirty="0" err="1" smtClean="0"/>
+              <a:t>Context</a:t>
+            </a:r>
+            <a:r>
+              <a:rPr lang="de-DE" dirty="0" smtClean="0"/>
+              <a:t>)</a:t>
+            </a:r>
+          </a:p>
+          <a:p>
+            <a:r>
+              <a:rPr lang="de-DE" dirty="0" smtClean="0"/>
+              <a:t>Klassen waren vorgegeben, wurden modifiziert</a:t>
+            </a:r>
+          </a:p>
+          <a:p>
+            <a:pPr lvl="1"/>
+            <a:r>
+              <a:rPr lang="de-DE" dirty="0" smtClean="0"/>
+              <a:t>Variable </a:t>
+            </a:r>
+            <a:r>
+              <a:rPr lang="de-DE" dirty="0" err="1" smtClean="0"/>
+              <a:t>value</a:t>
+            </a:r>
+            <a:endParaRPr lang="de-DE" dirty="0"/>
+          </a:p>
+          <a:p>
+            <a:pPr lvl="1"/>
+            <a:r>
+              <a:rPr lang="de-DE" dirty="0" smtClean="0"/>
+              <a:t>Name wird aus Strings.xml ausgelesen</a:t>
+            </a:r>
+            <a:endParaRPr lang="de-DE" dirty="0"/>
+          </a:p>
+        </p:txBody>
+      </p:sp>
+      <p:sp>
+        <p:nvSpPr>
+          <p:cNvPr id="4" name="Fußzeilenplatzhalter 3"/>
+          <p:cNvSpPr>
+            <a:spLocks noGrp="1"/>
+          </p:cNvSpPr>
+          <p:nvPr>
+            <p:ph type="ftr" sz="quarter" idx="11"/>
+          </p:nvPr>
+        </p:nvSpPr>
+        <p:spPr/>
+        <p:txBody>
+          <a:bodyPr/>
+          <a:lstStyle/>
+          <a:p>
+            <a:r>
+              <a:rPr lang="de-DE" smtClean="0"/>
+              <a:t>MyController - N. Feyerabend, T. Meurer</a:t>
+            </a:r>
+            <a:endParaRPr lang="de-DE"/>
+          </a:p>
+        </p:txBody>
+      </p:sp>
+      <p:sp>
+        <p:nvSpPr>
+          <p:cNvPr id="5" name="Foliennummernplatzhalter 4"/>
+          <p:cNvSpPr>
+            <a:spLocks noGrp="1"/>
+          </p:cNvSpPr>
+          <p:nvPr>
+            <p:ph type="sldNum" sz="quarter" idx="12"/>
+          </p:nvPr>
+        </p:nvSpPr>
+        <p:spPr/>
+        <p:txBody>
+          <a:bodyPr/>
+          <a:lstStyle/>
+          <a:p>
+            <a:fld id="{161AA39E-9F83-4643-BD3A-E980A363C858}" type="slidenum">
+              <a:rPr lang="de-DE" smtClean="0"/>
+              <a:t>11</a:t>
+            </a:fld>
+            <a:endParaRPr lang="de-DE"/>
+          </a:p>
+        </p:txBody>
+      </p:sp>
+    </p:spTree>
+    <p:extLst>
+      <p:ext uri="{BB962C8B-B14F-4D97-AF65-F5344CB8AC3E}">
+        <p14:creationId xmlns:p14="http://schemas.microsoft.com/office/powerpoint/2010/main" val="856430812"/>
+      </p:ext>
+    </p:extLst>
+  </p:cSld>
+  <p:clrMapOvr>
+    <a:masterClrMapping/>
+  </p:clrMapOvr>
+  <p:timing>
+    <p:tnLst>
+      <p:par>
+        <p:cTn id="1" dur="indefinite" restart="never" nodeType="tmRoot"/>
+      </p:par>
+    </p:tnLst>
+  </p:timing>
+</p:sld>
+</file>
+
+<file path=ppt/slides/slide12.xml><?xml version="1.0" encoding="utf-8"?>
+<p:sld xmlns:a="http://schemas.openxmlformats.org/drawingml/2006/main" xmlns:r="http://schemas.openxmlformats.org/officeDocument/2006/relationships" xmlns:p="http://schemas.openxmlformats.org/presentationml/2006/main">
+  <p:cSld>
+    <p:spTree>
+      <p:nvGrpSpPr>
+        <p:cNvPr id="1" name=""/>
+        <p:cNvGrpSpPr/>
+        <p:nvPr/>
+      </p:nvGrpSpPr>
+      <p:grpSpPr>
+        <a:xfrm>
+          <a:off x="0" y="0"/>
+          <a:ext cx="0" cy="0"/>
+          <a:chOff x="0" y="0"/>
+          <a:chExt cx="0" cy="0"/>
+        </a:xfrm>
+      </p:grpSpPr>
+      <p:sp>
+        <p:nvSpPr>
+          <p:cNvPr id="2" name="Titel 1"/>
+          <p:cNvSpPr>
+            <a:spLocks noGrp="1"/>
+          </p:cNvSpPr>
+          <p:nvPr>
+            <p:ph type="title"/>
+          </p:nvPr>
+        </p:nvSpPr>
+        <p:spPr/>
+        <p:txBody>
+          <a:bodyPr/>
+          <a:lstStyle/>
+          <a:p>
+            <a:r>
+              <a:rPr lang="de-DE" dirty="0" err="1" smtClean="0"/>
+              <a:t>ButtonListenerFactory</a:t>
+            </a:r>
+            <a:endParaRPr lang="de-DE" dirty="0"/>
+          </a:p>
+        </p:txBody>
+      </p:sp>
+      <p:sp>
+        <p:nvSpPr>
+          <p:cNvPr id="3" name="Inhaltsplatzhalter 2"/>
+          <p:cNvSpPr>
+            <a:spLocks noGrp="1"/>
+          </p:cNvSpPr>
+          <p:nvPr>
+            <p:ph sz="quarter" idx="1"/>
+          </p:nvPr>
+        </p:nvSpPr>
+        <p:spPr/>
+        <p:txBody>
+          <a:bodyPr/>
+          <a:lstStyle/>
+          <a:p>
+            <a:r>
+              <a:rPr lang="de-DE" dirty="0" smtClean="0"/>
+              <a:t>Erzeugt </a:t>
+            </a:r>
+            <a:r>
+              <a:rPr lang="de-DE" dirty="0" err="1" smtClean="0"/>
+              <a:t>Listener</a:t>
+            </a:r>
+            <a:r>
+              <a:rPr lang="de-DE" dirty="0" smtClean="0"/>
+              <a:t> für GUI Komponenten</a:t>
+            </a:r>
+          </a:p>
+          <a:p>
+            <a:endParaRPr lang="de-DE" dirty="0"/>
+          </a:p>
+        </p:txBody>
+      </p:sp>
+      <p:pic>
+        <p:nvPicPr>
+          <p:cNvPr id="4" name="Inhaltsplatzhalter 5"/>
+          <p:cNvPicPr>
+            <a:picLocks noChangeAspect="1"/>
+          </p:cNvPicPr>
+          <p:nvPr/>
+        </p:nvPicPr>
+        <p:blipFill>
+          <a:blip r:embed="rId3" cstate="print">
+            <a:extLst>
+              <a:ext uri="{28A0092B-C50C-407E-A947-70E740481C1C}">
+                <a14:useLocalDpi xmlns:a14="http://schemas.microsoft.com/office/drawing/2010/main" val="0"/>
+              </a:ext>
+            </a:extLst>
+          </a:blip>
+          <a:stretch>
+            <a:fillRect/>
+          </a:stretch>
+        </p:blipFill>
+        <p:spPr>
+          <a:xfrm>
+            <a:off x="827584" y="2060848"/>
+            <a:ext cx="6204050" cy="3875100"/>
+          </a:xfrm>
+          <a:prstGeom prst="rect">
+            <a:avLst/>
+          </a:prstGeom>
+        </p:spPr>
+      </p:pic>
+      <p:sp>
+        <p:nvSpPr>
+          <p:cNvPr id="5" name="Textfeld 4"/>
+          <p:cNvSpPr txBox="1"/>
+          <p:nvPr/>
+        </p:nvSpPr>
+        <p:spPr>
+          <a:xfrm>
+            <a:off x="1979712" y="4437112"/>
+            <a:ext cx="4680520" cy="646331"/>
+          </a:xfrm>
+          <a:prstGeom prst="rect">
+            <a:avLst/>
+          </a:prstGeom>
+          <a:noFill/>
+        </p:spPr>
+        <p:txBody>
+          <a:bodyPr wrap="square" rtlCol="0">
+            <a:spAutoFit/>
+          </a:bodyPr>
+          <a:lstStyle/>
+          <a:p>
+            <a:r>
+              <a:rPr lang="de-DE" dirty="0" smtClean="0">
+                <a:solidFill>
+                  <a:srgbClr val="FF0000"/>
+                </a:solidFill>
+              </a:rPr>
+              <a:t>SCREENSHOT MIT MARKIERUNGEN ERSTELLEN</a:t>
+            </a:r>
+            <a:endParaRPr lang="de-DE" dirty="0">
+              <a:solidFill>
+                <a:srgbClr val="FF0000"/>
+              </a:solidFill>
+            </a:endParaRPr>
+          </a:p>
+        </p:txBody>
+      </p:sp>
+      <p:sp>
+        <p:nvSpPr>
+          <p:cNvPr id="6" name="Fußzeilenplatzhalter 5"/>
+          <p:cNvSpPr>
+            <a:spLocks noGrp="1"/>
+          </p:cNvSpPr>
+          <p:nvPr>
+            <p:ph type="ftr" sz="quarter" idx="11"/>
+          </p:nvPr>
+        </p:nvSpPr>
+        <p:spPr/>
+        <p:txBody>
+          <a:bodyPr/>
+          <a:lstStyle/>
+          <a:p>
+            <a:r>
+              <a:rPr lang="de-DE" smtClean="0"/>
+              <a:t>MyController - N. Feyerabend, T. Meurer</a:t>
+            </a:r>
+            <a:endParaRPr lang="de-DE"/>
+          </a:p>
+        </p:txBody>
+      </p:sp>
+      <p:sp>
+        <p:nvSpPr>
+          <p:cNvPr id="7" name="Foliennummernplatzhalter 6"/>
+          <p:cNvSpPr>
+            <a:spLocks noGrp="1"/>
+          </p:cNvSpPr>
+          <p:nvPr>
+            <p:ph type="sldNum" sz="quarter" idx="12"/>
+          </p:nvPr>
+        </p:nvSpPr>
+        <p:spPr/>
+        <p:txBody>
+          <a:bodyPr/>
+          <a:lstStyle/>
+          <a:p>
+            <a:fld id="{161AA39E-9F83-4643-BD3A-E980A363C858}" type="slidenum">
+              <a:rPr lang="de-DE" smtClean="0"/>
+              <a:t>12</a:t>
+            </a:fld>
+            <a:endParaRPr lang="de-DE"/>
+          </a:p>
+        </p:txBody>
+      </p:sp>
+    </p:spTree>
+    <p:extLst>
+      <p:ext uri="{BB962C8B-B14F-4D97-AF65-F5344CB8AC3E}">
+        <p14:creationId xmlns:p14="http://schemas.microsoft.com/office/powerpoint/2010/main" val="2535345983"/>
+      </p:ext>
+    </p:extLst>
+  </p:cSld>
+  <p:clrMapOvr>
+    <a:masterClrMapping/>
+  </p:clrMapOvr>
+  <p:timing>
+    <p:tnLst>
+      <p:par>
+        <p:cTn id="1" dur="indefinite" restart="never" nodeType="tmRoot"/>
+      </p:par>
+    </p:tnLst>
+  </p:timing>
+</p:sld>
+</file>
+
+<file path=ppt/slides/slide13.xml><?xml version="1.0" encoding="utf-8"?>
+<p:sld xmlns:a="http://schemas.openxmlformats.org/drawingml/2006/main" xmlns:r="http://schemas.openxmlformats.org/officeDocument/2006/relationships" xmlns:p="http://schemas.openxmlformats.org/presentationml/2006/main">
+  <p:cSld>
+    <p:spTree>
+      <p:nvGrpSpPr>
+        <p:cNvPr id="1" name=""/>
+        <p:cNvGrpSpPr/>
+        <p:nvPr/>
+      </p:nvGrpSpPr>
+      <p:grpSpPr>
+        <a:xfrm>
+          <a:off x="0" y="0"/>
+          <a:ext cx="0" cy="0"/>
+          <a:chOff x="0" y="0"/>
+          <a:chExt cx="0" cy="0"/>
+        </a:xfrm>
+      </p:grpSpPr>
+      <p:sp>
+        <p:nvSpPr>
+          <p:cNvPr id="2" name="Titel 1"/>
+          <p:cNvSpPr>
+            <a:spLocks noGrp="1"/>
+          </p:cNvSpPr>
+          <p:nvPr>
+            <p:ph type="title"/>
+          </p:nvPr>
+        </p:nvSpPr>
+        <p:spPr/>
+        <p:txBody>
+          <a:bodyPr/>
+          <a:lstStyle/>
+          <a:p>
+            <a:r>
+              <a:rPr lang="de-DE" dirty="0" err="1" smtClean="0"/>
+              <a:t>MessageAdapter</a:t>
+            </a:r>
+            <a:endParaRPr lang="de-DE" dirty="0"/>
+          </a:p>
+        </p:txBody>
+      </p:sp>
+      <p:sp>
+        <p:nvSpPr>
+          <p:cNvPr id="3" name="Inhaltsplatzhalter 2"/>
+          <p:cNvSpPr>
+            <a:spLocks noGrp="1"/>
+          </p:cNvSpPr>
+          <p:nvPr>
+            <p:ph sz="quarter" idx="1"/>
+          </p:nvPr>
+        </p:nvSpPr>
+        <p:spPr/>
+        <p:txBody>
+          <a:bodyPr/>
+          <a:lstStyle/>
+          <a:p>
+            <a:r>
+              <a:rPr lang="de-DE" dirty="0" smtClean="0"/>
+              <a:t>Eigene Message-Typen für steuerbare Geräte-Arten</a:t>
+            </a:r>
+          </a:p>
+          <a:p>
+            <a:pPr lvl="1"/>
+            <a:r>
+              <a:rPr lang="de-DE" dirty="0" smtClean="0"/>
+              <a:t>Licht, Fenster, …</a:t>
+            </a:r>
+          </a:p>
+          <a:p>
+            <a:r>
+              <a:rPr lang="de-DE" dirty="0" smtClean="0"/>
+              <a:t>Zwei Utility Klassen</a:t>
+            </a:r>
+          </a:p>
+          <a:p>
+            <a:pPr lvl="1"/>
+            <a:r>
+              <a:rPr lang="de-DE" dirty="0" smtClean="0"/>
+              <a:t>Erzeugen von Nachrichten</a:t>
+            </a:r>
+          </a:p>
+          <a:p>
+            <a:pPr lvl="1"/>
+            <a:r>
+              <a:rPr lang="de-DE" dirty="0" smtClean="0"/>
+              <a:t>Senden von Nachrichten</a:t>
+            </a:r>
+            <a:endParaRPr lang="de-DE" dirty="0"/>
+          </a:p>
+        </p:txBody>
+      </p:sp>
+      <p:sp>
+        <p:nvSpPr>
+          <p:cNvPr id="4" name="Fußzeilenplatzhalter 3"/>
+          <p:cNvSpPr>
+            <a:spLocks noGrp="1"/>
+          </p:cNvSpPr>
+          <p:nvPr>
+            <p:ph type="ftr" sz="quarter" idx="11"/>
+          </p:nvPr>
+        </p:nvSpPr>
+        <p:spPr/>
+        <p:txBody>
+          <a:bodyPr/>
+          <a:lstStyle/>
+          <a:p>
+            <a:r>
+              <a:rPr lang="de-DE" smtClean="0"/>
+              <a:t>MyController - N. Feyerabend, T. Meurer</a:t>
+            </a:r>
+            <a:endParaRPr lang="de-DE"/>
+          </a:p>
+        </p:txBody>
+      </p:sp>
+      <p:sp>
+        <p:nvSpPr>
+          <p:cNvPr id="5" name="Foliennummernplatzhalter 4"/>
+          <p:cNvSpPr>
+            <a:spLocks noGrp="1"/>
+          </p:cNvSpPr>
+          <p:nvPr>
+            <p:ph type="sldNum" sz="quarter" idx="12"/>
+          </p:nvPr>
+        </p:nvSpPr>
+        <p:spPr/>
+        <p:txBody>
+          <a:bodyPr/>
+          <a:lstStyle/>
+          <a:p>
+            <a:fld id="{161AA39E-9F83-4643-BD3A-E980A363C858}" type="slidenum">
+              <a:rPr lang="de-DE" smtClean="0"/>
+              <a:t>13</a:t>
+            </a:fld>
+            <a:endParaRPr lang="de-DE"/>
+          </a:p>
+        </p:txBody>
+      </p:sp>
+    </p:spTree>
+    <p:extLst>
+      <p:ext uri="{BB962C8B-B14F-4D97-AF65-F5344CB8AC3E}">
+        <p14:creationId xmlns:p14="http://schemas.microsoft.com/office/powerpoint/2010/main" val="1559825864"/>
+      </p:ext>
+    </p:extLst>
+  </p:cSld>
+  <p:clrMapOvr>
+    <a:masterClrMapping/>
+  </p:clrMapOvr>
+  <p:timing>
+    <p:tnLst>
+      <p:par>
+        <p:cTn id="1" dur="indefinite" restart="never" nodeType="tmRoot"/>
+      </p:par>
+    </p:tnLst>
+  </p:timing>
+</p:sld>
+</file>
+
+<file path=ppt/slides/slide14.xml><?xml version="1.0" encoding="utf-8"?>
+<p:sld xmlns:a="http://schemas.openxmlformats.org/drawingml/2006/main" xmlns:r="http://schemas.openxmlformats.org/officeDocument/2006/relationships" xmlns:p="http://schemas.openxmlformats.org/presentationml/2006/main">
+  <p:cSld>
+    <p:spTree>
+      <p:nvGrpSpPr>
+        <p:cNvPr id="1" name=""/>
+        <p:cNvGrpSpPr/>
+        <p:nvPr/>
+      </p:nvGrpSpPr>
+      <p:grpSpPr>
+        <a:xfrm>
+          <a:off x="0" y="0"/>
+          <a:ext cx="0" cy="0"/>
+          <a:chOff x="0" y="0"/>
+          <a:chExt cx="0" cy="0"/>
+        </a:xfrm>
+      </p:grpSpPr>
+      <p:sp>
+        <p:nvSpPr>
+          <p:cNvPr id="2" name="Titel 1"/>
+          <p:cNvSpPr>
+            <a:spLocks noGrp="1"/>
+          </p:cNvSpPr>
+          <p:nvPr>
+            <p:ph type="title"/>
+          </p:nvPr>
+        </p:nvSpPr>
+        <p:spPr/>
+        <p:txBody>
+          <a:bodyPr/>
+          <a:lstStyle/>
+          <a:p>
+            <a:r>
+              <a:rPr lang="de-DE" dirty="0" smtClean="0"/>
+              <a:t>Erweiterbarkeit</a:t>
+            </a:r>
+            <a:endParaRPr lang="de-DE" dirty="0"/>
+          </a:p>
+        </p:txBody>
+      </p:sp>
+      <p:sp>
+        <p:nvSpPr>
+          <p:cNvPr id="3" name="Inhaltsplatzhalter 2"/>
+          <p:cNvSpPr>
+            <a:spLocks noGrp="1"/>
+          </p:cNvSpPr>
+          <p:nvPr>
+            <p:ph sz="quarter" idx="1"/>
+          </p:nvPr>
+        </p:nvSpPr>
+        <p:spPr/>
+        <p:txBody>
+          <a:bodyPr/>
+          <a:lstStyle/>
+          <a:p>
+            <a:r>
+              <a:rPr lang="de-DE" dirty="0" smtClean="0"/>
+              <a:t>Neuer Raum mit neuen Geräten</a:t>
+            </a:r>
+          </a:p>
+          <a:p>
+            <a:pPr lvl="1"/>
+            <a:r>
+              <a:rPr lang="de-DE" dirty="0" smtClean="0"/>
+              <a:t>Neues Layout erstellen</a:t>
+            </a:r>
+          </a:p>
+          <a:p>
+            <a:pPr lvl="1"/>
+            <a:r>
+              <a:rPr lang="de-DE" dirty="0" err="1" smtClean="0"/>
+              <a:t>Control</a:t>
+            </a:r>
+            <a:r>
+              <a:rPr lang="de-DE" dirty="0" smtClean="0"/>
+              <a:t> um neues Gerät erweitern</a:t>
+            </a:r>
+          </a:p>
+          <a:p>
+            <a:pPr lvl="1"/>
+            <a:r>
+              <a:rPr lang="de-DE" dirty="0" err="1" smtClean="0"/>
+              <a:t>Context</a:t>
+            </a:r>
+            <a:r>
+              <a:rPr lang="de-DE" dirty="0" smtClean="0"/>
+              <a:t> um neuen Raum erweitern</a:t>
+            </a:r>
+          </a:p>
+          <a:p>
+            <a:pPr lvl="1"/>
+            <a:r>
+              <a:rPr lang="de-DE" dirty="0" smtClean="0"/>
+              <a:t>Neue </a:t>
+            </a:r>
+            <a:r>
+              <a:rPr lang="de-DE" dirty="0" err="1" smtClean="0"/>
+              <a:t>Listener</a:t>
+            </a:r>
+            <a:r>
+              <a:rPr lang="de-DE" dirty="0" smtClean="0"/>
+              <a:t> in </a:t>
+            </a:r>
+            <a:r>
+              <a:rPr lang="de-DE" dirty="0" err="1" smtClean="0"/>
+              <a:t>ButtonListenerFactory</a:t>
+            </a:r>
+            <a:endParaRPr lang="de-DE" dirty="0" smtClean="0"/>
+          </a:p>
+          <a:p>
+            <a:pPr lvl="1"/>
+            <a:r>
+              <a:rPr lang="de-DE" dirty="0" err="1" smtClean="0"/>
+              <a:t>MessageAdapter</a:t>
+            </a:r>
+            <a:r>
+              <a:rPr lang="de-DE" dirty="0" smtClean="0"/>
+              <a:t> erweitern</a:t>
+            </a:r>
+          </a:p>
+          <a:p>
+            <a:pPr lvl="2"/>
+            <a:r>
+              <a:rPr lang="de-DE" dirty="0" smtClean="0"/>
+              <a:t>Message-Klasse anlegen</a:t>
+            </a:r>
+          </a:p>
+          <a:p>
+            <a:pPr lvl="2"/>
+            <a:r>
+              <a:rPr lang="de-DE" dirty="0" smtClean="0"/>
+              <a:t>Utility-Klasse Messages um neue Hilfsmethoden erweitern</a:t>
+            </a:r>
+            <a:endParaRPr lang="de-DE" dirty="0"/>
+          </a:p>
+        </p:txBody>
+      </p:sp>
+      <p:sp>
+        <p:nvSpPr>
+          <p:cNvPr id="4" name="Fußzeilenplatzhalter 3"/>
+          <p:cNvSpPr>
+            <a:spLocks noGrp="1"/>
+          </p:cNvSpPr>
+          <p:nvPr>
+            <p:ph type="ftr" sz="quarter" idx="11"/>
+          </p:nvPr>
+        </p:nvSpPr>
+        <p:spPr/>
+        <p:txBody>
+          <a:bodyPr/>
+          <a:lstStyle/>
+          <a:p>
+            <a:r>
+              <a:rPr lang="de-DE" smtClean="0"/>
+              <a:t>MyController - N. Feyerabend, T. Meurer</a:t>
+            </a:r>
+            <a:endParaRPr lang="de-DE"/>
+          </a:p>
+        </p:txBody>
+      </p:sp>
+      <p:sp>
+        <p:nvSpPr>
+          <p:cNvPr id="5" name="Foliennummernplatzhalter 4"/>
+          <p:cNvSpPr>
+            <a:spLocks noGrp="1"/>
+          </p:cNvSpPr>
+          <p:nvPr>
+            <p:ph type="sldNum" sz="quarter" idx="12"/>
+          </p:nvPr>
+        </p:nvSpPr>
+        <p:spPr/>
+        <p:txBody>
+          <a:bodyPr/>
+          <a:lstStyle/>
+          <a:p>
+            <a:fld id="{161AA39E-9F83-4643-BD3A-E980A363C858}" type="slidenum">
+              <a:rPr lang="de-DE" smtClean="0"/>
+              <a:t>14</a:t>
+            </a:fld>
+            <a:endParaRPr lang="de-DE"/>
+          </a:p>
+        </p:txBody>
+      </p:sp>
+    </p:spTree>
+    <p:extLst>
+      <p:ext uri="{BB962C8B-B14F-4D97-AF65-F5344CB8AC3E}">
+        <p14:creationId xmlns:p14="http://schemas.microsoft.com/office/powerpoint/2010/main" val="2737806539"/>
+      </p:ext>
+    </p:extLst>
+  </p:cSld>
+  <p:clrMapOvr>
+    <a:masterClrMapping/>
+  </p:clrMapOvr>
+  <p:timing>
+    <p:tnLst>
+      <p:par>
+        <p:cTn id="1" dur="indefinite" restart="never" nodeType="tmRoot"/>
+      </p:par>
+    </p:tnLst>
+  </p:timing>
+</p:sld>
+</file>
+
+<file path=ppt/slides/slide15.xml><?xml version="1.0" encoding="utf-8"?>
+<p:sld xmlns:a="http://schemas.openxmlformats.org/drawingml/2006/main" xmlns:r="http://schemas.openxmlformats.org/officeDocument/2006/relationships" xmlns:p="http://schemas.openxmlformats.org/presentationml/2006/main">
+  <p:cSld>
+    <p:spTree>
+      <p:nvGrpSpPr>
+        <p:cNvPr id="1" name=""/>
+        <p:cNvGrpSpPr/>
+        <p:nvPr/>
+      </p:nvGrpSpPr>
+      <p:grpSpPr>
+        <a:xfrm>
+          <a:off x="0" y="0"/>
+          <a:ext cx="0" cy="0"/>
+          <a:chOff x="0" y="0"/>
+          <a:chExt cx="0" cy="0"/>
+        </a:xfrm>
+      </p:grpSpPr>
+      <p:sp>
+        <p:nvSpPr>
+          <p:cNvPr id="2" name="Titel 1"/>
+          <p:cNvSpPr>
+            <a:spLocks noGrp="1"/>
+          </p:cNvSpPr>
+          <p:nvPr>
+            <p:ph type="title"/>
+          </p:nvPr>
+        </p:nvSpPr>
+        <p:spPr/>
+        <p:txBody>
+          <a:bodyPr/>
+          <a:lstStyle/>
+          <a:p>
+            <a:r>
+              <a:rPr lang="de-DE" dirty="0" smtClean="0"/>
+              <a:t>Portierbarkeit</a:t>
+            </a:r>
+            <a:endParaRPr lang="de-DE" dirty="0"/>
+          </a:p>
+        </p:txBody>
+      </p:sp>
+      <p:sp>
+        <p:nvSpPr>
+          <p:cNvPr id="3" name="Inhaltsplatzhalter 2"/>
+          <p:cNvSpPr>
+            <a:spLocks noGrp="1"/>
+          </p:cNvSpPr>
+          <p:nvPr>
+            <p:ph sz="quarter" idx="1"/>
+          </p:nvPr>
+        </p:nvSpPr>
+        <p:spPr/>
+        <p:txBody>
+          <a:bodyPr/>
+          <a:lstStyle/>
+          <a:p>
+            <a:r>
+              <a:rPr lang="de-DE" dirty="0" smtClean="0"/>
+              <a:t>Versionen</a:t>
+            </a:r>
+          </a:p>
+          <a:p>
+            <a:pPr lvl="1"/>
+            <a:r>
+              <a:rPr lang="de-DE" dirty="0" smtClean="0"/>
+              <a:t>Abwärtskompatibilität schwierig umzusetzen</a:t>
+            </a:r>
+          </a:p>
+          <a:p>
+            <a:r>
+              <a:rPr lang="de-DE" dirty="0" smtClean="0"/>
+              <a:t>Geräte</a:t>
+            </a:r>
+          </a:p>
+          <a:p>
+            <a:pPr lvl="1"/>
+            <a:r>
+              <a:rPr lang="de-DE" dirty="0" err="1" smtClean="0"/>
+              <a:t>MasterDetailFlow</a:t>
+            </a:r>
+            <a:r>
+              <a:rPr lang="de-DE" dirty="0" smtClean="0"/>
+              <a:t> ermöglicht leichte Anpassung für andere Gerätegrößen</a:t>
+            </a:r>
+          </a:p>
+          <a:p>
+            <a:r>
+              <a:rPr lang="de-DE" dirty="0" smtClean="0"/>
+              <a:t>Sprachen</a:t>
+            </a:r>
+          </a:p>
+          <a:p>
+            <a:pPr lvl="1"/>
+            <a:r>
+              <a:rPr lang="de-DE" dirty="0" smtClean="0"/>
+              <a:t>Bezeichnungen werden aus Strings.xml ausgelesen</a:t>
+            </a:r>
+            <a:endParaRPr lang="de-DE" dirty="0"/>
+          </a:p>
+        </p:txBody>
+      </p:sp>
+      <p:sp>
+        <p:nvSpPr>
+          <p:cNvPr id="4" name="Fußzeilenplatzhalter 3"/>
+          <p:cNvSpPr>
+            <a:spLocks noGrp="1"/>
+          </p:cNvSpPr>
+          <p:nvPr>
+            <p:ph type="ftr" sz="quarter" idx="11"/>
+          </p:nvPr>
+        </p:nvSpPr>
+        <p:spPr/>
+        <p:txBody>
+          <a:bodyPr/>
+          <a:lstStyle/>
+          <a:p>
+            <a:r>
+              <a:rPr lang="de-DE" smtClean="0"/>
+              <a:t>MyController - N. Feyerabend, T. Meurer</a:t>
+            </a:r>
+            <a:endParaRPr lang="de-DE"/>
+          </a:p>
+        </p:txBody>
+      </p:sp>
+      <p:sp>
+        <p:nvSpPr>
+          <p:cNvPr id="5" name="Foliennummernplatzhalter 4"/>
+          <p:cNvSpPr>
+            <a:spLocks noGrp="1"/>
+          </p:cNvSpPr>
+          <p:nvPr>
+            <p:ph type="sldNum" sz="quarter" idx="12"/>
+          </p:nvPr>
+        </p:nvSpPr>
+        <p:spPr/>
+        <p:txBody>
+          <a:bodyPr/>
+          <a:lstStyle/>
+          <a:p>
+            <a:fld id="{161AA39E-9F83-4643-BD3A-E980A363C858}" type="slidenum">
+              <a:rPr lang="de-DE" smtClean="0"/>
+              <a:t>15</a:t>
+            </a:fld>
+            <a:endParaRPr lang="de-DE"/>
+          </a:p>
+        </p:txBody>
+      </p:sp>
+    </p:spTree>
+    <p:extLst>
+      <p:ext uri="{BB962C8B-B14F-4D97-AF65-F5344CB8AC3E}">
+        <p14:creationId xmlns:p14="http://schemas.microsoft.com/office/powerpoint/2010/main" val="3666243914"/>
+      </p:ext>
+    </p:extLst>
+  </p:cSld>
+  <p:clrMapOvr>
+    <a:masterClrMapping/>
+  </p:clrMapOvr>
+  <p:timing>
+    <p:tnLst>
+      <p:par>
+        <p:cTn id="1" dur="indefinite" restart="never" nodeType="tmRoot"/>
+      </p:par>
+    </p:tnLst>
+  </p:timing>
+</p:sld>
+</file>
+
+<file path=ppt/slides/slide16.xml><?xml version="1.0" encoding="utf-8"?>
+<p:sld xmlns:a="http://schemas.openxmlformats.org/drawingml/2006/main" xmlns:r="http://schemas.openxmlformats.org/officeDocument/2006/relationships" xmlns:p="http://schemas.openxmlformats.org/presentationml/2006/main">
+  <p:cSld>
+    <p:spTree>
+      <p:nvGrpSpPr>
+        <p:cNvPr id="1" name=""/>
+        <p:cNvGrpSpPr/>
+        <p:nvPr/>
+      </p:nvGrpSpPr>
+      <p:grpSpPr>
+        <a:xfrm>
+          <a:off x="0" y="0"/>
+          <a:ext cx="0" cy="0"/>
+          <a:chOff x="0" y="0"/>
+          <a:chExt cx="0" cy="0"/>
+        </a:xfrm>
+      </p:grpSpPr>
+      <p:sp>
+        <p:nvSpPr>
+          <p:cNvPr id="4" name="Titel 3"/>
+          <p:cNvSpPr>
+            <a:spLocks noGrp="1"/>
+          </p:cNvSpPr>
+          <p:nvPr>
+            <p:ph type="title"/>
+          </p:nvPr>
+        </p:nvSpPr>
+        <p:spPr/>
+        <p:txBody>
+          <a:bodyPr/>
+          <a:lstStyle/>
+          <a:p>
+            <a:r>
+              <a:rPr lang="de-DE" dirty="0" smtClean="0"/>
+              <a:t>Alleinstellungsmerkmale</a:t>
+            </a:r>
+            <a:endParaRPr lang="de-DE" dirty="0"/>
+          </a:p>
+        </p:txBody>
+      </p:sp>
+      <p:sp>
+        <p:nvSpPr>
+          <p:cNvPr id="5" name="Textplatzhalter 4"/>
+          <p:cNvSpPr>
+            <a:spLocks noGrp="1"/>
+          </p:cNvSpPr>
+          <p:nvPr>
+            <p:ph type="body" idx="1"/>
+          </p:nvPr>
+        </p:nvSpPr>
+        <p:spPr/>
+        <p:txBody>
+          <a:bodyPr/>
+          <a:lstStyle/>
+          <a:p>
+            <a:endParaRPr lang="de-DE"/>
+          </a:p>
+        </p:txBody>
+      </p:sp>
+      <p:sp>
+        <p:nvSpPr>
+          <p:cNvPr id="6" name="Fußzeilenplatzhalter 5"/>
+          <p:cNvSpPr>
+            <a:spLocks noGrp="1"/>
+          </p:cNvSpPr>
+          <p:nvPr>
+            <p:ph type="ftr" sz="quarter" idx="11"/>
+          </p:nvPr>
+        </p:nvSpPr>
+        <p:spPr/>
+        <p:txBody>
+          <a:bodyPr/>
+          <a:lstStyle/>
+          <a:p>
+            <a:r>
+              <a:rPr lang="de-DE" smtClean="0"/>
+              <a:t>MyController - N. Feyerabend, T. Meurer</a:t>
+            </a:r>
+            <a:endParaRPr lang="de-DE"/>
+          </a:p>
+        </p:txBody>
+      </p:sp>
+      <p:sp>
+        <p:nvSpPr>
+          <p:cNvPr id="7" name="Foliennummernplatzhalter 6"/>
+          <p:cNvSpPr>
+            <a:spLocks noGrp="1"/>
+          </p:cNvSpPr>
+          <p:nvPr>
+            <p:ph type="sldNum" sz="quarter" idx="12"/>
+          </p:nvPr>
+        </p:nvSpPr>
+        <p:spPr/>
+        <p:txBody>
+          <a:bodyPr/>
+          <a:lstStyle/>
+          <a:p>
+            <a:fld id="{161AA39E-9F83-4643-BD3A-E980A363C858}" type="slidenum">
+              <a:rPr lang="de-DE" smtClean="0"/>
+              <a:t>16</a:t>
+            </a:fld>
+            <a:endParaRPr lang="de-DE"/>
+          </a:p>
+        </p:txBody>
+      </p:sp>
+    </p:spTree>
+    <p:extLst>
+      <p:ext uri="{BB962C8B-B14F-4D97-AF65-F5344CB8AC3E}">
+        <p14:creationId xmlns:p14="http://schemas.microsoft.com/office/powerpoint/2010/main" val="703529636"/>
+      </p:ext>
+    </p:extLst>
+  </p:cSld>
+  <p:clrMapOvr>
+    <a:masterClrMapping/>
+  </p:clrMapOvr>
+  <p:timing>
+    <p:tnLst>
+      <p:par>
+        <p:cTn id="1" dur="indefinite" restart="never" nodeType="tmRoot"/>
+      </p:par>
+    </p:tnLst>
+  </p:timing>
+</p:sld>
+</file>
+
+<file path=ppt/slides/slide17.xml><?xml version="1.0" encoding="utf-8"?>
+<p:sld xmlns:a="http://schemas.openxmlformats.org/drawingml/2006/main" xmlns:r="http://schemas.openxmlformats.org/officeDocument/2006/relationships" xmlns:p="http://schemas.openxmlformats.org/presentationml/2006/main">
+  <p:cSld>
+    <p:spTree>
+      <p:nvGrpSpPr>
+        <p:cNvPr id="1" name=""/>
+        <p:cNvGrpSpPr/>
+        <p:nvPr/>
+      </p:nvGrpSpPr>
+      <p:grpSpPr>
+        <a:xfrm>
+          <a:off x="0" y="0"/>
+          <a:ext cx="0" cy="0"/>
+          <a:chOff x="0" y="0"/>
+          <a:chExt cx="0" cy="0"/>
+        </a:xfrm>
+      </p:grpSpPr>
+      <p:sp>
+        <p:nvSpPr>
+          <p:cNvPr id="2" name="Titel 1"/>
+          <p:cNvSpPr>
+            <a:spLocks noGrp="1"/>
+          </p:cNvSpPr>
+          <p:nvPr>
+            <p:ph type="title"/>
+          </p:nvPr>
+        </p:nvSpPr>
+        <p:spPr/>
+        <p:txBody>
+          <a:bodyPr>
+            <a:normAutofit/>
+          </a:bodyPr>
+          <a:lstStyle/>
+          <a:p>
+            <a:r>
+              <a:rPr lang="de-DE" dirty="0" smtClean="0"/>
+              <a:t>Alleinstellungsmerkmale</a:t>
+            </a:r>
+            <a:endParaRPr lang="de-DE" dirty="0"/>
+          </a:p>
+        </p:txBody>
+      </p:sp>
+      <p:sp>
+        <p:nvSpPr>
+          <p:cNvPr id="3" name="Inhaltsplatzhalter 2"/>
+          <p:cNvSpPr>
+            <a:spLocks noGrp="1"/>
+          </p:cNvSpPr>
+          <p:nvPr>
+            <p:ph sz="quarter" idx="1"/>
+          </p:nvPr>
+        </p:nvSpPr>
+        <p:spPr/>
+        <p:txBody>
+          <a:bodyPr/>
+          <a:lstStyle/>
+          <a:p>
+            <a:r>
+              <a:rPr lang="de-DE" dirty="0" smtClean="0"/>
+              <a:t>Speichern von Farben über </a:t>
+            </a:r>
+            <a:r>
+              <a:rPr lang="de-DE" dirty="0" err="1" smtClean="0"/>
+              <a:t>SharedPreferences</a:t>
+            </a:r>
+            <a:endParaRPr lang="de-DE" dirty="0" smtClean="0"/>
+          </a:p>
+          <a:p>
+            <a:r>
+              <a:rPr lang="de-DE" dirty="0" smtClean="0"/>
+              <a:t>Drag &amp; Drop</a:t>
+            </a:r>
+          </a:p>
+          <a:p>
+            <a:r>
+              <a:rPr lang="de-DE" dirty="0" smtClean="0"/>
+              <a:t>Erweiterbarkeit</a:t>
+            </a:r>
+            <a:endParaRPr lang="de-DE" dirty="0"/>
+          </a:p>
+        </p:txBody>
+      </p:sp>
+      <p:sp>
+        <p:nvSpPr>
+          <p:cNvPr id="4" name="Fußzeilenplatzhalter 3"/>
+          <p:cNvSpPr>
+            <a:spLocks noGrp="1"/>
+          </p:cNvSpPr>
+          <p:nvPr>
+            <p:ph type="ftr" sz="quarter" idx="11"/>
+          </p:nvPr>
+        </p:nvSpPr>
+        <p:spPr/>
+        <p:txBody>
+          <a:bodyPr/>
+          <a:lstStyle/>
+          <a:p>
+            <a:r>
+              <a:rPr lang="de-DE" smtClean="0"/>
+              <a:t>MyController - N. Feyerabend, T. Meurer</a:t>
+            </a:r>
+            <a:endParaRPr lang="de-DE"/>
+          </a:p>
+        </p:txBody>
+      </p:sp>
+      <p:sp>
+        <p:nvSpPr>
+          <p:cNvPr id="5" name="Foliennummernplatzhalter 4"/>
+          <p:cNvSpPr>
+            <a:spLocks noGrp="1"/>
+          </p:cNvSpPr>
+          <p:nvPr>
+            <p:ph type="sldNum" sz="quarter" idx="12"/>
+          </p:nvPr>
+        </p:nvSpPr>
+        <p:spPr/>
+        <p:txBody>
+          <a:bodyPr/>
+          <a:lstStyle/>
+          <a:p>
+            <a:fld id="{161AA39E-9F83-4643-BD3A-E980A363C858}" type="slidenum">
+              <a:rPr lang="de-DE" smtClean="0"/>
+              <a:t>17</a:t>
+            </a:fld>
+            <a:endParaRPr lang="de-DE"/>
+          </a:p>
+        </p:txBody>
+      </p:sp>
+    </p:spTree>
+    <p:extLst>
+      <p:ext uri="{BB962C8B-B14F-4D97-AF65-F5344CB8AC3E}">
+        <p14:creationId xmlns:p14="http://schemas.microsoft.com/office/powerpoint/2010/main" val="2678393560"/>
+      </p:ext>
+    </p:extLst>
+  </p:cSld>
+  <p:clrMapOvr>
+    <a:masterClrMapping/>
+  </p:clrMapOvr>
+  <p:timing>
+    <p:tnLst>
+      <p:par>
+        <p:cTn id="1" dur="indefinite" restart="never" nodeType="tmRoot"/>
+      </p:par>
+    </p:tnLst>
+  </p:timing>
+</p:sld>
+</file>
+
+<file path=ppt/slides/slide18.xml><?xml version="1.0" encoding="utf-8"?>
+<p:sld xmlns:a="http://schemas.openxmlformats.org/drawingml/2006/main" xmlns:r="http://schemas.openxmlformats.org/officeDocument/2006/relationships" xmlns:p="http://schemas.openxmlformats.org/presentationml/2006/main">
+  <p:cSld>
+    <p:spTree>
+      <p:nvGrpSpPr>
+        <p:cNvPr id="1" name=""/>
+        <p:cNvGrpSpPr/>
+        <p:nvPr/>
+      </p:nvGrpSpPr>
+      <p:grpSpPr>
+        <a:xfrm>
+          <a:off x="0" y="0"/>
+          <a:ext cx="0" cy="0"/>
+          <a:chOff x="0" y="0"/>
+          <a:chExt cx="0" cy="0"/>
+        </a:xfrm>
+      </p:grpSpPr>
+      <p:sp>
+        <p:nvSpPr>
+          <p:cNvPr id="4" name="Titel 3"/>
+          <p:cNvSpPr>
+            <a:spLocks noGrp="1"/>
+          </p:cNvSpPr>
+          <p:nvPr>
+            <p:ph type="title"/>
+          </p:nvPr>
+        </p:nvSpPr>
+        <p:spPr/>
+        <p:txBody>
+          <a:bodyPr/>
+          <a:lstStyle/>
+          <a:p>
+            <a:r>
+              <a:rPr lang="de-DE" dirty="0" err="1" smtClean="0"/>
+              <a:t>Lessons</a:t>
+            </a:r>
+            <a:r>
+              <a:rPr lang="de-DE" dirty="0" smtClean="0"/>
+              <a:t> </a:t>
+            </a:r>
+            <a:r>
+              <a:rPr lang="de-DE" dirty="0" err="1" smtClean="0"/>
+              <a:t>Learned</a:t>
+            </a:r>
+            <a:endParaRPr lang="de-DE" dirty="0"/>
+          </a:p>
+        </p:txBody>
+      </p:sp>
+      <p:sp>
+        <p:nvSpPr>
+          <p:cNvPr id="5" name="Textplatzhalter 4"/>
+          <p:cNvSpPr>
+            <a:spLocks noGrp="1"/>
+          </p:cNvSpPr>
+          <p:nvPr>
+            <p:ph type="body" idx="1"/>
+          </p:nvPr>
+        </p:nvSpPr>
+        <p:spPr/>
+        <p:txBody>
+          <a:bodyPr/>
+          <a:lstStyle/>
+          <a:p>
+            <a:endParaRPr lang="de-DE"/>
+          </a:p>
+        </p:txBody>
+      </p:sp>
+      <p:sp>
+        <p:nvSpPr>
+          <p:cNvPr id="6" name="Fußzeilenplatzhalter 5"/>
+          <p:cNvSpPr>
+            <a:spLocks noGrp="1"/>
+          </p:cNvSpPr>
+          <p:nvPr>
+            <p:ph type="ftr" sz="quarter" idx="11"/>
+          </p:nvPr>
+        </p:nvSpPr>
+        <p:spPr/>
+        <p:txBody>
+          <a:bodyPr/>
+          <a:lstStyle/>
+          <a:p>
+            <a:r>
+              <a:rPr lang="de-DE" smtClean="0"/>
+              <a:t>MyController - N. Feyerabend, T. Meurer</a:t>
+            </a:r>
+            <a:endParaRPr lang="de-DE"/>
+          </a:p>
+        </p:txBody>
+      </p:sp>
+      <p:sp>
+        <p:nvSpPr>
+          <p:cNvPr id="7" name="Foliennummernplatzhalter 6"/>
+          <p:cNvSpPr>
+            <a:spLocks noGrp="1"/>
+          </p:cNvSpPr>
+          <p:nvPr>
+            <p:ph type="sldNum" sz="quarter" idx="12"/>
+          </p:nvPr>
+        </p:nvSpPr>
+        <p:spPr/>
+        <p:txBody>
+          <a:bodyPr/>
+          <a:lstStyle/>
+          <a:p>
+            <a:fld id="{161AA39E-9F83-4643-BD3A-E980A363C858}" type="slidenum">
+              <a:rPr lang="de-DE" smtClean="0"/>
+              <a:t>18</a:t>
+            </a:fld>
+            <a:endParaRPr lang="de-DE"/>
+          </a:p>
+        </p:txBody>
+      </p:sp>
+    </p:spTree>
+    <p:extLst>
+      <p:ext uri="{BB962C8B-B14F-4D97-AF65-F5344CB8AC3E}">
+        <p14:creationId xmlns:p14="http://schemas.microsoft.com/office/powerpoint/2010/main" val="873940234"/>
+      </p:ext>
+    </p:extLst>
+  </p:cSld>
+  <p:clrMapOvr>
+    <a:masterClrMapping/>
+  </p:clrMapOvr>
+  <p:timing>
+    <p:tnLst>
+      <p:par>
+        <p:cTn id="1" dur="indefinite" restart="never" nodeType="tmRoot"/>
+      </p:par>
+    </p:tnLst>
+  </p:timing>
+</p:sld>
+</file>
+
+<file path=ppt/slides/slide19.xml><?xml version="1.0" encoding="utf-8"?>
+<p:sld xmlns:a="http://schemas.openxmlformats.org/drawingml/2006/main" xmlns:r="http://schemas.openxmlformats.org/officeDocument/2006/relationships" xmlns:p="http://schemas.openxmlformats.org/presentationml/2006/main">
+  <p:cSld>
+    <p:spTree>
+      <p:nvGrpSpPr>
+        <p:cNvPr id="1" name=""/>
+        <p:cNvGrpSpPr/>
+        <p:nvPr/>
+      </p:nvGrpSpPr>
+      <p:grpSpPr>
+        <a:xfrm>
+          <a:off x="0" y="0"/>
+          <a:ext cx="0" cy="0"/>
+          <a:chOff x="0" y="0"/>
+          <a:chExt cx="0" cy="0"/>
+        </a:xfrm>
+      </p:grpSpPr>
+      <p:sp>
+        <p:nvSpPr>
+          <p:cNvPr id="2" name="Titel 1"/>
+          <p:cNvSpPr>
+            <a:spLocks noGrp="1"/>
+          </p:cNvSpPr>
+          <p:nvPr>
+            <p:ph type="title"/>
+          </p:nvPr>
+        </p:nvSpPr>
+        <p:spPr/>
+        <p:txBody>
+          <a:bodyPr/>
+          <a:lstStyle/>
+          <a:p>
+            <a:r>
+              <a:rPr lang="de-DE" dirty="0" err="1" smtClean="0"/>
+              <a:t>Lessons</a:t>
+            </a:r>
+            <a:r>
+              <a:rPr lang="de-DE" dirty="0" smtClean="0"/>
+              <a:t> </a:t>
+            </a:r>
+            <a:r>
+              <a:rPr lang="de-DE" dirty="0" err="1" smtClean="0"/>
+              <a:t>Learned</a:t>
+            </a:r>
+            <a:endParaRPr lang="de-DE" dirty="0"/>
+          </a:p>
+        </p:txBody>
+      </p:sp>
+      <p:sp>
+        <p:nvSpPr>
+          <p:cNvPr id="3" name="Inhaltsplatzhalter 2"/>
+          <p:cNvSpPr>
+            <a:spLocks noGrp="1"/>
+          </p:cNvSpPr>
+          <p:nvPr>
+            <p:ph sz="quarter" idx="1"/>
+          </p:nvPr>
+        </p:nvSpPr>
+        <p:spPr/>
+        <p:txBody>
+          <a:bodyPr/>
+          <a:lstStyle/>
+          <a:p>
+            <a:r>
+              <a:rPr lang="de-DE" dirty="0" smtClean="0"/>
+              <a:t>Implementierungsaufwand überschätzt</a:t>
+            </a:r>
+          </a:p>
+          <a:p>
+            <a:pPr lvl="1"/>
+            <a:r>
+              <a:rPr lang="de-DE" dirty="0" smtClean="0"/>
+              <a:t>Ein optionales Ziel nicht erreicht (</a:t>
+            </a:r>
+            <a:r>
+              <a:rPr lang="de-DE" dirty="0" err="1" smtClean="0"/>
+              <a:t>Ubisense</a:t>
+            </a:r>
+            <a:r>
+              <a:rPr lang="de-DE" dirty="0" smtClean="0"/>
+              <a:t>)</a:t>
+            </a:r>
+          </a:p>
+          <a:p>
+            <a:r>
+              <a:rPr lang="de-DE" dirty="0" smtClean="0"/>
+              <a:t>Zeitmanagement optimieren</a:t>
+            </a:r>
+          </a:p>
+          <a:p>
+            <a:r>
+              <a:rPr lang="de-DE" dirty="0" smtClean="0"/>
+              <a:t>Erweiterbarkeit</a:t>
+            </a:r>
+          </a:p>
+          <a:p>
+            <a:pPr lvl="1"/>
+            <a:r>
+              <a:rPr lang="de-DE" dirty="0" err="1" smtClean="0"/>
+              <a:t>Ubisense</a:t>
+            </a:r>
+            <a:endParaRPr lang="de-DE" dirty="0" smtClean="0"/>
+          </a:p>
+          <a:p>
+            <a:pPr lvl="1"/>
+            <a:r>
+              <a:rPr lang="de-DE" dirty="0" smtClean="0"/>
+              <a:t>GUI-Design</a:t>
+            </a:r>
+            <a:endParaRPr lang="de-DE" dirty="0"/>
+          </a:p>
+          <a:p>
+            <a:endParaRPr lang="de-DE" dirty="0"/>
+          </a:p>
+        </p:txBody>
+      </p:sp>
+      <p:sp>
+        <p:nvSpPr>
+          <p:cNvPr id="4" name="Fußzeilenplatzhalter 3"/>
+          <p:cNvSpPr>
+            <a:spLocks noGrp="1"/>
+          </p:cNvSpPr>
+          <p:nvPr>
+            <p:ph type="ftr" sz="quarter" idx="11"/>
+          </p:nvPr>
+        </p:nvSpPr>
+        <p:spPr/>
+        <p:txBody>
+          <a:bodyPr/>
+          <a:lstStyle/>
+          <a:p>
+            <a:r>
+              <a:rPr lang="de-DE" smtClean="0"/>
+              <a:t>MyController - N. Feyerabend, T. Meurer</a:t>
+            </a:r>
+            <a:endParaRPr lang="de-DE"/>
+          </a:p>
+        </p:txBody>
+      </p:sp>
+      <p:sp>
+        <p:nvSpPr>
+          <p:cNvPr id="5" name="Foliennummernplatzhalter 4"/>
+          <p:cNvSpPr>
+            <a:spLocks noGrp="1"/>
+          </p:cNvSpPr>
+          <p:nvPr>
+            <p:ph type="sldNum" sz="quarter" idx="12"/>
+          </p:nvPr>
+        </p:nvSpPr>
+        <p:spPr/>
+        <p:txBody>
+          <a:bodyPr/>
+          <a:lstStyle/>
+          <a:p>
+            <a:fld id="{161AA39E-9F83-4643-BD3A-E980A363C858}" type="slidenum">
+              <a:rPr lang="de-DE" smtClean="0"/>
+              <a:t>19</a:t>
+            </a:fld>
+            <a:endParaRPr lang="de-DE"/>
+          </a:p>
+        </p:txBody>
+      </p:sp>
+    </p:spTree>
+    <p:extLst>
+      <p:ext uri="{BB962C8B-B14F-4D97-AF65-F5344CB8AC3E}">
+        <p14:creationId xmlns:p14="http://schemas.microsoft.com/office/powerpoint/2010/main" val="2356363042"/>
+      </p:ext>
+    </p:extLst>
+  </p:cSld>
+  <p:clrMapOvr>
+    <a:masterClrMapping/>
+  </p:clrMapOvr>
+  <p:timing>
+    <p:tnLst>
+      <p:par>
+        <p:cTn id="1" dur="indefinite" restart="never" nodeType="tmRoot"/>
+      </p:par>
+    </p:tnLst>
+  </p:timing>
 </p:sld>
 </file>
 
@@ -4463,7 +7396,7 @@
           <a:p>
             <a:r>
               <a:rPr lang="de-DE" dirty="0" smtClean="0"/>
-              <a:t>Idee</a:t>
+              <a:t>Idee und Funktionalität</a:t>
             </a:r>
           </a:p>
           <a:p>
@@ -4480,10 +7413,6 @@
           </a:p>
           <a:p>
             <a:r>
-              <a:rPr lang="de-DE" dirty="0" smtClean="0"/>
-              <a:t>„</a:t>
-            </a:r>
-            <a:r>
               <a:rPr lang="de-DE" dirty="0" err="1" smtClean="0"/>
               <a:t>Lessons</a:t>
             </a:r>
@@ -4493,13 +7422,55 @@
             </a:r>
             <a:r>
               <a:rPr lang="de-DE" dirty="0" err="1" smtClean="0"/>
-              <a:t>learnt</a:t>
-            </a:r>
-            <a:r>
-              <a:rPr lang="de-DE" dirty="0" smtClean="0"/>
-              <a:t>“</a:t>
+              <a:t>Learned</a:t>
             </a:r>
             <a:endParaRPr lang="de-DE" dirty="0"/>
+          </a:p>
+        </p:txBody>
+      </p:sp>
+      <p:sp>
+        <p:nvSpPr>
+          <p:cNvPr id="4" name="Fußzeilenplatzhalter 3"/>
+          <p:cNvSpPr>
+            <a:spLocks noGrp="1"/>
+          </p:cNvSpPr>
+          <p:nvPr>
+            <p:ph type="ftr" sz="quarter" idx="11"/>
+          </p:nvPr>
+        </p:nvSpPr>
+        <p:spPr/>
+        <p:txBody>
+          <a:bodyPr/>
+          <a:lstStyle/>
+          <a:p>
+            <a:r>
+              <a:rPr lang="de-DE" smtClean="0"/>
+              <a:t>MyController - N. Feyerabend, T. Meurer</a:t>
+            </a:r>
+            <a:endParaRPr lang="de-DE"/>
+          </a:p>
+        </p:txBody>
+      </p:sp>
+      <p:sp>
+        <p:nvSpPr>
+          <p:cNvPr id="5" name="Foliennummernplatzhalter 4"/>
+          <p:cNvSpPr>
+            <a:spLocks noGrp="1"/>
+          </p:cNvSpPr>
+          <p:nvPr>
+            <p:ph type="sldNum" sz="quarter" idx="12"/>
+          </p:nvPr>
+        </p:nvSpPr>
+        <p:spPr/>
+        <p:txBody>
+          <a:bodyPr/>
+          <a:lstStyle/>
+          <a:p>
+            <a:fld id="{161AA39E-9F83-4643-BD3A-E980A363C858}" type="slidenum">
+              <a:rPr lang="de-DE" smtClean="0"/>
+              <a:t>2</a:t>
+            </a:fld>
+            <a:endParaRPr lang="de-DE"/>
           </a:p>
         </p:txBody>
       </p:sp>
@@ -4513,6 +7484,13 @@
   <p:clrMapOvr>
     <a:masterClrMapping/>
   </p:clrMapOvr>
+  <p:timing>
+    <p:tnLst>
+      <p:par>
+        <p:cTn id="1" dur="indefinite" restart="never" nodeType="tmRoot"/>
+      </p:par>
+    </p:tnLst>
+  </p:timing>
 </p:sld>
 </file>
 
@@ -4535,7 +7513,7 @@
       </p:grpSpPr>
       <p:sp>
         <p:nvSpPr>
-          <p:cNvPr id="2" name="Titel 1"/>
+          <p:cNvPr id="4" name="Titel 3"/>
           <p:cNvSpPr>
             <a:spLocks noGrp="1"/>
           </p:cNvSpPr>
@@ -4549,8 +7527,12 @@
           <a:lstStyle/>
           <a:p>
             <a:r>
+              <a:rPr lang="de-DE" dirty="0"/>
+              <a:t>Idee und </a:t>
+            </a:r>
+            <a:r>
               <a:rPr lang="de-DE" dirty="0" smtClean="0"/>
-              <a:t>Idee und Funktionalität</a:t>
+              <a:t>Funktionalität</a:t>
             </a:r>
             <a:endParaRPr lang="de-DE" dirty="0"/>
           </a:p>
@@ -4558,90 +7540,86 @@
       </p:sp>
       <p:sp>
         <p:nvSpPr>
-          <p:cNvPr id="3" name="Inhaltsplatzhalter 2"/>
-          <p:cNvSpPr>
-            <a:spLocks noGrp="1"/>
-          </p:cNvSpPr>
-          <p:nvPr>
-            <p:ph sz="quarter" idx="1"/>
-          </p:nvPr>
-        </p:nvSpPr>
-        <p:spPr/>
-        <p:txBody>
-          <a:bodyPr/>
-          <a:lstStyle/>
-          <a:p>
-            <a:r>
-              <a:rPr lang="de-DE" dirty="0" smtClean="0"/>
-              <a:t>Fernbedienung für Living Place</a:t>
-            </a:r>
-          </a:p>
-          <a:p>
-            <a:pPr lvl="1"/>
-            <a:r>
-              <a:rPr lang="de-DE" dirty="0" smtClean="0"/>
-              <a:t>Licht</a:t>
-            </a:r>
-          </a:p>
-          <a:p>
-            <a:pPr lvl="1"/>
-            <a:r>
-              <a:rPr lang="de-DE" dirty="0" smtClean="0"/>
-              <a:t>Rollos</a:t>
-            </a:r>
-          </a:p>
-          <a:p>
-            <a:pPr lvl="1"/>
-            <a:r>
-              <a:rPr lang="de-DE" dirty="0" smtClean="0"/>
-              <a:t>Gardienen</a:t>
-            </a:r>
-          </a:p>
-          <a:p>
-            <a:pPr lvl="1"/>
-            <a:r>
-              <a:rPr lang="de-DE" dirty="0" smtClean="0"/>
-              <a:t>Fenster</a:t>
-            </a:r>
-          </a:p>
-          <a:p>
-            <a:r>
-              <a:rPr lang="de-DE" dirty="0" smtClean="0"/>
-              <a:t>Lieblingsfarben für Licht speicherbar</a:t>
-            </a:r>
-          </a:p>
-          <a:p>
-            <a:r>
-              <a:rPr lang="de-DE" dirty="0" smtClean="0"/>
-              <a:t>Intuitive Bedienbarkeit</a:t>
-            </a:r>
-          </a:p>
-          <a:p>
-            <a:r>
-              <a:rPr lang="de-DE" dirty="0" smtClean="0"/>
-              <a:t>min. Android 4.0.3, </a:t>
-            </a:r>
-            <a:r>
-              <a:rPr lang="de-DE" dirty="0" err="1" smtClean="0"/>
-              <a:t>Tablets</a:t>
-            </a:r>
-            <a:r>
-              <a:rPr lang="de-DE" dirty="0" smtClean="0"/>
-              <a:t> ab 10 Zoll</a:t>
-            </a:r>
+          <p:cNvPr id="5" name="Textplatzhalter 4"/>
+          <p:cNvSpPr>
+            <a:spLocks noGrp="1"/>
+          </p:cNvSpPr>
+          <p:nvPr>
+            <p:ph type="body" idx="1"/>
+          </p:nvPr>
+        </p:nvSpPr>
+        <p:spPr/>
+        <p:txBody>
+          <a:bodyPr/>
+          <a:lstStyle/>
+          <a:p>
+            <a:endParaRPr lang="de-DE"/>
+          </a:p>
+        </p:txBody>
+      </p:sp>
+      <p:sp>
+        <p:nvSpPr>
+          <p:cNvPr id="6" name="Fußzeilenplatzhalter 5"/>
+          <p:cNvSpPr>
+            <a:spLocks noGrp="1"/>
+          </p:cNvSpPr>
+          <p:nvPr>
+            <p:ph type="ftr" sz="quarter" idx="11"/>
+          </p:nvPr>
+        </p:nvSpPr>
+        <p:spPr/>
+        <p:txBody>
+          <a:bodyPr/>
+          <a:lstStyle/>
+          <a:p>
+            <a:r>
+              <a:rPr lang="de-DE" smtClean="0"/>
+              <a:t>MyController - N. Feyerabend, T. Meurer</a:t>
+            </a:r>
+            <a:endParaRPr lang="de-DE"/>
+          </a:p>
+        </p:txBody>
+      </p:sp>
+      <p:sp>
+        <p:nvSpPr>
+          <p:cNvPr id="7" name="Foliennummernplatzhalter 6"/>
+          <p:cNvSpPr>
+            <a:spLocks noGrp="1"/>
+          </p:cNvSpPr>
+          <p:nvPr>
+            <p:ph type="sldNum" sz="quarter" idx="12"/>
+          </p:nvPr>
+        </p:nvSpPr>
+        <p:spPr/>
+        <p:txBody>
+          <a:bodyPr/>
+          <a:lstStyle/>
+          <a:p>
+            <a:fld id="{161AA39E-9F83-4643-BD3A-E980A363C858}" type="slidenum">
+              <a:rPr lang="de-DE" smtClean="0"/>
+              <a:t>3</a:t>
+            </a:fld>
+            <a:endParaRPr lang="de-DE"/>
           </a:p>
         </p:txBody>
       </p:sp>
     </p:spTree>
     <p:extLst>
       <p:ext uri="{BB962C8B-B14F-4D97-AF65-F5344CB8AC3E}">
-        <p14:creationId xmlns:p14="http://schemas.microsoft.com/office/powerpoint/2010/main" val="969341668"/>
+        <p14:creationId xmlns:p14="http://schemas.microsoft.com/office/powerpoint/2010/main" val="2387214346"/>
       </p:ext>
     </p:extLst>
   </p:cSld>
   <p:clrMapOvr>
     <a:masterClrMapping/>
   </p:clrMapOvr>
+  <p:timing>
+    <p:tnLst>
+      <p:par>
+        <p:cTn id="1" dur="indefinite" restart="never" nodeType="tmRoot"/>
+      </p:par>
+    </p:tnLst>
+  </p:timing>
 </p:sld>
 </file>
 
@@ -4664,6 +7642,188 @@
       </p:grpSpPr>
       <p:sp>
         <p:nvSpPr>
+          <p:cNvPr id="2" name="Titel 1"/>
+          <p:cNvSpPr>
+            <a:spLocks noGrp="1"/>
+          </p:cNvSpPr>
+          <p:nvPr>
+            <p:ph type="title"/>
+          </p:nvPr>
+        </p:nvSpPr>
+        <p:spPr/>
+        <p:txBody>
+          <a:bodyPr/>
+          <a:lstStyle/>
+          <a:p>
+            <a:r>
+              <a:rPr lang="de-DE" dirty="0" smtClean="0"/>
+              <a:t>Idee und Funktionalität</a:t>
+            </a:r>
+            <a:endParaRPr lang="de-DE" dirty="0"/>
+          </a:p>
+        </p:txBody>
+      </p:sp>
+      <p:sp>
+        <p:nvSpPr>
+          <p:cNvPr id="3" name="Inhaltsplatzhalter 2"/>
+          <p:cNvSpPr>
+            <a:spLocks noGrp="1"/>
+          </p:cNvSpPr>
+          <p:nvPr>
+            <p:ph sz="quarter" idx="1"/>
+          </p:nvPr>
+        </p:nvSpPr>
+        <p:spPr/>
+        <p:txBody>
+          <a:bodyPr/>
+          <a:lstStyle/>
+          <a:p>
+            <a:r>
+              <a:rPr lang="de-DE" dirty="0" smtClean="0"/>
+              <a:t>Fernbedienung für Living Place</a:t>
+            </a:r>
+          </a:p>
+          <a:p>
+            <a:pPr lvl="1"/>
+            <a:r>
+              <a:rPr lang="de-DE" dirty="0" smtClean="0"/>
+              <a:t>Licht</a:t>
+            </a:r>
+          </a:p>
+          <a:p>
+            <a:pPr lvl="1"/>
+            <a:r>
+              <a:rPr lang="de-DE" dirty="0" smtClean="0"/>
+              <a:t>Rollos</a:t>
+            </a:r>
+          </a:p>
+          <a:p>
+            <a:pPr lvl="1"/>
+            <a:r>
+              <a:rPr lang="de-DE" dirty="0" smtClean="0"/>
+              <a:t>Gardienen</a:t>
+            </a:r>
+          </a:p>
+          <a:p>
+            <a:pPr lvl="1"/>
+            <a:r>
+              <a:rPr lang="de-DE" dirty="0" smtClean="0"/>
+              <a:t>Fenster</a:t>
+            </a:r>
+          </a:p>
+          <a:p>
+            <a:r>
+              <a:rPr lang="de-DE" dirty="0" smtClean="0"/>
+              <a:t>Lieblingsfarben für Licht speicherbar</a:t>
+            </a:r>
+          </a:p>
+          <a:p>
+            <a:r>
+              <a:rPr lang="de-DE" dirty="0" smtClean="0"/>
+              <a:t>Intuitive Bedienbarkeit</a:t>
+            </a:r>
+          </a:p>
+          <a:p>
+            <a:r>
+              <a:rPr lang="de-DE" dirty="0" smtClean="0"/>
+              <a:t>min. Android 4.0.3, </a:t>
+            </a:r>
+            <a:r>
+              <a:rPr lang="de-DE" dirty="0" err="1" smtClean="0"/>
+              <a:t>Tablets</a:t>
+            </a:r>
+            <a:r>
+              <a:rPr lang="de-DE" dirty="0" smtClean="0"/>
+              <a:t> ab 10 Zoll</a:t>
+            </a:r>
+          </a:p>
+        </p:txBody>
+      </p:sp>
+      <p:sp>
+        <p:nvSpPr>
+          <p:cNvPr id="4" name="Fußzeilenplatzhalter 3"/>
+          <p:cNvSpPr>
+            <a:spLocks noGrp="1"/>
+          </p:cNvSpPr>
+          <p:nvPr>
+            <p:ph type="ftr" sz="quarter" idx="11"/>
+          </p:nvPr>
+        </p:nvSpPr>
+        <p:spPr/>
+        <p:txBody>
+          <a:bodyPr/>
+          <a:lstStyle/>
+          <a:p>
+            <a:r>
+              <a:rPr lang="de-DE" smtClean="0"/>
+              <a:t>MyController - N. Feyerabend, T. Meurer</a:t>
+            </a:r>
+            <a:endParaRPr lang="de-DE"/>
+          </a:p>
+        </p:txBody>
+      </p:sp>
+      <p:sp>
+        <p:nvSpPr>
+          <p:cNvPr id="5" name="Foliennummernplatzhalter 4"/>
+          <p:cNvSpPr>
+            <a:spLocks noGrp="1"/>
+          </p:cNvSpPr>
+          <p:nvPr>
+            <p:ph type="sldNum" sz="quarter" idx="12"/>
+          </p:nvPr>
+        </p:nvSpPr>
+        <p:spPr/>
+        <p:txBody>
+          <a:bodyPr/>
+          <a:lstStyle/>
+          <a:p>
+            <a:fld id="{161AA39E-9F83-4643-BD3A-E980A363C858}" type="slidenum">
+              <a:rPr lang="de-DE" smtClean="0"/>
+              <a:t>4</a:t>
+            </a:fld>
+            <a:endParaRPr lang="de-DE"/>
+          </a:p>
+        </p:txBody>
+      </p:sp>
+    </p:spTree>
+    <p:extLst>
+      <p:ext uri="{BB962C8B-B14F-4D97-AF65-F5344CB8AC3E}">
+        <p14:creationId xmlns:p14="http://schemas.microsoft.com/office/powerpoint/2010/main" val="969341668"/>
+      </p:ext>
+    </p:extLst>
+  </p:cSld>
+  <p:clrMapOvr>
+    <a:masterClrMapping/>
+  </p:clrMapOvr>
+  <p:timing>
+    <p:tnLst>
+      <p:par>
+        <p:cTn id="1" dur="indefinite" restart="never" nodeType="tmRoot"/>
+      </p:par>
+    </p:tnLst>
+  </p:timing>
+</p:sld>
+</file>
+
+<file path=ppt/slides/slide5.xml><?xml version="1.0" encoding="utf-8"?>
+<p:sld xmlns:a="http://schemas.openxmlformats.org/drawingml/2006/main" xmlns:r="http://schemas.openxmlformats.org/officeDocument/2006/relationships" xmlns:p="http://schemas.openxmlformats.org/presentationml/2006/main">
+  <p:cSld>
+    <p:spTree>
+      <p:nvGrpSpPr>
+        <p:cNvPr id="1" name=""/>
+        <p:cNvGrpSpPr/>
+        <p:nvPr/>
+      </p:nvGrpSpPr>
+      <p:grpSpPr>
+        <a:xfrm>
+          <a:off x="0" y="0"/>
+          <a:ext cx="0" cy="0"/>
+          <a:chOff x="0" y="0"/>
+          <a:chExt cx="0" cy="0"/>
+        </a:xfrm>
+      </p:grpSpPr>
+      <p:sp>
+        <p:nvSpPr>
           <p:cNvPr id="6" name="Titel 5"/>
           <p:cNvSpPr>
             <a:spLocks noGrp="1"/>
@@ -4700,6 +7860,52 @@
           <a:bodyPr/>
           <a:lstStyle/>
           <a:p>
+            <a:endParaRPr lang="de-DE"/>
+          </a:p>
+        </p:txBody>
+      </p:sp>
+      <p:sp>
+        <p:nvSpPr>
+          <p:cNvPr id="2" name="Fußzeilenplatzhalter 1"/>
+          <p:cNvSpPr>
+            <a:spLocks noGrp="1"/>
+          </p:cNvSpPr>
+          <p:nvPr>
+            <p:ph type="ftr" sz="quarter" idx="11"/>
+          </p:nvPr>
+        </p:nvSpPr>
+        <p:spPr/>
+        <p:txBody>
+          <a:bodyPr/>
+          <a:lstStyle/>
+          <a:p>
+            <a:r>
+              <a:rPr lang="de-DE" smtClean="0"/>
+              <a:t>MyController - N. Feyerabend, T. Meurer</a:t>
+            </a:r>
+            <a:endParaRPr lang="de-DE"/>
+          </a:p>
+        </p:txBody>
+      </p:sp>
+      <p:sp>
+        <p:nvSpPr>
+          <p:cNvPr id="3" name="Foliennummernplatzhalter 2"/>
+          <p:cNvSpPr>
+            <a:spLocks noGrp="1"/>
+          </p:cNvSpPr>
+          <p:nvPr>
+            <p:ph type="sldNum" sz="quarter" idx="12"/>
+          </p:nvPr>
+        </p:nvSpPr>
+        <p:spPr/>
+        <p:txBody>
+          <a:bodyPr/>
+          <a:lstStyle/>
+          <a:p>
+            <a:fld id="{161AA39E-9F83-4643-BD3A-E980A363C858}" type="slidenum">
+              <a:rPr lang="de-DE" smtClean="0"/>
+              <a:t>5</a:t>
+            </a:fld>
             <a:endParaRPr lang="de-DE"/>
           </a:p>
         </p:txBody>
@@ -4714,10 +7920,17 @@
   <p:clrMapOvr>
     <a:masterClrMapping/>
   </p:clrMapOvr>
+  <p:timing>
+    <p:tnLst>
+      <p:par>
+        <p:cTn id="1" dur="indefinite" restart="never" nodeType="tmRoot"/>
+      </p:par>
+    </p:tnLst>
+  </p:timing>
 </p:sld>
 </file>
 
-<file path=ppt/slides/slide5.xml><?xml version="1.0" encoding="utf-8"?>
+<file path=ppt/slides/slide6.xml><?xml version="1.0" encoding="utf-8"?>
 <p:sld xmlns:a="http://schemas.openxmlformats.org/drawingml/2006/main" xmlns:r="http://schemas.openxmlformats.org/officeDocument/2006/relationships" xmlns:p="http://schemas.openxmlformats.org/presentationml/2006/main">
   <p:cSld>
     <p:spTree>
@@ -4798,6 +8011,52 @@
           </a:extLst>
         </p:spPr>
       </p:pic>
+      <p:sp>
+        <p:nvSpPr>
+          <p:cNvPr id="3" name="Fußzeilenplatzhalter 2"/>
+          <p:cNvSpPr>
+            <a:spLocks noGrp="1"/>
+          </p:cNvSpPr>
+          <p:nvPr>
+            <p:ph type="ftr" sz="quarter" idx="11"/>
+          </p:nvPr>
+        </p:nvSpPr>
+        <p:spPr/>
+        <p:txBody>
+          <a:bodyPr/>
+          <a:lstStyle/>
+          <a:p>
+            <a:r>
+              <a:rPr lang="de-DE" smtClean="0"/>
+              <a:t>MyController - N. Feyerabend, T. Meurer</a:t>
+            </a:r>
+            <a:endParaRPr lang="de-DE"/>
+          </a:p>
+        </p:txBody>
+      </p:sp>
+      <p:sp>
+        <p:nvSpPr>
+          <p:cNvPr id="4" name="Foliennummernplatzhalter 3"/>
+          <p:cNvSpPr>
+            <a:spLocks noGrp="1"/>
+          </p:cNvSpPr>
+          <p:nvPr>
+            <p:ph type="sldNum" sz="quarter" idx="12"/>
+          </p:nvPr>
+        </p:nvSpPr>
+        <p:spPr/>
+        <p:txBody>
+          <a:bodyPr/>
+          <a:lstStyle/>
+          <a:p>
+            <a:fld id="{161AA39E-9F83-4643-BD3A-E980A363C858}" type="slidenum">
+              <a:rPr lang="de-DE" smtClean="0"/>
+              <a:t>6</a:t>
+            </a:fld>
+            <a:endParaRPr lang="de-DE"/>
+          </a:p>
+        </p:txBody>
+      </p:sp>
     </p:spTree>
     <p:extLst>
       <p:ext uri="{BB962C8B-B14F-4D97-AF65-F5344CB8AC3E}">
@@ -4808,10 +8067,17 @@
   <p:clrMapOvr>
     <a:masterClrMapping/>
   </p:clrMapOvr>
+  <p:timing>
+    <p:tnLst>
+      <p:par>
+        <p:cTn id="1" dur="indefinite" restart="never" nodeType="tmRoot"/>
+      </p:par>
+    </p:tnLst>
+  </p:timing>
 </p:sld>
 </file>
 
-<file path=ppt/slides/slide6.xml><?xml version="1.0" encoding="utf-8"?>
+<file path=ppt/slides/slide7.xml><?xml version="1.0" encoding="utf-8"?>
 <p:sld xmlns:a="http://schemas.openxmlformats.org/drawingml/2006/main" xmlns:r="http://schemas.openxmlformats.org/officeDocument/2006/relationships" xmlns:p="http://schemas.openxmlformats.org/presentationml/2006/main">
   <p:cSld>
     <p:spTree>
@@ -4891,6 +8157,52 @@
           </a:p>
         </p:txBody>
       </p:sp>
+      <p:sp>
+        <p:nvSpPr>
+          <p:cNvPr id="4" name="Fußzeilenplatzhalter 3"/>
+          <p:cNvSpPr>
+            <a:spLocks noGrp="1"/>
+          </p:cNvSpPr>
+          <p:nvPr>
+            <p:ph type="ftr" sz="quarter" idx="11"/>
+          </p:nvPr>
+        </p:nvSpPr>
+        <p:spPr/>
+        <p:txBody>
+          <a:bodyPr/>
+          <a:lstStyle/>
+          <a:p>
+            <a:r>
+              <a:rPr lang="de-DE" smtClean="0"/>
+              <a:t>MyController - N. Feyerabend, T. Meurer</a:t>
+            </a:r>
+            <a:endParaRPr lang="de-DE"/>
+          </a:p>
+        </p:txBody>
+      </p:sp>
+      <p:sp>
+        <p:nvSpPr>
+          <p:cNvPr id="5" name="Foliennummernplatzhalter 4"/>
+          <p:cNvSpPr>
+            <a:spLocks noGrp="1"/>
+          </p:cNvSpPr>
+          <p:nvPr>
+            <p:ph type="sldNum" sz="quarter" idx="12"/>
+          </p:nvPr>
+        </p:nvSpPr>
+        <p:spPr/>
+        <p:txBody>
+          <a:bodyPr/>
+          <a:lstStyle/>
+          <a:p>
+            <a:fld id="{161AA39E-9F83-4643-BD3A-E980A363C858}" type="slidenum">
+              <a:rPr lang="de-DE" smtClean="0"/>
+              <a:t>7</a:t>
+            </a:fld>
+            <a:endParaRPr lang="de-DE"/>
+          </a:p>
+        </p:txBody>
+      </p:sp>
     </p:spTree>
     <p:extLst>
       <p:ext uri="{BB962C8B-B14F-4D97-AF65-F5344CB8AC3E}">
@@ -4901,10 +8213,17 @@
   <p:clrMapOvr>
     <a:masterClrMapping/>
   </p:clrMapOvr>
+  <p:timing>
+    <p:tnLst>
+      <p:par>
+        <p:cTn id="1" dur="indefinite" restart="never" nodeType="tmRoot"/>
+      </p:par>
+    </p:tnLst>
+  </p:timing>
 </p:sld>
 </file>
 
-<file path=ppt/slides/slide7.xml><?xml version="1.0" encoding="utf-8"?>
+<file path=ppt/slides/slide8.xml><?xml version="1.0" encoding="utf-8"?>
 <p:sld xmlns:a="http://schemas.openxmlformats.org/drawingml/2006/main" xmlns:r="http://schemas.openxmlformats.org/officeDocument/2006/relationships" xmlns:p="http://schemas.openxmlformats.org/presentationml/2006/main">
   <p:cSld>
     <p:spTree>
@@ -5002,6 +8321,52 @@
           </a:xfrm>
         </p:spPr>
       </p:pic>
+      <p:sp>
+        <p:nvSpPr>
+          <p:cNvPr id="3" name="Fußzeilenplatzhalter 2"/>
+          <p:cNvSpPr>
+            <a:spLocks noGrp="1"/>
+          </p:cNvSpPr>
+          <p:nvPr>
+            <p:ph type="ftr" sz="quarter" idx="11"/>
+          </p:nvPr>
+        </p:nvSpPr>
+        <p:spPr/>
+        <p:txBody>
+          <a:bodyPr/>
+          <a:lstStyle/>
+          <a:p>
+            <a:r>
+              <a:rPr lang="de-DE" smtClean="0"/>
+              <a:t>MyController - N. Feyerabend, T. Meurer</a:t>
+            </a:r>
+            <a:endParaRPr lang="de-DE"/>
+          </a:p>
+        </p:txBody>
+      </p:sp>
+      <p:sp>
+        <p:nvSpPr>
+          <p:cNvPr id="4" name="Foliennummernplatzhalter 3"/>
+          <p:cNvSpPr>
+            <a:spLocks noGrp="1"/>
+          </p:cNvSpPr>
+          <p:nvPr>
+            <p:ph type="sldNum" sz="quarter" idx="12"/>
+          </p:nvPr>
+        </p:nvSpPr>
+        <p:spPr/>
+        <p:txBody>
+          <a:bodyPr/>
+          <a:lstStyle/>
+          <a:p>
+            <a:fld id="{161AA39E-9F83-4643-BD3A-E980A363C858}" type="slidenum">
+              <a:rPr lang="de-DE" smtClean="0"/>
+              <a:t>8</a:t>
+            </a:fld>
+            <a:endParaRPr lang="de-DE"/>
+          </a:p>
+        </p:txBody>
+      </p:sp>
     </p:spTree>
     <p:extLst>
       <p:ext uri="{BB962C8B-B14F-4D97-AF65-F5344CB8AC3E}">
@@ -5012,10 +8377,17 @@
   <p:clrMapOvr>
     <a:masterClrMapping/>
   </p:clrMapOvr>
+  <p:timing>
+    <p:tnLst>
+      <p:par>
+        <p:cTn id="1" dur="indefinite" restart="never" nodeType="tmRoot"/>
+      </p:par>
+    </p:tnLst>
+  </p:timing>
 </p:sld>
 </file>
 
-<file path=ppt/slides/slide8.xml><?xml version="1.0" encoding="utf-8"?>
+<file path=ppt/slides/slide9.xml><?xml version="1.0" encoding="utf-8"?>
 <p:sld xmlns:a="http://schemas.openxmlformats.org/drawingml/2006/main" xmlns:r="http://schemas.openxmlformats.org/officeDocument/2006/relationships" xmlns:p="http://schemas.openxmlformats.org/presentationml/2006/main">
   <p:cSld>
     <p:spTree>
@@ -5034,7 +8406,7 @@
       </p:grpSpPr>
       <p:sp>
         <p:nvSpPr>
-          <p:cNvPr id="5" name="Titel 4"/>
+          <p:cNvPr id="2" name="Titel 1"/>
           <p:cNvSpPr>
             <a:spLocks noGrp="1"/>
           </p:cNvSpPr>
@@ -5047,13 +8419,17 @@
           <a:bodyPr/>
           <a:lstStyle/>
           <a:p>
-            <a:endParaRPr lang="de-DE"/>
-          </a:p>
-        </p:txBody>
-      </p:sp>
-      <p:sp>
-        <p:nvSpPr>
-          <p:cNvPr id="6" name="Inhaltsplatzhalter 5"/>
+            <a:r>
+              <a:rPr lang="de-DE" dirty="0" smtClean="0"/>
+              <a:t>Komponenten</a:t>
+            </a:r>
+            <a:endParaRPr lang="de-DE" dirty="0"/>
+          </a:p>
+        </p:txBody>
+      </p:sp>
+      <p:sp>
+        <p:nvSpPr>
+          <p:cNvPr id="7" name="Inhaltsplatzhalter 6"/>
           <p:cNvSpPr>
             <a:spLocks noGrp="1"/>
           </p:cNvSpPr>
@@ -5066,6 +8442,86 @@
           <a:bodyPr/>
           <a:lstStyle/>
           <a:p>
+            <a:r>
+              <a:rPr lang="de-DE" dirty="0" smtClean="0"/>
+              <a:t>Android-Klasse</a:t>
+            </a:r>
+          </a:p>
+          <a:p>
+            <a:r>
+              <a:rPr lang="de-DE" dirty="0" err="1"/>
+              <a:t>Control</a:t>
+            </a:r>
+            <a:endParaRPr lang="de-DE" dirty="0"/>
+          </a:p>
+          <a:p>
+            <a:r>
+              <a:rPr lang="de-DE" dirty="0" err="1" smtClean="0"/>
+              <a:t>Context</a:t>
+            </a:r>
+            <a:endParaRPr lang="de-DE" dirty="0" smtClean="0"/>
+          </a:p>
+          <a:p>
+            <a:r>
+              <a:rPr lang="de-DE" dirty="0" err="1" smtClean="0"/>
+              <a:t>ButtonListenerFactory</a:t>
+            </a:r>
+            <a:endParaRPr lang="de-DE" dirty="0" smtClean="0"/>
+          </a:p>
+          <a:p>
+            <a:r>
+              <a:rPr lang="de-DE" dirty="0" err="1" smtClean="0"/>
+              <a:t>MessageAdapter</a:t>
+            </a:r>
+            <a:endParaRPr lang="de-DE" dirty="0" smtClean="0"/>
+          </a:p>
+          <a:p>
+            <a:endParaRPr lang="de-DE" dirty="0"/>
+          </a:p>
+        </p:txBody>
+      </p:sp>
+      <p:sp>
+        <p:nvSpPr>
+          <p:cNvPr id="8" name="Fußzeilenplatzhalter 7"/>
+          <p:cNvSpPr>
+            <a:spLocks noGrp="1"/>
+          </p:cNvSpPr>
+          <p:nvPr>
+            <p:ph type="ftr" sz="quarter" idx="11"/>
+          </p:nvPr>
+        </p:nvSpPr>
+        <p:spPr/>
+        <p:txBody>
+          <a:bodyPr/>
+          <a:lstStyle/>
+          <a:p>
+            <a:r>
+              <a:rPr lang="de-DE" smtClean="0"/>
+              <a:t>MyController - N. Feyerabend, T. Meurer</a:t>
+            </a:r>
+            <a:endParaRPr lang="de-DE"/>
+          </a:p>
+        </p:txBody>
+      </p:sp>
+      <p:sp>
+        <p:nvSpPr>
+          <p:cNvPr id="9" name="Foliennummernplatzhalter 8"/>
+          <p:cNvSpPr>
+            <a:spLocks noGrp="1"/>
+          </p:cNvSpPr>
+          <p:nvPr>
+            <p:ph type="sldNum" sz="quarter" idx="12"/>
+          </p:nvPr>
+        </p:nvSpPr>
+        <p:spPr/>
+        <p:txBody>
+          <a:bodyPr/>
+          <a:lstStyle/>
+          <a:p>
+            <a:fld id="{161AA39E-9F83-4643-BD3A-E980A363C858}" type="slidenum">
+              <a:rPr lang="de-DE" smtClean="0"/>
+              <a:t>9</a:t>
+            </a:fld>
             <a:endParaRPr lang="de-DE"/>
           </a:p>
         </p:txBody>
@@ -5080,6 +8536,13 @@
   <p:clrMapOvr>
     <a:masterClrMapping/>
   </p:clrMapOvr>
+  <p:timing>
+    <p:tnLst>
+      <p:par>
+        <p:cTn id="1" dur="indefinite" restart="never" nodeType="tmRoot"/>
+      </p:par>
+    </p:tnLst>
+  </p:timing>
 </p:sld>
 </file>
 

--- a/dokumente/Präsentation/MyController.pptx
+++ b/dokumente/Präsentation/MyController.pptx
@@ -210,7 +210,7 @@
           <a:p>
             <a:fld id="{25F4AA71-5E66-402A-8793-7CD0B9C1B5F4}" type="datetimeFigureOut">
               <a:rPr lang="de-DE" smtClean="0"/>
-              <a:t>02.02.2013</a:t>
+              <a:t>07.02.2013</a:t>
             </a:fld>
             <a:endParaRPr lang="de-DE"/>
           </a:p>
@@ -522,6 +522,10 @@
           <a:bodyPr/>
           <a:lstStyle/>
           <a:p>
+            <a:r>
+              <a:rPr lang="de-DE" dirty="0" smtClean="0"/>
+              <a:t>Nils</a:t>
+            </a:r>
             <a:endParaRPr lang="de-DE" dirty="0"/>
           </a:p>
         </p:txBody>
@@ -608,7 +612,7 @@
           <a:p>
             <a:r>
               <a:rPr lang="de-DE" dirty="0" smtClean="0"/>
-              <a:t>Tobi</a:t>
+              <a:t>Nils</a:t>
             </a:r>
             <a:endParaRPr lang="de-DE" dirty="0"/>
           </a:p>
@@ -631,7 +635,7 @@
           <a:p>
             <a:fld id="{8D24707C-04AC-4161-BF2C-B9FE2827EFA8}" type="slidenum">
               <a:rPr lang="de-DE" smtClean="0"/>
-              <a:t>13</a:t>
+              <a:t>10</a:t>
             </a:fld>
             <a:endParaRPr lang="de-DE"/>
           </a:p>
@@ -640,7 +644,7 @@
     </p:spTree>
     <p:extLst>
       <p:ext uri="{BB962C8B-B14F-4D97-AF65-F5344CB8AC3E}">
-        <p14:creationId xmlns:p14="http://schemas.microsoft.com/office/powerpoint/2010/main" val="3947929297"/>
+        <p14:creationId xmlns:p14="http://schemas.microsoft.com/office/powerpoint/2010/main" val="3287041236"/>
       </p:ext>
     </p:extLst>
   </p:cSld>
@@ -696,7 +700,7 @@
           <a:p>
             <a:r>
               <a:rPr lang="de-DE" dirty="0" smtClean="0"/>
-              <a:t>Tobi</a:t>
+              <a:t>Nils</a:t>
             </a:r>
             <a:endParaRPr lang="de-DE" dirty="0"/>
           </a:p>
@@ -719,7 +723,7 @@
           <a:p>
             <a:fld id="{8D24707C-04AC-4161-BF2C-B9FE2827EFA8}" type="slidenum">
               <a:rPr lang="de-DE" smtClean="0"/>
-              <a:t>14</a:t>
+              <a:t>11</a:t>
             </a:fld>
             <a:endParaRPr lang="de-DE"/>
           </a:p>
@@ -728,7 +732,7 @@
     </p:spTree>
     <p:extLst>
       <p:ext uri="{BB962C8B-B14F-4D97-AF65-F5344CB8AC3E}">
-        <p14:creationId xmlns:p14="http://schemas.microsoft.com/office/powerpoint/2010/main" val="2596171307"/>
+        <p14:creationId xmlns:p14="http://schemas.microsoft.com/office/powerpoint/2010/main" val="2144522323"/>
       </p:ext>
     </p:extLst>
   </p:cSld>
@@ -784,7 +788,7 @@
           <a:p>
             <a:r>
               <a:rPr lang="de-DE" dirty="0" smtClean="0"/>
-              <a:t>Tobi</a:t>
+              <a:t>Nils</a:t>
             </a:r>
             <a:endParaRPr lang="de-DE" dirty="0"/>
           </a:p>
@@ -807,7 +811,7 @@
           <a:p>
             <a:fld id="{8D24707C-04AC-4161-BF2C-B9FE2827EFA8}" type="slidenum">
               <a:rPr lang="de-DE" smtClean="0"/>
-              <a:t>15</a:t>
+              <a:t>12</a:t>
             </a:fld>
             <a:endParaRPr lang="de-DE"/>
           </a:p>
@@ -816,7 +820,7 @@
     </p:spTree>
     <p:extLst>
       <p:ext uri="{BB962C8B-B14F-4D97-AF65-F5344CB8AC3E}">
-        <p14:creationId xmlns:p14="http://schemas.microsoft.com/office/powerpoint/2010/main" val="394979247"/>
+        <p14:creationId xmlns:p14="http://schemas.microsoft.com/office/powerpoint/2010/main" val="2352890515"/>
       </p:ext>
     </p:extLst>
   </p:cSld>
@@ -870,6 +874,12 @@
           <a:bodyPr/>
           <a:lstStyle/>
           <a:p>
+            <a:r>
+              <a:rPr lang="de-DE" smtClean="0"/>
+              <a:t>Tobi</a:t>
+            </a:r>
+          </a:p>
+          <a:p>
             <a:endParaRPr lang="de-DE" dirty="0"/>
           </a:p>
         </p:txBody>
@@ -891,7 +901,7 @@
           <a:p>
             <a:fld id="{8D24707C-04AC-4161-BF2C-B9FE2827EFA8}" type="slidenum">
               <a:rPr lang="de-DE" smtClean="0"/>
-              <a:t>16</a:t>
+              <a:t>13</a:t>
             </a:fld>
             <a:endParaRPr lang="de-DE"/>
           </a:p>
@@ -900,7 +910,7 @@
     </p:spTree>
     <p:extLst>
       <p:ext uri="{BB962C8B-B14F-4D97-AF65-F5344CB8AC3E}">
-        <p14:creationId xmlns:p14="http://schemas.microsoft.com/office/powerpoint/2010/main" val="3485506280"/>
+        <p14:creationId xmlns:p14="http://schemas.microsoft.com/office/powerpoint/2010/main" val="3947929297"/>
       </p:ext>
     </p:extLst>
   </p:cSld>
@@ -979,6 +989,270 @@
           <a:p>
             <a:fld id="{8D24707C-04AC-4161-BF2C-B9FE2827EFA8}" type="slidenum">
               <a:rPr lang="de-DE" smtClean="0"/>
+              <a:t>14</a:t>
+            </a:fld>
+            <a:endParaRPr lang="de-DE"/>
+          </a:p>
+        </p:txBody>
+      </p:sp>
+    </p:spTree>
+    <p:extLst>
+      <p:ext uri="{BB962C8B-B14F-4D97-AF65-F5344CB8AC3E}">
+        <p14:creationId xmlns:p14="http://schemas.microsoft.com/office/powerpoint/2010/main" val="2596171307"/>
+      </p:ext>
+    </p:extLst>
+  </p:cSld>
+  <p:clrMapOvr>
+    <a:masterClrMapping/>
+  </p:clrMapOvr>
+</p:notes>
+</file>
+
+<file path=ppt/notesSlides/notesSlide15.xml><?xml version="1.0" encoding="utf-8"?>
+<p:notes xmlns:a="http://schemas.openxmlformats.org/drawingml/2006/main" xmlns:r="http://schemas.openxmlformats.org/officeDocument/2006/relationships" xmlns:p="http://schemas.openxmlformats.org/presentationml/2006/main">
+  <p:cSld>
+    <p:spTree>
+      <p:nvGrpSpPr>
+        <p:cNvPr id="1" name=""/>
+        <p:cNvGrpSpPr/>
+        <p:nvPr/>
+      </p:nvGrpSpPr>
+      <p:grpSpPr>
+        <a:xfrm>
+          <a:off x="0" y="0"/>
+          <a:ext cx="0" cy="0"/>
+          <a:chOff x="0" y="0"/>
+          <a:chExt cx="0" cy="0"/>
+        </a:xfrm>
+      </p:grpSpPr>
+      <p:sp>
+        <p:nvSpPr>
+          <p:cNvPr id="2" name="Folienbildplatzhalter 1"/>
+          <p:cNvSpPr>
+            <a:spLocks noGrp="1" noRot="1" noChangeAspect="1"/>
+          </p:cNvSpPr>
+          <p:nvPr>
+            <p:ph type="sldImg"/>
+          </p:nvPr>
+        </p:nvSpPr>
+        <p:spPr/>
+      </p:sp>
+      <p:sp>
+        <p:nvSpPr>
+          <p:cNvPr id="3" name="Notizenplatzhalter 2"/>
+          <p:cNvSpPr>
+            <a:spLocks noGrp="1"/>
+          </p:cNvSpPr>
+          <p:nvPr>
+            <p:ph type="body" idx="1"/>
+          </p:nvPr>
+        </p:nvSpPr>
+        <p:spPr/>
+        <p:txBody>
+          <a:bodyPr/>
+          <a:lstStyle/>
+          <a:p>
+            <a:r>
+              <a:rPr lang="de-DE" dirty="0" smtClean="0"/>
+              <a:t>Tobi</a:t>
+            </a:r>
+            <a:endParaRPr lang="de-DE" dirty="0"/>
+          </a:p>
+        </p:txBody>
+      </p:sp>
+      <p:sp>
+        <p:nvSpPr>
+          <p:cNvPr id="4" name="Foliennummernplatzhalter 3"/>
+          <p:cNvSpPr>
+            <a:spLocks noGrp="1"/>
+          </p:cNvSpPr>
+          <p:nvPr>
+            <p:ph type="sldNum" sz="quarter" idx="10"/>
+          </p:nvPr>
+        </p:nvSpPr>
+        <p:spPr/>
+        <p:txBody>
+          <a:bodyPr/>
+          <a:lstStyle/>
+          <a:p>
+            <a:fld id="{8D24707C-04AC-4161-BF2C-B9FE2827EFA8}" type="slidenum">
+              <a:rPr lang="de-DE" smtClean="0"/>
+              <a:t>15</a:t>
+            </a:fld>
+            <a:endParaRPr lang="de-DE"/>
+          </a:p>
+        </p:txBody>
+      </p:sp>
+    </p:spTree>
+    <p:extLst>
+      <p:ext uri="{BB962C8B-B14F-4D97-AF65-F5344CB8AC3E}">
+        <p14:creationId xmlns:p14="http://schemas.microsoft.com/office/powerpoint/2010/main" val="394979247"/>
+      </p:ext>
+    </p:extLst>
+  </p:cSld>
+  <p:clrMapOvr>
+    <a:masterClrMapping/>
+  </p:clrMapOvr>
+</p:notes>
+</file>
+
+<file path=ppt/notesSlides/notesSlide16.xml><?xml version="1.0" encoding="utf-8"?>
+<p:notes xmlns:a="http://schemas.openxmlformats.org/drawingml/2006/main" xmlns:r="http://schemas.openxmlformats.org/officeDocument/2006/relationships" xmlns:p="http://schemas.openxmlformats.org/presentationml/2006/main">
+  <p:cSld>
+    <p:spTree>
+      <p:nvGrpSpPr>
+        <p:cNvPr id="1" name=""/>
+        <p:cNvGrpSpPr/>
+        <p:nvPr/>
+      </p:nvGrpSpPr>
+      <p:grpSpPr>
+        <a:xfrm>
+          <a:off x="0" y="0"/>
+          <a:ext cx="0" cy="0"/>
+          <a:chOff x="0" y="0"/>
+          <a:chExt cx="0" cy="0"/>
+        </a:xfrm>
+      </p:grpSpPr>
+      <p:sp>
+        <p:nvSpPr>
+          <p:cNvPr id="2" name="Folienbildplatzhalter 1"/>
+          <p:cNvSpPr>
+            <a:spLocks noGrp="1" noRot="1" noChangeAspect="1"/>
+          </p:cNvSpPr>
+          <p:nvPr>
+            <p:ph type="sldImg"/>
+          </p:nvPr>
+        </p:nvSpPr>
+        <p:spPr/>
+      </p:sp>
+      <p:sp>
+        <p:nvSpPr>
+          <p:cNvPr id="3" name="Notizenplatzhalter 2"/>
+          <p:cNvSpPr>
+            <a:spLocks noGrp="1"/>
+          </p:cNvSpPr>
+          <p:nvPr>
+            <p:ph type="body" idx="1"/>
+          </p:nvPr>
+        </p:nvSpPr>
+        <p:spPr/>
+        <p:txBody>
+          <a:bodyPr/>
+          <a:lstStyle/>
+          <a:p>
+            <a:r>
+              <a:rPr lang="de-DE" dirty="0" smtClean="0"/>
+              <a:t>Tobi</a:t>
+            </a:r>
+            <a:endParaRPr lang="de-DE" dirty="0"/>
+          </a:p>
+        </p:txBody>
+      </p:sp>
+      <p:sp>
+        <p:nvSpPr>
+          <p:cNvPr id="4" name="Foliennummernplatzhalter 3"/>
+          <p:cNvSpPr>
+            <a:spLocks noGrp="1"/>
+          </p:cNvSpPr>
+          <p:nvPr>
+            <p:ph type="sldNum" sz="quarter" idx="10"/>
+          </p:nvPr>
+        </p:nvSpPr>
+        <p:spPr/>
+        <p:txBody>
+          <a:bodyPr/>
+          <a:lstStyle/>
+          <a:p>
+            <a:fld id="{8D24707C-04AC-4161-BF2C-B9FE2827EFA8}" type="slidenum">
+              <a:rPr lang="de-DE" smtClean="0"/>
+              <a:t>16</a:t>
+            </a:fld>
+            <a:endParaRPr lang="de-DE"/>
+          </a:p>
+        </p:txBody>
+      </p:sp>
+    </p:spTree>
+    <p:extLst>
+      <p:ext uri="{BB962C8B-B14F-4D97-AF65-F5344CB8AC3E}">
+        <p14:creationId xmlns:p14="http://schemas.microsoft.com/office/powerpoint/2010/main" val="3485506280"/>
+      </p:ext>
+    </p:extLst>
+  </p:cSld>
+  <p:clrMapOvr>
+    <a:masterClrMapping/>
+  </p:clrMapOvr>
+</p:notes>
+</file>
+
+<file path=ppt/notesSlides/notesSlide17.xml><?xml version="1.0" encoding="utf-8"?>
+<p:notes xmlns:a="http://schemas.openxmlformats.org/drawingml/2006/main" xmlns:r="http://schemas.openxmlformats.org/officeDocument/2006/relationships" xmlns:p="http://schemas.openxmlformats.org/presentationml/2006/main">
+  <p:cSld>
+    <p:spTree>
+      <p:nvGrpSpPr>
+        <p:cNvPr id="1" name=""/>
+        <p:cNvGrpSpPr/>
+        <p:nvPr/>
+      </p:nvGrpSpPr>
+      <p:grpSpPr>
+        <a:xfrm>
+          <a:off x="0" y="0"/>
+          <a:ext cx="0" cy="0"/>
+          <a:chOff x="0" y="0"/>
+          <a:chExt cx="0" cy="0"/>
+        </a:xfrm>
+      </p:grpSpPr>
+      <p:sp>
+        <p:nvSpPr>
+          <p:cNvPr id="2" name="Folienbildplatzhalter 1"/>
+          <p:cNvSpPr>
+            <a:spLocks noGrp="1" noRot="1" noChangeAspect="1"/>
+          </p:cNvSpPr>
+          <p:nvPr>
+            <p:ph type="sldImg"/>
+          </p:nvPr>
+        </p:nvSpPr>
+        <p:spPr/>
+      </p:sp>
+      <p:sp>
+        <p:nvSpPr>
+          <p:cNvPr id="3" name="Notizenplatzhalter 2"/>
+          <p:cNvSpPr>
+            <a:spLocks noGrp="1"/>
+          </p:cNvSpPr>
+          <p:nvPr>
+            <p:ph type="body" idx="1"/>
+          </p:nvPr>
+        </p:nvSpPr>
+        <p:spPr/>
+        <p:txBody>
+          <a:bodyPr/>
+          <a:lstStyle/>
+          <a:p>
+            <a:r>
+              <a:rPr lang="de-DE" dirty="0" smtClean="0"/>
+              <a:t>Tobi</a:t>
+            </a:r>
+            <a:endParaRPr lang="de-DE" dirty="0"/>
+          </a:p>
+        </p:txBody>
+      </p:sp>
+      <p:sp>
+        <p:nvSpPr>
+          <p:cNvPr id="4" name="Foliennummernplatzhalter 3"/>
+          <p:cNvSpPr>
+            <a:spLocks noGrp="1"/>
+          </p:cNvSpPr>
+          <p:nvPr>
+            <p:ph type="sldNum" sz="quarter" idx="10"/>
+          </p:nvPr>
+        </p:nvSpPr>
+        <p:spPr/>
+        <p:txBody>
+          <a:bodyPr/>
+          <a:lstStyle/>
+          <a:p>
+            <a:fld id="{8D24707C-04AC-4161-BF2C-B9FE2827EFA8}" type="slidenum">
+              <a:rPr lang="de-DE" smtClean="0"/>
               <a:t>17</a:t>
             </a:fld>
             <a:endParaRPr lang="de-DE"/>
@@ -998,7 +1272,95 @@
 </p:notes>
 </file>
 
-<file path=ppt/notesSlides/notesSlide15.xml><?xml version="1.0" encoding="utf-8"?>
+<file path=ppt/notesSlides/notesSlide18.xml><?xml version="1.0" encoding="utf-8"?>
+<p:notes xmlns:a="http://schemas.openxmlformats.org/drawingml/2006/main" xmlns:r="http://schemas.openxmlformats.org/officeDocument/2006/relationships" xmlns:p="http://schemas.openxmlformats.org/presentationml/2006/main">
+  <p:cSld>
+    <p:spTree>
+      <p:nvGrpSpPr>
+        <p:cNvPr id="1" name=""/>
+        <p:cNvGrpSpPr/>
+        <p:nvPr/>
+      </p:nvGrpSpPr>
+      <p:grpSpPr>
+        <a:xfrm>
+          <a:off x="0" y="0"/>
+          <a:ext cx="0" cy="0"/>
+          <a:chOff x="0" y="0"/>
+          <a:chExt cx="0" cy="0"/>
+        </a:xfrm>
+      </p:grpSpPr>
+      <p:sp>
+        <p:nvSpPr>
+          <p:cNvPr id="2" name="Folienbildplatzhalter 1"/>
+          <p:cNvSpPr>
+            <a:spLocks noGrp="1" noRot="1" noChangeAspect="1"/>
+          </p:cNvSpPr>
+          <p:nvPr>
+            <p:ph type="sldImg"/>
+          </p:nvPr>
+        </p:nvSpPr>
+        <p:spPr/>
+      </p:sp>
+      <p:sp>
+        <p:nvSpPr>
+          <p:cNvPr id="3" name="Notizenplatzhalter 2"/>
+          <p:cNvSpPr>
+            <a:spLocks noGrp="1"/>
+          </p:cNvSpPr>
+          <p:nvPr>
+            <p:ph type="body" idx="1"/>
+          </p:nvPr>
+        </p:nvSpPr>
+        <p:spPr/>
+        <p:txBody>
+          <a:bodyPr/>
+          <a:lstStyle/>
+          <a:p>
+            <a:r>
+              <a:rPr lang="de-DE" dirty="0" smtClean="0"/>
+              <a:t>Tobi</a:t>
+            </a:r>
+            <a:endParaRPr lang="de-DE" dirty="0"/>
+          </a:p>
+        </p:txBody>
+      </p:sp>
+      <p:sp>
+        <p:nvSpPr>
+          <p:cNvPr id="4" name="Foliennummernplatzhalter 3"/>
+          <p:cNvSpPr>
+            <a:spLocks noGrp="1"/>
+          </p:cNvSpPr>
+          <p:nvPr>
+            <p:ph type="sldNum" sz="quarter" idx="10"/>
+          </p:nvPr>
+        </p:nvSpPr>
+        <p:spPr/>
+        <p:txBody>
+          <a:bodyPr/>
+          <a:lstStyle/>
+          <a:p>
+            <a:fld id="{8D24707C-04AC-4161-BF2C-B9FE2827EFA8}" type="slidenum">
+              <a:rPr lang="de-DE" smtClean="0"/>
+              <a:t>18</a:t>
+            </a:fld>
+            <a:endParaRPr lang="de-DE"/>
+          </a:p>
+        </p:txBody>
+      </p:sp>
+    </p:spTree>
+    <p:extLst>
+      <p:ext uri="{BB962C8B-B14F-4D97-AF65-F5344CB8AC3E}">
+        <p14:creationId xmlns:p14="http://schemas.microsoft.com/office/powerpoint/2010/main" val="1948040721"/>
+      </p:ext>
+    </p:extLst>
+  </p:cSld>
+  <p:clrMapOvr>
+    <a:masterClrMapping/>
+  </p:clrMapOvr>
+</p:notes>
+</file>
+
+<file path=ppt/notesSlides/notesSlide19.xml><?xml version="1.0" encoding="utf-8"?>
 <p:notes xmlns:a="http://schemas.openxmlformats.org/drawingml/2006/main" xmlns:r="http://schemas.openxmlformats.org/officeDocument/2006/relationships" xmlns:p="http://schemas.openxmlformats.org/presentationml/2006/main">
   <p:cSld>
     <p:spTree>
@@ -1130,6 +1492,10 @@
           <a:bodyPr/>
           <a:lstStyle/>
           <a:p>
+            <a:r>
+              <a:rPr lang="de-DE" dirty="0" smtClean="0"/>
+              <a:t>Nils</a:t>
+            </a:r>
             <a:endParaRPr lang="de-DE" dirty="0"/>
           </a:p>
         </p:txBody>
@@ -1216,7 +1582,7 @@
           <a:p>
             <a:r>
               <a:rPr lang="de-DE" dirty="0" smtClean="0"/>
-              <a:t>Tobi</a:t>
+              <a:t>Nils</a:t>
             </a:r>
             <a:endParaRPr lang="de-DE" dirty="0"/>
           </a:p>
@@ -1239,7 +1605,7 @@
           <a:p>
             <a:fld id="{8D24707C-04AC-4161-BF2C-B9FE2827EFA8}" type="slidenum">
               <a:rPr lang="de-DE" smtClean="0"/>
-              <a:t>6</a:t>
+              <a:t>3</a:t>
             </a:fld>
             <a:endParaRPr lang="de-DE"/>
           </a:p>
@@ -1248,7 +1614,7 @@
     </p:spTree>
     <p:extLst>
       <p:ext uri="{BB962C8B-B14F-4D97-AF65-F5344CB8AC3E}">
-        <p14:creationId xmlns:p14="http://schemas.microsoft.com/office/powerpoint/2010/main" val="1445297274"/>
+        <p14:creationId xmlns:p14="http://schemas.microsoft.com/office/powerpoint/2010/main" val="693167492"/>
       </p:ext>
     </p:extLst>
   </p:cSld>
@@ -1327,7 +1693,7 @@
           <a:p>
             <a:fld id="{8D24707C-04AC-4161-BF2C-B9FE2827EFA8}" type="slidenum">
               <a:rPr lang="de-DE" smtClean="0"/>
-              <a:t>7</a:t>
+              <a:t>4</a:t>
             </a:fld>
             <a:endParaRPr lang="de-DE"/>
           </a:p>
@@ -1336,7 +1702,7 @@
     </p:spTree>
     <p:extLst>
       <p:ext uri="{BB962C8B-B14F-4D97-AF65-F5344CB8AC3E}">
-        <p14:creationId xmlns:p14="http://schemas.microsoft.com/office/powerpoint/2010/main" val="2607659183"/>
+        <p14:creationId xmlns:p14="http://schemas.microsoft.com/office/powerpoint/2010/main" val="1543214986"/>
       </p:ext>
     </p:extLst>
   </p:cSld>
@@ -1390,37 +1756,11 @@
           <a:bodyPr/>
           <a:lstStyle/>
           <a:p>
-            <a:pPr marL="0" marR="0" indent="0" algn="l" defTabSz="914400" rtl="0" eaLnBrk="1" fontAlgn="auto" latinLnBrk="0" hangingPunct="1">
-              <a:lnSpc>
-                <a:spcPct val="100000"/>
-              </a:lnSpc>
-              <a:spcBef>
-                <a:spcPts val="0"/>
-              </a:spcBef>
-              <a:spcAft>
-                <a:spcPts val="0"/>
-              </a:spcAft>
-              <a:buClrTx/>
-              <a:buSzTx/>
-              <a:buFontTx/>
-              <a:buNone/>
-              <a:tabLst/>
-              <a:defRPr/>
-            </a:pPr>
             <a:r>
               <a:rPr lang="de-DE" dirty="0" smtClean="0"/>
               <a:t>Nils</a:t>
             </a:r>
-          </a:p>
-          <a:p>
-            <a:r>
-              <a:rPr lang="de-DE" dirty="0" smtClean="0"/>
-              <a:t>Gemeinsamkeiten</a:t>
-            </a:r>
-            <a:r>
-              <a:rPr lang="de-DE" baseline="0" dirty="0" smtClean="0"/>
-              <a:t> nicht nur bei Layouts, auch in der darunterliegenden Architektur</a:t>
-            </a:r>
+            <a:endParaRPr lang="de-DE" dirty="0"/>
           </a:p>
         </p:txBody>
       </p:sp>
@@ -1441,7 +1781,7 @@
           <a:p>
             <a:fld id="{8D24707C-04AC-4161-BF2C-B9FE2827EFA8}" type="slidenum">
               <a:rPr lang="de-DE" smtClean="0"/>
-              <a:t>8</a:t>
+              <a:t>5</a:t>
             </a:fld>
             <a:endParaRPr lang="de-DE"/>
           </a:p>
@@ -1450,7 +1790,7 @@
     </p:spTree>
     <p:extLst>
       <p:ext uri="{BB962C8B-B14F-4D97-AF65-F5344CB8AC3E}">
-        <p14:creationId xmlns:p14="http://schemas.microsoft.com/office/powerpoint/2010/main" val="841480289"/>
+        <p14:creationId xmlns:p14="http://schemas.microsoft.com/office/powerpoint/2010/main" val="1157315057"/>
       </p:ext>
     </p:extLst>
   </p:cSld>
@@ -1529,7 +1869,7 @@
           <a:p>
             <a:fld id="{8D24707C-04AC-4161-BF2C-B9FE2827EFA8}" type="slidenum">
               <a:rPr lang="de-DE" smtClean="0"/>
-              <a:t>9</a:t>
+              <a:t>6</a:t>
             </a:fld>
             <a:endParaRPr lang="de-DE"/>
           </a:p>
@@ -1538,7 +1878,7 @@
     </p:spTree>
     <p:extLst>
       <p:ext uri="{BB962C8B-B14F-4D97-AF65-F5344CB8AC3E}">
-        <p14:creationId xmlns:p14="http://schemas.microsoft.com/office/powerpoint/2010/main" val="452931473"/>
+        <p14:creationId xmlns:p14="http://schemas.microsoft.com/office/powerpoint/2010/main" val="1445297274"/>
       </p:ext>
     </p:extLst>
   </p:cSld>
@@ -1617,7 +1957,7 @@
           <a:p>
             <a:fld id="{8D24707C-04AC-4161-BF2C-B9FE2827EFA8}" type="slidenum">
               <a:rPr lang="de-DE" smtClean="0"/>
-              <a:t>10</a:t>
+              <a:t>7</a:t>
             </a:fld>
             <a:endParaRPr lang="de-DE"/>
           </a:p>
@@ -1626,7 +1966,7 @@
     </p:spTree>
     <p:extLst>
       <p:ext uri="{BB962C8B-B14F-4D97-AF65-F5344CB8AC3E}">
-        <p14:creationId xmlns:p14="http://schemas.microsoft.com/office/powerpoint/2010/main" val="3287041236"/>
+        <p14:creationId xmlns:p14="http://schemas.microsoft.com/office/powerpoint/2010/main" val="2607659183"/>
       </p:ext>
     </p:extLst>
   </p:cSld>
@@ -1680,11 +2020,37 @@
           <a:bodyPr/>
           <a:lstStyle/>
           <a:p>
+            <a:pPr marL="0" marR="0" indent="0" algn="l" defTabSz="914400" rtl="0" eaLnBrk="1" fontAlgn="auto" latinLnBrk="0" hangingPunct="1">
+              <a:lnSpc>
+                <a:spcPct val="100000"/>
+              </a:lnSpc>
+              <a:spcBef>
+                <a:spcPts val="0"/>
+              </a:spcBef>
+              <a:spcAft>
+                <a:spcPts val="0"/>
+              </a:spcAft>
+              <a:buClrTx/>
+              <a:buSzTx/>
+              <a:buFontTx/>
+              <a:buNone/>
+              <a:tabLst/>
+              <a:defRPr/>
+            </a:pPr>
             <a:r>
               <a:rPr lang="de-DE" dirty="0" smtClean="0"/>
               <a:t>Nils</a:t>
             </a:r>
-            <a:endParaRPr lang="de-DE" dirty="0"/>
+          </a:p>
+          <a:p>
+            <a:r>
+              <a:rPr lang="de-DE" dirty="0" smtClean="0"/>
+              <a:t>Gemeinsamkeiten</a:t>
+            </a:r>
+            <a:r>
+              <a:rPr lang="de-DE" baseline="0" dirty="0" smtClean="0"/>
+              <a:t> nicht nur bei Layouts, auch in der darunterliegenden Architektur</a:t>
+            </a:r>
           </a:p>
         </p:txBody>
       </p:sp>
@@ -1705,7 +2071,7 @@
           <a:p>
             <a:fld id="{8D24707C-04AC-4161-BF2C-B9FE2827EFA8}" type="slidenum">
               <a:rPr lang="de-DE" smtClean="0"/>
-              <a:t>11</a:t>
+              <a:t>8</a:t>
             </a:fld>
             <a:endParaRPr lang="de-DE"/>
           </a:p>
@@ -1714,7 +2080,7 @@
     </p:spTree>
     <p:extLst>
       <p:ext uri="{BB962C8B-B14F-4D97-AF65-F5344CB8AC3E}">
-        <p14:creationId xmlns:p14="http://schemas.microsoft.com/office/powerpoint/2010/main" val="2144522323"/>
+        <p14:creationId xmlns:p14="http://schemas.microsoft.com/office/powerpoint/2010/main" val="841480289"/>
       </p:ext>
     </p:extLst>
   </p:cSld>
@@ -1793,7 +2159,7 @@
           <a:p>
             <a:fld id="{8D24707C-04AC-4161-BF2C-B9FE2827EFA8}" type="slidenum">
               <a:rPr lang="de-DE" smtClean="0"/>
-              <a:t>12</a:t>
+              <a:t>9</a:t>
             </a:fld>
             <a:endParaRPr lang="de-DE"/>
           </a:p>
@@ -1802,7 +2168,7 @@
     </p:spTree>
     <p:extLst>
       <p:ext uri="{BB962C8B-B14F-4D97-AF65-F5344CB8AC3E}">
-        <p14:creationId xmlns:p14="http://schemas.microsoft.com/office/powerpoint/2010/main" val="2352890515"/>
+        <p14:creationId xmlns:p14="http://schemas.microsoft.com/office/powerpoint/2010/main" val="452931473"/>
       </p:ext>
     </p:extLst>
   </p:cSld>
@@ -1955,7 +2321,7 @@
           <a:p>
             <a:fld id="{F31BC880-4A6C-475B-8979-ECC1B24FD02F}" type="datetime1">
               <a:rPr lang="de-DE" smtClean="0"/>
-              <a:t>02.02.2013</a:t>
+              <a:t>07.02.2013</a:t>
             </a:fld>
             <a:endParaRPr lang="de-DE"/>
           </a:p>
@@ -2318,7 +2684,7 @@
           <a:p>
             <a:fld id="{3A2B6693-5B65-478C-A040-0DF11BC4FEF4}" type="datetime1">
               <a:rPr lang="de-DE" smtClean="0"/>
-              <a:t>02.02.2013</a:t>
+              <a:t>07.02.2013</a:t>
             </a:fld>
             <a:endParaRPr lang="de-DE"/>
           </a:p>
@@ -2497,7 +2863,7 @@
           <a:p>
             <a:fld id="{BB3517AF-D434-427A-AC6B-24364C4FB815}" type="datetime1">
               <a:rPr lang="de-DE" smtClean="0"/>
-              <a:t>02.02.2013</a:t>
+              <a:t>07.02.2013</a:t>
             </a:fld>
             <a:endParaRPr lang="de-DE"/>
           </a:p>
@@ -2736,7 +3102,7 @@
           <a:p>
             <a:fld id="{DE0F1DF2-216D-4928-A48E-E3C4F3F16973}" type="datetime1">
               <a:rPr lang="de-DE" smtClean="0"/>
-              <a:t>02.02.2013</a:t>
+              <a:t>07.02.2013</a:t>
             </a:fld>
             <a:endParaRPr lang="de-DE"/>
           </a:p>
@@ -3009,7 +3375,7 @@
           <a:p>
             <a:fld id="{A1309DAB-FECD-423C-94F1-AFDE8D18EE2A}" type="datetime1">
               <a:rPr lang="de-DE" smtClean="0"/>
-              <a:t>02.02.2013</a:t>
+              <a:t>07.02.2013</a:t>
             </a:fld>
             <a:endParaRPr lang="de-DE"/>
           </a:p>
@@ -3233,7 +3599,7 @@
           <a:p>
             <a:fld id="{BE20DDB5-9C16-4749-AB01-028BA930B7BC}" type="datetime1">
               <a:rPr lang="de-DE" smtClean="0"/>
-              <a:t>02.02.2013</a:t>
+              <a:t>07.02.2013</a:t>
             </a:fld>
             <a:endParaRPr lang="de-DE"/>
           </a:p>
@@ -3589,7 +3955,7 @@
           <a:p>
             <a:fld id="{F3B9E33A-F67B-4146-A0F8-D2E343BB32CC}" type="datetime1">
               <a:rPr lang="de-DE" smtClean="0"/>
-              <a:t>02.02.2013</a:t>
+              <a:t>07.02.2013</a:t>
             </a:fld>
             <a:endParaRPr lang="de-DE"/>
           </a:p>
@@ -3825,7 +4191,7 @@
           <a:p>
             <a:fld id="{26174798-D1D0-4C68-8E15-6DA62239E4EE}" type="datetime1">
               <a:rPr lang="de-DE" smtClean="0"/>
-              <a:t>02.02.2013</a:t>
+              <a:t>07.02.2013</a:t>
             </a:fld>
             <a:endParaRPr lang="de-DE"/>
           </a:p>
@@ -3969,7 +4335,7 @@
           <a:p>
             <a:fld id="{72DA59E5-5EED-46E4-95E3-8EF74D6966EA}" type="datetime1">
               <a:rPr lang="de-DE" smtClean="0"/>
-              <a:t>02.02.2013</a:t>
+              <a:t>07.02.2013</a:t>
             </a:fld>
             <a:endParaRPr lang="de-DE"/>
           </a:p>
@@ -4250,7 +4616,7 @@
           <a:p>
             <a:fld id="{8DC6B35F-F137-474B-8899-63D0C31127AC}" type="datetime1">
               <a:rPr lang="de-DE" smtClean="0"/>
-              <a:t>02.02.2013</a:t>
+              <a:t>07.02.2013</a:t>
             </a:fld>
             <a:endParaRPr lang="de-DE"/>
           </a:p>
@@ -4661,7 +5027,7 @@
           <a:p>
             <a:fld id="{D132636D-2819-4C5A-A65E-E1B7D65AEB2B}" type="datetime1">
               <a:rPr lang="de-DE" smtClean="0"/>
-              <a:t>02.02.2013</a:t>
+              <a:t>07.02.2013</a:t>
             </a:fld>
             <a:endParaRPr lang="de-DE"/>
           </a:p>
@@ -5003,7 +5369,7 @@
           <a:p>
             <a:fld id="{8A9445E3-6B84-47E4-84D3-D6FB5E88B60A}" type="datetime1">
               <a:rPr lang="de-DE" smtClean="0"/>
-              <a:t>02.02.2013</a:t>
+              <a:t>07.02.2013</a:t>
             </a:fld>
             <a:endParaRPr lang="de-DE"/>
           </a:p>
@@ -5755,15 +6121,15 @@
             <a:pPr lvl="1"/>
             <a:r>
               <a:rPr lang="de-DE" dirty="0" err="1" smtClean="0"/>
+              <a:t>ControlActivity</a:t>
+            </a:r>
+            <a:endParaRPr lang="de-DE" dirty="0" smtClean="0"/>
+          </a:p>
+          <a:p>
+            <a:pPr lvl="1"/>
+            <a:r>
+              <a:rPr lang="de-DE" dirty="0" err="1" smtClean="0"/>
               <a:t>ControlFragment</a:t>
-            </a:r>
-            <a:endParaRPr lang="de-DE" dirty="0" smtClean="0"/>
-          </a:p>
-          <a:p>
-            <a:pPr lvl="1"/>
-            <a:r>
-              <a:rPr lang="de-DE" dirty="0" err="1" smtClean="0"/>
-              <a:t>ControlActivity</a:t>
             </a:r>
             <a:endParaRPr lang="de-DE" dirty="0"/>
           </a:p>
@@ -5877,7 +6243,7 @@
             </a:r>
             <a:r>
               <a:rPr lang="de-DE" dirty="0" err="1" smtClean="0"/>
-              <a:t>Context</a:t>
+              <a:t>Room</a:t>
             </a:r>
             <a:endParaRPr lang="de-DE" dirty="0"/>
           </a:p>
@@ -5914,16 +6280,21 @@
           <a:p>
             <a:r>
               <a:rPr lang="de-DE" dirty="0" smtClean="0"/>
-              <a:t>Räume (</a:t>
+              <a:t>Räume </a:t>
+            </a:r>
+            <a:r>
+              <a:rPr lang="de-DE" dirty="0" smtClean="0"/>
+              <a:t>(</a:t>
             </a:r>
             <a:r>
               <a:rPr lang="de-DE" dirty="0" err="1" smtClean="0"/>
-              <a:t>Context</a:t>
+              <a:t>Room</a:t>
             </a:r>
             <a:r>
               <a:rPr lang="de-DE" dirty="0" smtClean="0"/>
               <a:t>)</a:t>
             </a:r>
+            <a:endParaRPr lang="de-DE" dirty="0" smtClean="0"/>
           </a:p>
           <a:p>
             <a:r>
@@ -6101,7 +6472,7 @@
           <p:nvPr/>
         </p:nvPicPr>
         <p:blipFill>
-          <a:blip r:embed="rId3" cstate="print">
+          <a:blip r:embed="rId3">
             <a:extLst>
               <a:ext uri="{28A0092B-C50C-407E-A947-70E740481C1C}">
                 <a14:useLocalDpi xmlns:a14="http://schemas.microsoft.com/office/drawing/2010/main" val="0"/>
@@ -6114,52 +6485,14 @@
         </p:blipFill>
         <p:spPr>
           <a:xfrm>
-            <a:off x="827584" y="2060848"/>
-            <a:ext cx="6204050" cy="3875100"/>
+            <a:off x="831357" y="2060847"/>
+            <a:ext cx="6836987" cy="4275639"/>
           </a:xfrm>
           <a:prstGeom prst="rect">
             <a:avLst/>
           </a:prstGeom>
         </p:spPr>
       </p:pic>
-      <p:sp>
-        <p:nvSpPr>
-          <p:cNvPr id="5" name="Textfeld 4"/>
-          <p:cNvSpPr txBox="1"/>
-          <p:nvPr/>
-        </p:nvSpPr>
-        <p:spPr>
-          <a:xfrm>
-            <a:off x="1979712" y="4437112"/>
-            <a:ext cx="4680520" cy="646331"/>
-          </a:xfrm>
-          <a:prstGeom prst="rect">
-            <a:avLst/>
-          </a:prstGeom>
-          <a:noFill/>
-        </p:spPr>
-        <p:txBody>
-          <a:bodyPr wrap="square" rtlCol="0">
-            <a:spAutoFit/>
-          </a:bodyPr>
-          <a:lstStyle/>
-          <a:p>
-            <a:r>
-              <a:rPr lang="de-DE" dirty="0" smtClean="0">
-                <a:solidFill>
-                  <a:srgbClr val="FF0000"/>
-                </a:solidFill>
-              </a:rPr>
-              <a:t>SCREENSHOT MIT MARKIERUNGEN ERSTELLEN</a:t>
-            </a:r>
-            <a:endParaRPr lang="de-DE" dirty="0">
-              <a:solidFill>
-                <a:srgbClr val="FF0000"/>
-              </a:solidFill>
-            </a:endParaRPr>
-          </a:p>
-        </p:txBody>
-      </p:sp>
       <p:sp>
         <p:nvSpPr>
           <p:cNvPr id="6" name="Fußzeilenplatzhalter 5"/>
@@ -6464,11 +6797,15 @@
             <a:pPr lvl="1"/>
             <a:r>
               <a:rPr lang="de-DE" dirty="0" err="1" smtClean="0"/>
-              <a:t>Context</a:t>
+              <a:t>Room</a:t>
             </a:r>
             <a:r>
               <a:rPr lang="de-DE" dirty="0" smtClean="0"/>
-              <a:t> um neuen Raum erweitern</a:t>
+              <a:t> um </a:t>
+            </a:r>
+            <a:r>
+              <a:rPr lang="de-DE" dirty="0" smtClean="0"/>
+              <a:t>neuen Raum erweitern</a:t>
             </a:r>
           </a:p>
           <a:p>
@@ -6785,7 +7122,7 @@
           <a:p>
             <a:r>
               <a:rPr lang="de-DE" dirty="0" smtClean="0"/>
-              <a:t>Alleinstellungsmerkmale</a:t>
+              <a:t>Besonderheiten</a:t>
             </a:r>
             <a:endParaRPr lang="de-DE" dirty="0"/>
           </a:p>
@@ -6912,7 +7249,7 @@
           <a:p>
             <a:r>
               <a:rPr lang="de-DE" dirty="0" smtClean="0"/>
-              <a:t>Alleinstellungsmerkmale</a:t>
+              <a:t>Besonderheiten</a:t>
             </a:r>
             <a:endParaRPr lang="de-DE" dirty="0"/>
           </a:p>
@@ -7408,8 +7745,9 @@
           <a:p>
             <a:r>
               <a:rPr lang="de-DE" dirty="0" smtClean="0"/>
-              <a:t>Alleinstellungsmerkmale</a:t>
-            </a:r>
+              <a:t>Besonderheiten</a:t>
+            </a:r>
+            <a:endParaRPr lang="de-DE" dirty="0" smtClean="0"/>
           </a:p>
           <a:p>
             <a:r>
@@ -8457,7 +8795,7 @@
           <a:p>
             <a:r>
               <a:rPr lang="de-DE" dirty="0" err="1" smtClean="0"/>
-              <a:t>Context</a:t>
+              <a:t>Room</a:t>
             </a:r>
             <a:endParaRPr lang="de-DE" dirty="0" smtClean="0"/>
           </a:p>

--- a/dokumente/Präsentation/MyController.pptx
+++ b/dokumente/Präsentation/MyController.pptx
@@ -5,7 +5,7 @@
     <p:sldMasterId id="2147483660" r:id="rId1"/>
   </p:sldMasterIdLst>
   <p:notesMasterIdLst>
-    <p:notesMasterId r:id="rId21"/>
+    <p:notesMasterId r:id="rId22"/>
   </p:notesMasterIdLst>
   <p:sldIdLst>
     <p:sldId id="256" r:id="rId2"/>
@@ -27,6 +27,7 @@
     <p:sldId id="270" r:id="rId18"/>
     <p:sldId id="274" r:id="rId19"/>
     <p:sldId id="271" r:id="rId20"/>
+    <p:sldId id="275" r:id="rId21"/>
   </p:sldIdLst>
   <p:sldSz cx="9144000" cy="6858000" type="screen4x3"/>
   <p:notesSz cx="6858000" cy="9144000"/>
@@ -210,7 +211,7 @@
           <a:p>
             <a:fld id="{25F4AA71-5E66-402A-8793-7CD0B9C1B5F4}" type="datetimeFigureOut">
               <a:rPr lang="de-DE" smtClean="0"/>
-              <a:t>07.02.2013</a:t>
+              <a:t>08.02.2013</a:t>
             </a:fld>
             <a:endParaRPr lang="de-DE"/>
           </a:p>
@@ -875,8 +876,66 @@
           <a:lstStyle/>
           <a:p>
             <a:r>
-              <a:rPr lang="de-DE" smtClean="0"/>
+              <a:rPr lang="de-DE" dirty="0" smtClean="0"/>
               <a:t>Tobi</a:t>
+            </a:r>
+          </a:p>
+          <a:p>
+            <a:r>
+              <a:rPr lang="de-DE" dirty="0" smtClean="0"/>
+              <a:t>Zentrale Komponente</a:t>
+            </a:r>
+            <a:r>
+              <a:rPr lang="de-DE" baseline="0" dirty="0" smtClean="0"/>
+              <a:t> für Nachrichten</a:t>
+            </a:r>
+          </a:p>
+          <a:p>
+            <a:r>
+              <a:rPr lang="de-DE" baseline="0" dirty="0" smtClean="0"/>
+              <a:t>Interface Message -&gt; Licht, Fenster, Rollos, Gardienen</a:t>
+            </a:r>
+          </a:p>
+          <a:p>
+            <a:r>
+              <a:rPr lang="de-DE" baseline="0" dirty="0" smtClean="0"/>
+              <a:t>Message Klassen </a:t>
+            </a:r>
+            <a:r>
+              <a:rPr lang="de-DE" baseline="0" dirty="0" err="1" smtClean="0"/>
+              <a:t>Konstruktoren</a:t>
+            </a:r>
+            <a:r>
+              <a:rPr lang="de-DE" baseline="0" dirty="0" smtClean="0"/>
+              <a:t> gekapselt</a:t>
+            </a:r>
+          </a:p>
+          <a:p>
+            <a:r>
+              <a:rPr lang="de-DE" dirty="0" smtClean="0"/>
+              <a:t>Messages:</a:t>
+            </a:r>
+            <a:r>
+              <a:rPr lang="de-DE" baseline="0" dirty="0" smtClean="0"/>
+              <a:t> Hilfsmethoden erstellen von Nachrichten, unterschiedliche Detaillevel</a:t>
+            </a:r>
+          </a:p>
+          <a:p>
+            <a:r>
+              <a:rPr lang="de-DE" baseline="0" dirty="0" err="1" smtClean="0"/>
+              <a:t>MessageSender</a:t>
+            </a:r>
+            <a:r>
+              <a:rPr lang="de-DE" baseline="0" dirty="0" smtClean="0"/>
+              <a:t>: Versenden von Nachrichten (</a:t>
+            </a:r>
+            <a:r>
+              <a:rPr lang="de-DE" baseline="0" dirty="0" err="1" smtClean="0"/>
+              <a:t>AsyncTask</a:t>
+            </a:r>
+            <a:r>
+              <a:rPr lang="de-DE" baseline="0" dirty="0" smtClean="0"/>
+              <a:t>)</a:t>
             </a:r>
           </a:p>
           <a:p>
@@ -968,6 +1027,16 @@
               <a:rPr lang="de-DE" dirty="0" smtClean="0"/>
               <a:t>Tobi</a:t>
             </a:r>
+          </a:p>
+          <a:p>
+            <a:r>
+              <a:rPr lang="de-DE" dirty="0" smtClean="0"/>
+              <a:t>Was tun um App zu</a:t>
+            </a:r>
+            <a:r>
+              <a:rPr lang="de-DE" baseline="0" dirty="0" smtClean="0"/>
+              <a:t> erweitern? Beispiel</a:t>
+            </a:r>
             <a:endParaRPr lang="de-DE" dirty="0"/>
           </a:p>
         </p:txBody>
@@ -1056,6 +1125,64 @@
               <a:rPr lang="de-DE" dirty="0" smtClean="0"/>
               <a:t>Tobi</a:t>
             </a:r>
+          </a:p>
+          <a:p>
+            <a:r>
+              <a:rPr lang="de-DE" dirty="0" smtClean="0"/>
+              <a:t>Nicht</a:t>
+            </a:r>
+            <a:r>
+              <a:rPr lang="de-DE" baseline="0" dirty="0" smtClean="0"/>
+              <a:t> </a:t>
+            </a:r>
+            <a:r>
+              <a:rPr lang="de-DE" baseline="0" dirty="0" err="1" smtClean="0"/>
+              <a:t>Abwärtskkompatibel</a:t>
+            </a:r>
+            <a:r>
+              <a:rPr lang="de-DE" baseline="0" dirty="0" smtClean="0"/>
+              <a:t>: Keine Altlasten, alle aktuellen Features nutzen können, ohne auf Support-</a:t>
+            </a:r>
+            <a:r>
+              <a:rPr lang="de-DE" baseline="0" dirty="0" err="1" smtClean="0"/>
+              <a:t>Libarys</a:t>
+            </a:r>
+            <a:r>
+              <a:rPr lang="de-DE" baseline="0" dirty="0" smtClean="0"/>
+              <a:t> (</a:t>
+            </a:r>
+            <a:r>
+              <a:rPr lang="de-DE" baseline="0" dirty="0" err="1" smtClean="0"/>
+              <a:t>ActionBarSherlock</a:t>
+            </a:r>
+            <a:r>
+              <a:rPr lang="de-DE" baseline="0" dirty="0" smtClean="0"/>
+              <a:t>) angewiesen zu sein</a:t>
+            </a:r>
+          </a:p>
+          <a:p>
+            <a:r>
+              <a:rPr lang="de-DE" baseline="0" dirty="0" err="1" smtClean="0"/>
+              <a:t>MasterDetailFlow</a:t>
+            </a:r>
+            <a:r>
+              <a:rPr lang="de-DE" baseline="0" dirty="0" smtClean="0"/>
+              <a:t>: Tablet: Master + Detail in einer Aktivität, ein Screen; SP: Master 1. Aktivität, nach Selektion Detail zweite Aktivität</a:t>
+            </a:r>
+          </a:p>
+          <a:p>
+            <a:r>
+              <a:rPr lang="de-DE" baseline="0" dirty="0" smtClean="0"/>
+              <a:t>Sprachen: Bezeichnungen nicht „</a:t>
+            </a:r>
+            <a:r>
+              <a:rPr lang="de-DE" baseline="0" dirty="0" err="1" smtClean="0"/>
+              <a:t>hardcoded</a:t>
+            </a:r>
+            <a:r>
+              <a:rPr lang="de-DE" baseline="0" dirty="0" smtClean="0"/>
+              <a:t>“, keine Anpassungen am Quellcode erforderlich</a:t>
+            </a:r>
             <a:endParaRPr lang="de-DE" dirty="0"/>
           </a:p>
         </p:txBody>
@@ -1408,7 +1535,42 @@
               <a:rPr lang="de-DE" dirty="0" smtClean="0"/>
               <a:t>Tobi</a:t>
             </a:r>
-            <a:endParaRPr lang="de-DE" dirty="0"/>
+          </a:p>
+          <a:p>
+            <a:r>
+              <a:rPr lang="de-DE" dirty="0" err="1" smtClean="0"/>
+              <a:t>Ubisense</a:t>
+            </a:r>
+            <a:r>
+              <a:rPr lang="de-DE" dirty="0" smtClean="0"/>
+              <a:t>: Positionsdaten abfragen, Oberfläche</a:t>
+            </a:r>
+            <a:r>
+              <a:rPr lang="de-DE" baseline="0" dirty="0" smtClean="0"/>
+              <a:t> an Raum anpassen</a:t>
+            </a:r>
+          </a:p>
+          <a:p>
+            <a:r>
+              <a:rPr lang="de-DE" baseline="0" dirty="0" smtClean="0"/>
+              <a:t>GUI: </a:t>
+            </a:r>
+            <a:r>
+              <a:rPr lang="de-DE" baseline="0" dirty="0" err="1" smtClean="0"/>
+              <a:t>Individuallisieren</a:t>
+            </a:r>
+            <a:r>
+              <a:rPr lang="de-DE" baseline="0" dirty="0" smtClean="0"/>
+              <a:t>, abheben von „</a:t>
+            </a:r>
+            <a:r>
+              <a:rPr lang="de-DE" baseline="0" dirty="0" err="1" smtClean="0"/>
+              <a:t>StandardApps</a:t>
+            </a:r>
+            <a:r>
+              <a:rPr lang="de-DE" baseline="0" dirty="0" smtClean="0"/>
+              <a:t>“ (Branding)</a:t>
+            </a:r>
           </a:p>
         </p:txBody>
       </p:sp>
@@ -2321,7 +2483,7 @@
           <a:p>
             <a:fld id="{F31BC880-4A6C-475B-8979-ECC1B24FD02F}" type="datetime1">
               <a:rPr lang="de-DE" smtClean="0"/>
-              <a:t>07.02.2013</a:t>
+              <a:t>08.02.2013</a:t>
             </a:fld>
             <a:endParaRPr lang="de-DE"/>
           </a:p>
@@ -2684,7 +2846,7 @@
           <a:p>
             <a:fld id="{3A2B6693-5B65-478C-A040-0DF11BC4FEF4}" type="datetime1">
               <a:rPr lang="de-DE" smtClean="0"/>
-              <a:t>07.02.2013</a:t>
+              <a:t>08.02.2013</a:t>
             </a:fld>
             <a:endParaRPr lang="de-DE"/>
           </a:p>
@@ -2863,7 +3025,7 @@
           <a:p>
             <a:fld id="{BB3517AF-D434-427A-AC6B-24364C4FB815}" type="datetime1">
               <a:rPr lang="de-DE" smtClean="0"/>
-              <a:t>07.02.2013</a:t>
+              <a:t>08.02.2013</a:t>
             </a:fld>
             <a:endParaRPr lang="de-DE"/>
           </a:p>
@@ -3102,7 +3264,7 @@
           <a:p>
             <a:fld id="{DE0F1DF2-216D-4928-A48E-E3C4F3F16973}" type="datetime1">
               <a:rPr lang="de-DE" smtClean="0"/>
-              <a:t>07.02.2013</a:t>
+              <a:t>08.02.2013</a:t>
             </a:fld>
             <a:endParaRPr lang="de-DE"/>
           </a:p>
@@ -3375,7 +3537,7 @@
           <a:p>
             <a:fld id="{A1309DAB-FECD-423C-94F1-AFDE8D18EE2A}" type="datetime1">
               <a:rPr lang="de-DE" smtClean="0"/>
-              <a:t>07.02.2013</a:t>
+              <a:t>08.02.2013</a:t>
             </a:fld>
             <a:endParaRPr lang="de-DE"/>
           </a:p>
@@ -3599,7 +3761,7 @@
           <a:p>
             <a:fld id="{BE20DDB5-9C16-4749-AB01-028BA930B7BC}" type="datetime1">
               <a:rPr lang="de-DE" smtClean="0"/>
-              <a:t>07.02.2013</a:t>
+              <a:t>08.02.2013</a:t>
             </a:fld>
             <a:endParaRPr lang="de-DE"/>
           </a:p>
@@ -3955,7 +4117,7 @@
           <a:p>
             <a:fld id="{F3B9E33A-F67B-4146-A0F8-D2E343BB32CC}" type="datetime1">
               <a:rPr lang="de-DE" smtClean="0"/>
-              <a:t>07.02.2013</a:t>
+              <a:t>08.02.2013</a:t>
             </a:fld>
             <a:endParaRPr lang="de-DE"/>
           </a:p>
@@ -4191,7 +4353,7 @@
           <a:p>
             <a:fld id="{26174798-D1D0-4C68-8E15-6DA62239E4EE}" type="datetime1">
               <a:rPr lang="de-DE" smtClean="0"/>
-              <a:t>07.02.2013</a:t>
+              <a:t>08.02.2013</a:t>
             </a:fld>
             <a:endParaRPr lang="de-DE"/>
           </a:p>
@@ -4335,7 +4497,7 @@
           <a:p>
             <a:fld id="{72DA59E5-5EED-46E4-95E3-8EF74D6966EA}" type="datetime1">
               <a:rPr lang="de-DE" smtClean="0"/>
-              <a:t>07.02.2013</a:t>
+              <a:t>08.02.2013</a:t>
             </a:fld>
             <a:endParaRPr lang="de-DE"/>
           </a:p>
@@ -4616,7 +4778,7 @@
           <a:p>
             <a:fld id="{8DC6B35F-F137-474B-8899-63D0C31127AC}" type="datetime1">
               <a:rPr lang="de-DE" smtClean="0"/>
-              <a:t>07.02.2013</a:t>
+              <a:t>08.02.2013</a:t>
             </a:fld>
             <a:endParaRPr lang="de-DE"/>
           </a:p>
@@ -5027,7 +5189,7 @@
           <a:p>
             <a:fld id="{D132636D-2819-4C5A-A65E-E1B7D65AEB2B}" type="datetime1">
               <a:rPr lang="de-DE" smtClean="0"/>
-              <a:t>07.02.2013</a:t>
+              <a:t>08.02.2013</a:t>
             </a:fld>
             <a:endParaRPr lang="de-DE"/>
           </a:p>
@@ -5369,7 +5531,7 @@
           <a:p>
             <a:fld id="{8A9445E3-6B84-47E4-84D3-D6FB5E88B60A}" type="datetime1">
               <a:rPr lang="de-DE" smtClean="0"/>
-              <a:t>07.02.2013</a:t>
+              <a:t>08.02.2013</a:t>
             </a:fld>
             <a:endParaRPr lang="de-DE"/>
           </a:p>
@@ -6280,11 +6442,7 @@
           <a:p>
             <a:r>
               <a:rPr lang="de-DE" dirty="0" smtClean="0"/>
-              <a:t>Räume </a:t>
-            </a:r>
-            <a:r>
-              <a:rPr lang="de-DE" dirty="0" smtClean="0"/>
-              <a:t>(</a:t>
+              <a:t>Räume (</a:t>
             </a:r>
             <a:r>
               <a:rPr lang="de-DE" dirty="0" err="1" smtClean="0"/>
@@ -6294,7 +6452,6 @@
               <a:rPr lang="de-DE" dirty="0" smtClean="0"/>
               <a:t>)</a:t>
             </a:r>
-            <a:endParaRPr lang="de-DE" dirty="0" smtClean="0"/>
           </a:p>
           <a:p>
             <a:r>
@@ -6801,11 +6958,7 @@
             </a:r>
             <a:r>
               <a:rPr lang="de-DE" dirty="0" smtClean="0"/>
-              <a:t> um </a:t>
-            </a:r>
-            <a:r>
-              <a:rPr lang="de-DE" dirty="0" smtClean="0"/>
-              <a:t>neuen Raum erweitern</a:t>
+              <a:t> um neuen Raum erweitern</a:t>
             </a:r>
           </a:p>
           <a:p>
@@ -7559,6 +7712,26 @@
           <a:p>
             <a:r>
               <a:rPr lang="de-DE" dirty="0" smtClean="0"/>
+              <a:t>Android-Entwicklung</a:t>
+            </a:r>
+          </a:p>
+          <a:p>
+            <a:pPr lvl="1"/>
+            <a:r>
+              <a:rPr lang="de-DE" dirty="0" smtClean="0"/>
+              <a:t>Interessant </a:t>
+            </a:r>
+          </a:p>
+          <a:p>
+            <a:pPr lvl="1"/>
+            <a:r>
+              <a:rPr lang="de-DE" dirty="0" smtClean="0"/>
+              <a:t>Gutes Framework</a:t>
+            </a:r>
+          </a:p>
+          <a:p>
+            <a:r>
+              <a:rPr lang="de-DE" dirty="0" smtClean="0"/>
               <a:t>Implementierungsaufwand überschätzt</a:t>
             </a:r>
           </a:p>
@@ -7747,7 +7920,6 @@
               <a:rPr lang="de-DE" dirty="0" smtClean="0"/>
               <a:t>Besonderheiten</a:t>
             </a:r>
-            <a:endParaRPr lang="de-DE" dirty="0" smtClean="0"/>
           </a:p>
           <a:p>
             <a:r>
@@ -7829,6 +8001,124 @@
       </p:par>
     </p:tnLst>
   </p:timing>
+</p:sld>
+</file>
+
+<file path=ppt/slides/slide20.xml><?xml version="1.0" encoding="utf-8"?>
+<p:sld xmlns:a="http://schemas.openxmlformats.org/drawingml/2006/main" xmlns:r="http://schemas.openxmlformats.org/officeDocument/2006/relationships" xmlns:p="http://schemas.openxmlformats.org/presentationml/2006/main">
+  <p:cSld>
+    <p:spTree>
+      <p:nvGrpSpPr>
+        <p:cNvPr id="1" name=""/>
+        <p:cNvGrpSpPr/>
+        <p:nvPr/>
+      </p:nvGrpSpPr>
+      <p:grpSpPr>
+        <a:xfrm>
+          <a:off x="0" y="0"/>
+          <a:ext cx="0" cy="0"/>
+          <a:chOff x="0" y="0"/>
+          <a:chExt cx="0" cy="0"/>
+        </a:xfrm>
+      </p:grpSpPr>
+      <p:sp>
+        <p:nvSpPr>
+          <p:cNvPr id="6" name="Titel 5"/>
+          <p:cNvSpPr>
+            <a:spLocks noGrp="1"/>
+          </p:cNvSpPr>
+          <p:nvPr>
+            <p:ph type="title"/>
+          </p:nvPr>
+        </p:nvSpPr>
+        <p:spPr/>
+        <p:txBody>
+          <a:bodyPr/>
+          <a:lstStyle/>
+          <a:p>
+            <a:r>
+              <a:rPr lang="de-DE" dirty="0" smtClean="0"/>
+              <a:t>Vielen Dank für Ihre Aufmerksamkeit</a:t>
+            </a:r>
+            <a:endParaRPr lang="de-DE" dirty="0"/>
+          </a:p>
+        </p:txBody>
+      </p:sp>
+      <p:sp>
+        <p:nvSpPr>
+          <p:cNvPr id="7" name="Textplatzhalter 6"/>
+          <p:cNvSpPr>
+            <a:spLocks noGrp="1"/>
+          </p:cNvSpPr>
+          <p:nvPr>
+            <p:ph type="body" idx="1"/>
+          </p:nvPr>
+        </p:nvSpPr>
+        <p:spPr/>
+        <p:txBody>
+          <a:bodyPr/>
+          <a:lstStyle/>
+          <a:p>
+            <a:endParaRPr lang="de-DE"/>
+          </a:p>
+        </p:txBody>
+      </p:sp>
+      <p:sp>
+        <p:nvSpPr>
+          <p:cNvPr id="3" name="Fußzeilenplatzhalter 2"/>
+          <p:cNvSpPr>
+            <a:spLocks noGrp="1"/>
+          </p:cNvSpPr>
+          <p:nvPr>
+            <p:ph type="ftr" sz="quarter" idx="11"/>
+          </p:nvPr>
+        </p:nvSpPr>
+        <p:spPr/>
+        <p:txBody>
+          <a:bodyPr/>
+          <a:lstStyle/>
+          <a:p>
+            <a:r>
+              <a:rPr lang="de-DE" smtClean="0"/>
+              <a:t>MyController - N. Feyerabend, T. Meurer</a:t>
+            </a:r>
+            <a:endParaRPr lang="de-DE"/>
+          </a:p>
+        </p:txBody>
+      </p:sp>
+      <p:sp>
+        <p:nvSpPr>
+          <p:cNvPr id="4" name="Foliennummernplatzhalter 3"/>
+          <p:cNvSpPr>
+            <a:spLocks noGrp="1"/>
+          </p:cNvSpPr>
+          <p:nvPr>
+            <p:ph type="sldNum" sz="quarter" idx="12"/>
+          </p:nvPr>
+        </p:nvSpPr>
+        <p:spPr/>
+        <p:txBody>
+          <a:bodyPr/>
+          <a:lstStyle/>
+          <a:p>
+            <a:fld id="{161AA39E-9F83-4643-BD3A-E980A363C858}" type="slidenum">
+              <a:rPr lang="de-DE" smtClean="0"/>
+              <a:t>20</a:t>
+            </a:fld>
+            <a:endParaRPr lang="de-DE"/>
+          </a:p>
+        </p:txBody>
+      </p:sp>
+    </p:spTree>
+    <p:extLst>
+      <p:ext uri="{BB962C8B-B14F-4D97-AF65-F5344CB8AC3E}">
+        <p14:creationId xmlns:p14="http://schemas.microsoft.com/office/powerpoint/2010/main" val="2823591429"/>
+      </p:ext>
+    </p:extLst>
+  </p:cSld>
+  <p:clrMapOvr>
+    <a:masterClrMapping/>
+  </p:clrMapOvr>
 </p:sld>
 </file>
 
